--- a/Kanta/kalawat/Gi Tudluan.pptx
+++ b/Kanta/kalawat/Gi Tudluan.pptx
@@ -6,15 +6,16 @@
   </p:sldMasterIdLst>
   <p:sldIdLst>
     <p:sldId id="256" r:id="rId2"/>
-    <p:sldId id="354" r:id="rId3"/>
-    <p:sldId id="356" r:id="rId4"/>
-    <p:sldId id="357" r:id="rId5"/>
-    <p:sldId id="358" r:id="rId6"/>
-    <p:sldId id="362" r:id="rId7"/>
-    <p:sldId id="363" r:id="rId8"/>
-    <p:sldId id="359" r:id="rId9"/>
-    <p:sldId id="360" r:id="rId10"/>
-    <p:sldId id="361" r:id="rId11"/>
+    <p:sldId id="364" r:id="rId3"/>
+    <p:sldId id="354" r:id="rId4"/>
+    <p:sldId id="356" r:id="rId5"/>
+    <p:sldId id="357" r:id="rId6"/>
+    <p:sldId id="358" r:id="rId7"/>
+    <p:sldId id="362" r:id="rId8"/>
+    <p:sldId id="363" r:id="rId9"/>
+    <p:sldId id="359" r:id="rId10"/>
+    <p:sldId id="360" r:id="rId11"/>
+    <p:sldId id="361" r:id="rId12"/>
   </p:sldIdLst>
   <p:sldSz cx="12192000" cy="6858000"/>
   <p:notesSz cx="6858000" cy="9144000"/>
@@ -268,7 +269,7 @@
           <a:p>
             <a:fld id="{689CB065-93CC-4F93-97CB-5160E2F98F73}" type="datetimeFigureOut">
               <a:rPr lang="en-US" smtClean="0"/>
-              <a:t>1/24/2025</a:t>
+              <a:t>1/5/2026</a:t>
             </a:fld>
             <a:endParaRPr lang="en-US"/>
           </a:p>
@@ -466,7 +467,7 @@
           <a:p>
             <a:fld id="{689CB065-93CC-4F93-97CB-5160E2F98F73}" type="datetimeFigureOut">
               <a:rPr lang="en-US" smtClean="0"/>
-              <a:t>1/24/2025</a:t>
+              <a:t>1/5/2026</a:t>
             </a:fld>
             <a:endParaRPr lang="en-US"/>
           </a:p>
@@ -674,7 +675,7 @@
           <a:p>
             <a:fld id="{689CB065-93CC-4F93-97CB-5160E2F98F73}" type="datetimeFigureOut">
               <a:rPr lang="en-US" smtClean="0"/>
-              <a:t>1/24/2025</a:t>
+              <a:t>1/5/2026</a:t>
             </a:fld>
             <a:endParaRPr lang="en-US"/>
           </a:p>
@@ -872,7 +873,7 @@
           <a:p>
             <a:fld id="{689CB065-93CC-4F93-97CB-5160E2F98F73}" type="datetimeFigureOut">
               <a:rPr lang="en-US" smtClean="0"/>
-              <a:t>1/24/2025</a:t>
+              <a:t>1/5/2026</a:t>
             </a:fld>
             <a:endParaRPr lang="en-US"/>
           </a:p>
@@ -1147,7 +1148,7 @@
           <a:p>
             <a:fld id="{689CB065-93CC-4F93-97CB-5160E2F98F73}" type="datetimeFigureOut">
               <a:rPr lang="en-US" smtClean="0"/>
-              <a:t>1/24/2025</a:t>
+              <a:t>1/5/2026</a:t>
             </a:fld>
             <a:endParaRPr lang="en-US"/>
           </a:p>
@@ -1412,7 +1413,7 @@
           <a:p>
             <a:fld id="{689CB065-93CC-4F93-97CB-5160E2F98F73}" type="datetimeFigureOut">
               <a:rPr lang="en-US" smtClean="0"/>
-              <a:t>1/24/2025</a:t>
+              <a:t>1/5/2026</a:t>
             </a:fld>
             <a:endParaRPr lang="en-US"/>
           </a:p>
@@ -1824,7 +1825,7 @@
           <a:p>
             <a:fld id="{689CB065-93CC-4F93-97CB-5160E2F98F73}" type="datetimeFigureOut">
               <a:rPr lang="en-US" smtClean="0"/>
-              <a:t>1/24/2025</a:t>
+              <a:t>1/5/2026</a:t>
             </a:fld>
             <a:endParaRPr lang="en-US"/>
           </a:p>
@@ -1965,7 +1966,7 @@
           <a:p>
             <a:fld id="{689CB065-93CC-4F93-97CB-5160E2F98F73}" type="datetimeFigureOut">
               <a:rPr lang="en-US" smtClean="0"/>
-              <a:t>1/24/2025</a:t>
+              <a:t>1/5/2026</a:t>
             </a:fld>
             <a:endParaRPr lang="en-US"/>
           </a:p>
@@ -2078,7 +2079,7 @@
           <a:p>
             <a:fld id="{689CB065-93CC-4F93-97CB-5160E2F98F73}" type="datetimeFigureOut">
               <a:rPr lang="en-US" smtClean="0"/>
-              <a:t>1/24/2025</a:t>
+              <a:t>1/5/2026</a:t>
             </a:fld>
             <a:endParaRPr lang="en-US"/>
           </a:p>
@@ -2389,7 +2390,7 @@
           <a:p>
             <a:fld id="{689CB065-93CC-4F93-97CB-5160E2F98F73}" type="datetimeFigureOut">
               <a:rPr lang="en-US" smtClean="0"/>
-              <a:t>1/24/2025</a:t>
+              <a:t>1/5/2026</a:t>
             </a:fld>
             <a:endParaRPr lang="en-US"/>
           </a:p>
@@ -2677,7 +2678,7 @@
           <a:p>
             <a:fld id="{689CB065-93CC-4F93-97CB-5160E2F98F73}" type="datetimeFigureOut">
               <a:rPr lang="en-US" smtClean="0"/>
-              <a:t>1/24/2025</a:t>
+              <a:t>1/5/2026</a:t>
             </a:fld>
             <a:endParaRPr lang="en-US"/>
           </a:p>
@@ -2921,7 +2922,7 @@
           <a:p>
             <a:fld id="{689CB065-93CC-4F93-97CB-5160E2F98F73}" type="datetimeFigureOut">
               <a:rPr lang="en-US" smtClean="0"/>
-              <a:t>1/24/2025</a:t>
+              <a:t>1/5/2026</a:t>
             </a:fld>
             <a:endParaRPr lang="en-US"/>
           </a:p>
@@ -3507,41 +3508,17 @@
                 <a:latin typeface="Times New Roman" panose="02020603050405020304" pitchFamily="18" charset="0"/>
                 <a:cs typeface="Times New Roman" panose="02020603050405020304" pitchFamily="18" charset="0"/>
               </a:rPr>
-              <a:t>Ug Ang Tumang Katam-is</a:t>
+              <a:t>Ug Ang Tumang Katam-is,</a:t>
             </a:r>
           </a:p>
           <a:p>
             <a:pPr algn="ctr"/>
             <a:r>
-              <a:rPr lang="en-ID" sz="10000" dirty="0" err="1">
+              <a:rPr lang="sv-SE" sz="10000" dirty="0">
                 <a:latin typeface="Times New Roman" panose="02020603050405020304" pitchFamily="18" charset="0"/>
                 <a:cs typeface="Times New Roman" panose="02020603050405020304" pitchFamily="18" charset="0"/>
               </a:rPr>
-              <a:t>Tagamtama</a:t>
-            </a:r>
-            <a:r>
-              <a:rPr lang="en-ID" sz="10000" dirty="0">
-                <a:latin typeface="Times New Roman" panose="02020603050405020304" pitchFamily="18" charset="0"/>
-                <a:cs typeface="Times New Roman" panose="02020603050405020304" pitchFamily="18" charset="0"/>
-              </a:rPr>
-              <a:t>,</a:t>
-            </a:r>
-          </a:p>
-          <a:p>
-            <a:pPr algn="ctr"/>
-            <a:r>
-              <a:rPr lang="en-ID" sz="10000" dirty="0" err="1">
-                <a:latin typeface="Times New Roman" panose="02020603050405020304" pitchFamily="18" charset="0"/>
-                <a:cs typeface="Times New Roman" panose="02020603050405020304" pitchFamily="18" charset="0"/>
-              </a:rPr>
-              <a:t>Tagamta</a:t>
-            </a:r>
-            <a:r>
-              <a:rPr lang="en-ID" sz="10000" dirty="0">
-                <a:latin typeface="Times New Roman" panose="02020603050405020304" pitchFamily="18" charset="0"/>
-                <a:cs typeface="Times New Roman" panose="02020603050405020304" pitchFamily="18" charset="0"/>
-              </a:rPr>
-              <a:t>-ma</a:t>
+              <a:t>Tagamtama Tagamta-ma</a:t>
             </a:r>
           </a:p>
         </p:txBody>
@@ -3549,7 +3526,7 @@
     </p:spTree>
     <p:extLst>
       <p:ext uri="{BB962C8B-B14F-4D97-AF65-F5344CB8AC3E}">
-        <p14:creationId xmlns:p14="http://schemas.microsoft.com/office/powerpoint/2010/main" val="3829664489"/>
+        <p14:creationId xmlns:p14="http://schemas.microsoft.com/office/powerpoint/2010/main" val="3066927214"/>
       </p:ext>
     </p:extLst>
   </p:cSld>
@@ -3559,7 +3536,7 @@
 </p:sld>
 </file>
 
-<file path=ppt/slides/slide2.xml><?xml version="1.0" encoding="utf-8"?>
+<file path=ppt/slides/slide11.xml><?xml version="1.0" encoding="utf-8"?>
 <p:sld xmlns:a="http://schemas.openxmlformats.org/drawingml/2006/main" xmlns:r="http://schemas.openxmlformats.org/officeDocument/2006/relationships" xmlns:p="http://schemas.openxmlformats.org/presentationml/2006/main">
   <p:cSld>
     <p:spTree>
@@ -3631,6 +3608,375 @@
                 <a:latin typeface="Times New Roman" panose="02020603050405020304" pitchFamily="18" charset="0"/>
                 <a:cs typeface="Times New Roman" panose="02020603050405020304" pitchFamily="18" charset="0"/>
               </a:rPr>
+              <a:t>Ug Ang Tumang Katam-is</a:t>
+            </a:r>
+          </a:p>
+          <a:p>
+            <a:pPr algn="ctr"/>
+            <a:r>
+              <a:rPr lang="en-ID" sz="10000" dirty="0" err="1">
+                <a:latin typeface="Times New Roman" panose="02020603050405020304" pitchFamily="18" charset="0"/>
+                <a:cs typeface="Times New Roman" panose="02020603050405020304" pitchFamily="18" charset="0"/>
+              </a:rPr>
+              <a:t>Tagamtama</a:t>
+            </a:r>
+            <a:r>
+              <a:rPr lang="en-ID" sz="10000" dirty="0">
+                <a:latin typeface="Times New Roman" panose="02020603050405020304" pitchFamily="18" charset="0"/>
+                <a:cs typeface="Times New Roman" panose="02020603050405020304" pitchFamily="18" charset="0"/>
+              </a:rPr>
+              <a:t>,</a:t>
+            </a:r>
+          </a:p>
+          <a:p>
+            <a:pPr algn="ctr"/>
+            <a:r>
+              <a:rPr lang="en-ID" sz="10000" dirty="0" err="1">
+                <a:latin typeface="Times New Roman" panose="02020603050405020304" pitchFamily="18" charset="0"/>
+                <a:cs typeface="Times New Roman" panose="02020603050405020304" pitchFamily="18" charset="0"/>
+              </a:rPr>
+              <a:t>Tagamta</a:t>
+            </a:r>
+            <a:r>
+              <a:rPr lang="en-ID" sz="10000" dirty="0">
+                <a:latin typeface="Times New Roman" panose="02020603050405020304" pitchFamily="18" charset="0"/>
+                <a:cs typeface="Times New Roman" panose="02020603050405020304" pitchFamily="18" charset="0"/>
+              </a:rPr>
+              <a:t>-ma</a:t>
+            </a:r>
+          </a:p>
+        </p:txBody>
+      </p:sp>
+    </p:spTree>
+    <p:extLst>
+      <p:ext uri="{BB962C8B-B14F-4D97-AF65-F5344CB8AC3E}">
+        <p14:creationId xmlns:p14="http://schemas.microsoft.com/office/powerpoint/2010/main" val="3829664489"/>
+      </p:ext>
+    </p:extLst>
+  </p:cSld>
+  <p:clrMapOvr>
+    <a:masterClrMapping/>
+  </p:clrMapOvr>
+</p:sld>
+</file>
+
+<file path=ppt/slides/slide2.xml><?xml version="1.0" encoding="utf-8"?>
+<p:sld xmlns:a="http://schemas.openxmlformats.org/drawingml/2006/main" xmlns:r="http://schemas.openxmlformats.org/officeDocument/2006/relationships" xmlns:p="http://schemas.openxmlformats.org/presentationml/2006/main">
+  <p:cSld>
+    <p:spTree>
+      <p:nvGrpSpPr>
+        <p:cNvPr id="1" name=""/>
+        <p:cNvGrpSpPr/>
+        <p:nvPr/>
+      </p:nvGrpSpPr>
+      <p:grpSpPr>
+        <a:xfrm>
+          <a:off x="0" y="0"/>
+          <a:ext cx="0" cy="0"/>
+          <a:chOff x="0" y="0"/>
+          <a:chExt cx="0" cy="0"/>
+        </a:xfrm>
+      </p:grpSpPr>
+      <p:sp>
+        <p:nvSpPr>
+          <p:cNvPr id="4" name="Rectangle 3">
+            <a:extLst>
+              <a:ext uri="{FF2B5EF4-FFF2-40B4-BE49-F238E27FC236}">
+                <a16:creationId xmlns:a16="http://schemas.microsoft.com/office/drawing/2014/main" id="{4B3BF86F-B0D8-490B-9AFE-96DFA7663221}"/>
+              </a:ext>
+            </a:extLst>
+          </p:cNvPr>
+          <p:cNvSpPr/>
+          <p:nvPr/>
+        </p:nvSpPr>
+        <p:spPr>
+          <a:xfrm>
+            <a:off x="0" y="0"/>
+            <a:ext cx="12192000" cy="6858000"/>
+          </a:xfrm>
+          <a:prstGeom prst="rect">
+            <a:avLst/>
+          </a:prstGeom>
+          <a:noFill/>
+          <a:ln>
+            <a:noFill/>
+          </a:ln>
+        </p:spPr>
+        <p:style>
+          <a:lnRef idx="2">
+            <a:schemeClr val="accent1">
+              <a:shade val="50000"/>
+            </a:schemeClr>
+          </a:lnRef>
+          <a:fillRef idx="1">
+            <a:schemeClr val="accent1"/>
+          </a:fillRef>
+          <a:effectRef idx="0">
+            <a:schemeClr val="accent1"/>
+          </a:effectRef>
+          <a:fontRef idx="minor">
+            <a:schemeClr val="lt1"/>
+          </a:fontRef>
+        </p:style>
+        <p:txBody>
+          <a:bodyPr rtlCol="0" anchor="ctr"/>
+          <a:lstStyle/>
+          <a:p>
+            <a:pPr algn="ctr"/>
+            <a:r>
+              <a:rPr lang="en-US" sz="4000" dirty="0">
+                <a:solidFill>
+                  <a:schemeClr val="bg1"/>
+                </a:solidFill>
+                <a:latin typeface="Times New Roman" panose="02020603050405020304" pitchFamily="18" charset="0"/>
+                <a:cs typeface="Times New Roman" panose="02020603050405020304" pitchFamily="18" charset="0"/>
+              </a:rPr>
+              <a:t>Intro </a:t>
+            </a:r>
+          </a:p>
+        </p:txBody>
+      </p:sp>
+      <p:sp>
+        <p:nvSpPr>
+          <p:cNvPr id="3" name="Rectangle 2">
+            <a:extLst>
+              <a:ext uri="{FF2B5EF4-FFF2-40B4-BE49-F238E27FC236}">
+                <a16:creationId xmlns:a16="http://schemas.microsoft.com/office/drawing/2014/main" id="{425E2C9C-C860-4204-AAE1-8A98FCDD9E65}"/>
+              </a:ext>
+            </a:extLst>
+          </p:cNvPr>
+          <p:cNvSpPr/>
+          <p:nvPr/>
+        </p:nvSpPr>
+        <p:spPr>
+          <a:xfrm>
+            <a:off x="4040293" y="3581617"/>
+            <a:ext cx="4111414" cy="970671"/>
+          </a:xfrm>
+          <a:prstGeom prst="rect">
+            <a:avLst/>
+          </a:prstGeom>
+          <a:noFill/>
+          <a:ln>
+            <a:noFill/>
+          </a:ln>
+        </p:spPr>
+        <p:style>
+          <a:lnRef idx="2">
+            <a:schemeClr val="accent1">
+              <a:shade val="50000"/>
+            </a:schemeClr>
+          </a:lnRef>
+          <a:fillRef idx="1">
+            <a:schemeClr val="accent1"/>
+          </a:fillRef>
+          <a:effectRef idx="0">
+            <a:schemeClr val="accent1"/>
+          </a:effectRef>
+          <a:fontRef idx="minor">
+            <a:schemeClr val="lt1"/>
+          </a:fontRef>
+        </p:style>
+        <p:txBody>
+          <a:bodyPr rtlCol="0" anchor="ctr"/>
+          <a:lstStyle>
+            <a:defPPr>
+              <a:defRPr lang="en-US"/>
+            </a:defPPr>
+            <a:lvl1pPr marL="0" algn="l" defTabSz="914400" rtl="0" eaLnBrk="1" latinLnBrk="0" hangingPunct="1">
+              <a:defRPr sz="1800" kern="1200">
+                <a:solidFill>
+                  <a:schemeClr val="lt1"/>
+                </a:solidFill>
+                <a:latin typeface="+mn-lt"/>
+                <a:ea typeface="+mn-ea"/>
+                <a:cs typeface="+mn-cs"/>
+              </a:defRPr>
+            </a:lvl1pPr>
+            <a:lvl2pPr marL="457200" algn="l" defTabSz="914400" rtl="0" eaLnBrk="1" latinLnBrk="0" hangingPunct="1">
+              <a:defRPr sz="1800" kern="1200">
+                <a:solidFill>
+                  <a:schemeClr val="lt1"/>
+                </a:solidFill>
+                <a:latin typeface="+mn-lt"/>
+                <a:ea typeface="+mn-ea"/>
+                <a:cs typeface="+mn-cs"/>
+              </a:defRPr>
+            </a:lvl2pPr>
+            <a:lvl3pPr marL="914400" algn="l" defTabSz="914400" rtl="0" eaLnBrk="1" latinLnBrk="0" hangingPunct="1">
+              <a:defRPr sz="1800" kern="1200">
+                <a:solidFill>
+                  <a:schemeClr val="lt1"/>
+                </a:solidFill>
+                <a:latin typeface="+mn-lt"/>
+                <a:ea typeface="+mn-ea"/>
+                <a:cs typeface="+mn-cs"/>
+              </a:defRPr>
+            </a:lvl3pPr>
+            <a:lvl4pPr marL="1371600" algn="l" defTabSz="914400" rtl="0" eaLnBrk="1" latinLnBrk="0" hangingPunct="1">
+              <a:defRPr sz="1800" kern="1200">
+                <a:solidFill>
+                  <a:schemeClr val="lt1"/>
+                </a:solidFill>
+                <a:latin typeface="+mn-lt"/>
+                <a:ea typeface="+mn-ea"/>
+                <a:cs typeface="+mn-cs"/>
+              </a:defRPr>
+            </a:lvl4pPr>
+            <a:lvl5pPr marL="1828800" algn="l" defTabSz="914400" rtl="0" eaLnBrk="1" latinLnBrk="0" hangingPunct="1">
+              <a:defRPr sz="1800" kern="1200">
+                <a:solidFill>
+                  <a:schemeClr val="lt1"/>
+                </a:solidFill>
+                <a:latin typeface="+mn-lt"/>
+                <a:ea typeface="+mn-ea"/>
+                <a:cs typeface="+mn-cs"/>
+              </a:defRPr>
+            </a:lvl5pPr>
+            <a:lvl6pPr marL="2286000" algn="l" defTabSz="914400" rtl="0" eaLnBrk="1" latinLnBrk="0" hangingPunct="1">
+              <a:defRPr sz="1800" kern="1200">
+                <a:solidFill>
+                  <a:schemeClr val="lt1"/>
+                </a:solidFill>
+                <a:latin typeface="+mn-lt"/>
+                <a:ea typeface="+mn-ea"/>
+                <a:cs typeface="+mn-cs"/>
+              </a:defRPr>
+            </a:lvl6pPr>
+            <a:lvl7pPr marL="2743200" algn="l" defTabSz="914400" rtl="0" eaLnBrk="1" latinLnBrk="0" hangingPunct="1">
+              <a:defRPr sz="1800" kern="1200">
+                <a:solidFill>
+                  <a:schemeClr val="lt1"/>
+                </a:solidFill>
+                <a:latin typeface="+mn-lt"/>
+                <a:ea typeface="+mn-ea"/>
+                <a:cs typeface="+mn-cs"/>
+              </a:defRPr>
+            </a:lvl7pPr>
+            <a:lvl8pPr marL="3200400" algn="l" defTabSz="914400" rtl="0" eaLnBrk="1" latinLnBrk="0" hangingPunct="1">
+              <a:defRPr sz="1800" kern="1200">
+                <a:solidFill>
+                  <a:schemeClr val="lt1"/>
+                </a:solidFill>
+                <a:latin typeface="+mn-lt"/>
+                <a:ea typeface="+mn-ea"/>
+                <a:cs typeface="+mn-cs"/>
+              </a:defRPr>
+            </a:lvl8pPr>
+            <a:lvl9pPr marL="3657600" algn="l" defTabSz="914400" rtl="0" eaLnBrk="1" latinLnBrk="0" hangingPunct="1">
+              <a:defRPr sz="1800" kern="1200">
+                <a:solidFill>
+                  <a:schemeClr val="lt1"/>
+                </a:solidFill>
+                <a:latin typeface="+mn-lt"/>
+                <a:ea typeface="+mn-ea"/>
+                <a:cs typeface="+mn-cs"/>
+              </a:defRPr>
+            </a:lvl9pPr>
+          </a:lstStyle>
+          <a:p>
+            <a:pPr algn="ctr"/>
+            <a:r>
+              <a:rPr lang="en-US" sz="5400" dirty="0">
+                <a:solidFill>
+                  <a:schemeClr val="accent4"/>
+                </a:solidFill>
+              </a:rPr>
+              <a:t>G Am D G</a:t>
+            </a:r>
+            <a:endParaRPr lang="en-PH" sz="5400" dirty="0">
+              <a:solidFill>
+                <a:schemeClr val="accent4"/>
+              </a:solidFill>
+            </a:endParaRPr>
+          </a:p>
+        </p:txBody>
+      </p:sp>
+    </p:spTree>
+    <p:extLst>
+      <p:ext uri="{BB962C8B-B14F-4D97-AF65-F5344CB8AC3E}">
+        <p14:creationId xmlns:p14="http://schemas.microsoft.com/office/powerpoint/2010/main" val="3319956542"/>
+      </p:ext>
+    </p:extLst>
+  </p:cSld>
+  <p:clrMapOvr>
+    <a:masterClrMapping/>
+  </p:clrMapOvr>
+</p:sld>
+</file>
+
+<file path=ppt/slides/slide3.xml><?xml version="1.0" encoding="utf-8"?>
+<p:sld xmlns:a="http://schemas.openxmlformats.org/drawingml/2006/main" xmlns:r="http://schemas.openxmlformats.org/officeDocument/2006/relationships" xmlns:p="http://schemas.openxmlformats.org/presentationml/2006/main">
+  <p:cSld>
+    <p:spTree>
+      <p:nvGrpSpPr>
+        <p:cNvPr id="1" name=""/>
+        <p:cNvGrpSpPr/>
+        <p:nvPr/>
+      </p:nvGrpSpPr>
+      <p:grpSpPr>
+        <a:xfrm>
+          <a:off x="0" y="0"/>
+          <a:ext cx="0" cy="0"/>
+          <a:chOff x="0" y="0"/>
+          <a:chExt cx="0" cy="0"/>
+        </a:xfrm>
+      </p:grpSpPr>
+      <p:sp>
+        <p:nvSpPr>
+          <p:cNvPr id="8" name="Rectangle 7">
+            <a:extLst>
+              <a:ext uri="{FF2B5EF4-FFF2-40B4-BE49-F238E27FC236}">
+                <a16:creationId xmlns:a16="http://schemas.microsoft.com/office/drawing/2014/main" id="{F2D4EDD6-DCB2-420C-ACFA-D33CC2ACEAE1}"/>
+              </a:ext>
+            </a:extLst>
+          </p:cNvPr>
+          <p:cNvSpPr/>
+          <p:nvPr/>
+        </p:nvSpPr>
+        <p:spPr>
+          <a:xfrm>
+            <a:off x="0" y="0"/>
+            <a:ext cx="12192000" cy="6858000"/>
+          </a:xfrm>
+          <a:prstGeom prst="rect">
+            <a:avLst/>
+          </a:prstGeom>
+          <a:solidFill>
+            <a:schemeClr val="tx1">
+              <a:alpha val="38000"/>
+            </a:schemeClr>
+          </a:solidFill>
+          <a:ln>
+            <a:noFill/>
+          </a:ln>
+        </p:spPr>
+        <p:style>
+          <a:lnRef idx="2">
+            <a:schemeClr val="accent1">
+              <a:shade val="50000"/>
+            </a:schemeClr>
+          </a:lnRef>
+          <a:fillRef idx="1">
+            <a:schemeClr val="accent1"/>
+          </a:fillRef>
+          <a:effectRef idx="0">
+            <a:schemeClr val="accent1"/>
+          </a:effectRef>
+          <a:fontRef idx="minor">
+            <a:schemeClr val="lt1"/>
+          </a:fontRef>
+        </p:style>
+        <p:txBody>
+          <a:bodyPr rtlCol="0" anchor="ctr"/>
+          <a:lstStyle/>
+          <a:p>
+            <a:pPr algn="ctr"/>
+            <a:r>
+              <a:rPr lang="sv-SE" sz="10000" dirty="0">
+                <a:latin typeface="Times New Roman" panose="02020603050405020304" pitchFamily="18" charset="0"/>
+                <a:cs typeface="Times New Roman" panose="02020603050405020304" pitchFamily="18" charset="0"/>
+              </a:rPr>
               <a:t>Gitudloan Mo Kami Sa Paghigugma,</a:t>
             </a:r>
           </a:p>
@@ -3646,6 +3992,630 @@
             <a:endParaRPr lang="en-ID" sz="10000" dirty="0">
               <a:latin typeface="Times New Roman" panose="02020603050405020304" pitchFamily="18" charset="0"/>
               <a:cs typeface="Times New Roman" panose="02020603050405020304" pitchFamily="18" charset="0"/>
+            </a:endParaRPr>
+          </a:p>
+        </p:txBody>
+      </p:sp>
+      <p:sp>
+        <p:nvSpPr>
+          <p:cNvPr id="3" name="Rectangle 2">
+            <a:extLst>
+              <a:ext uri="{FF2B5EF4-FFF2-40B4-BE49-F238E27FC236}">
+                <a16:creationId xmlns:a16="http://schemas.microsoft.com/office/drawing/2014/main" id="{BD66AB26-ADBE-4359-8811-2EEE2D07E6BC}"/>
+              </a:ext>
+            </a:extLst>
+          </p:cNvPr>
+          <p:cNvSpPr/>
+          <p:nvPr/>
+        </p:nvSpPr>
+        <p:spPr>
+          <a:xfrm>
+            <a:off x="-326223" y="-63795"/>
+            <a:ext cx="1786597" cy="970671"/>
+          </a:xfrm>
+          <a:prstGeom prst="rect">
+            <a:avLst/>
+          </a:prstGeom>
+          <a:noFill/>
+          <a:ln>
+            <a:noFill/>
+          </a:ln>
+        </p:spPr>
+        <p:style>
+          <a:lnRef idx="2">
+            <a:schemeClr val="accent1">
+              <a:shade val="50000"/>
+            </a:schemeClr>
+          </a:lnRef>
+          <a:fillRef idx="1">
+            <a:schemeClr val="accent1"/>
+          </a:fillRef>
+          <a:effectRef idx="0">
+            <a:schemeClr val="accent1"/>
+          </a:effectRef>
+          <a:fontRef idx="minor">
+            <a:schemeClr val="lt1"/>
+          </a:fontRef>
+        </p:style>
+        <p:txBody>
+          <a:bodyPr rtlCol="0" anchor="ctr"/>
+          <a:lstStyle>
+            <a:defPPr>
+              <a:defRPr lang="en-US"/>
+            </a:defPPr>
+            <a:lvl1pPr marL="0" algn="l" defTabSz="914400" rtl="0" eaLnBrk="1" latinLnBrk="0" hangingPunct="1">
+              <a:defRPr sz="1800" kern="1200">
+                <a:solidFill>
+                  <a:schemeClr val="lt1"/>
+                </a:solidFill>
+                <a:latin typeface="+mn-lt"/>
+                <a:ea typeface="+mn-ea"/>
+                <a:cs typeface="+mn-cs"/>
+              </a:defRPr>
+            </a:lvl1pPr>
+            <a:lvl2pPr marL="457200" algn="l" defTabSz="914400" rtl="0" eaLnBrk="1" latinLnBrk="0" hangingPunct="1">
+              <a:defRPr sz="1800" kern="1200">
+                <a:solidFill>
+                  <a:schemeClr val="lt1"/>
+                </a:solidFill>
+                <a:latin typeface="+mn-lt"/>
+                <a:ea typeface="+mn-ea"/>
+                <a:cs typeface="+mn-cs"/>
+              </a:defRPr>
+            </a:lvl2pPr>
+            <a:lvl3pPr marL="914400" algn="l" defTabSz="914400" rtl="0" eaLnBrk="1" latinLnBrk="0" hangingPunct="1">
+              <a:defRPr sz="1800" kern="1200">
+                <a:solidFill>
+                  <a:schemeClr val="lt1"/>
+                </a:solidFill>
+                <a:latin typeface="+mn-lt"/>
+                <a:ea typeface="+mn-ea"/>
+                <a:cs typeface="+mn-cs"/>
+              </a:defRPr>
+            </a:lvl3pPr>
+            <a:lvl4pPr marL="1371600" algn="l" defTabSz="914400" rtl="0" eaLnBrk="1" latinLnBrk="0" hangingPunct="1">
+              <a:defRPr sz="1800" kern="1200">
+                <a:solidFill>
+                  <a:schemeClr val="lt1"/>
+                </a:solidFill>
+                <a:latin typeface="+mn-lt"/>
+                <a:ea typeface="+mn-ea"/>
+                <a:cs typeface="+mn-cs"/>
+              </a:defRPr>
+            </a:lvl4pPr>
+            <a:lvl5pPr marL="1828800" algn="l" defTabSz="914400" rtl="0" eaLnBrk="1" latinLnBrk="0" hangingPunct="1">
+              <a:defRPr sz="1800" kern="1200">
+                <a:solidFill>
+                  <a:schemeClr val="lt1"/>
+                </a:solidFill>
+                <a:latin typeface="+mn-lt"/>
+                <a:ea typeface="+mn-ea"/>
+                <a:cs typeface="+mn-cs"/>
+              </a:defRPr>
+            </a:lvl5pPr>
+            <a:lvl6pPr marL="2286000" algn="l" defTabSz="914400" rtl="0" eaLnBrk="1" latinLnBrk="0" hangingPunct="1">
+              <a:defRPr sz="1800" kern="1200">
+                <a:solidFill>
+                  <a:schemeClr val="lt1"/>
+                </a:solidFill>
+                <a:latin typeface="+mn-lt"/>
+                <a:ea typeface="+mn-ea"/>
+                <a:cs typeface="+mn-cs"/>
+              </a:defRPr>
+            </a:lvl6pPr>
+            <a:lvl7pPr marL="2743200" algn="l" defTabSz="914400" rtl="0" eaLnBrk="1" latinLnBrk="0" hangingPunct="1">
+              <a:defRPr sz="1800" kern="1200">
+                <a:solidFill>
+                  <a:schemeClr val="lt1"/>
+                </a:solidFill>
+                <a:latin typeface="+mn-lt"/>
+                <a:ea typeface="+mn-ea"/>
+                <a:cs typeface="+mn-cs"/>
+              </a:defRPr>
+            </a:lvl7pPr>
+            <a:lvl8pPr marL="3200400" algn="l" defTabSz="914400" rtl="0" eaLnBrk="1" latinLnBrk="0" hangingPunct="1">
+              <a:defRPr sz="1800" kern="1200">
+                <a:solidFill>
+                  <a:schemeClr val="lt1"/>
+                </a:solidFill>
+                <a:latin typeface="+mn-lt"/>
+                <a:ea typeface="+mn-ea"/>
+                <a:cs typeface="+mn-cs"/>
+              </a:defRPr>
+            </a:lvl8pPr>
+            <a:lvl9pPr marL="3657600" algn="l" defTabSz="914400" rtl="0" eaLnBrk="1" latinLnBrk="0" hangingPunct="1">
+              <a:defRPr sz="1800" kern="1200">
+                <a:solidFill>
+                  <a:schemeClr val="lt1"/>
+                </a:solidFill>
+                <a:latin typeface="+mn-lt"/>
+                <a:ea typeface="+mn-ea"/>
+                <a:cs typeface="+mn-cs"/>
+              </a:defRPr>
+            </a:lvl9pPr>
+          </a:lstStyle>
+          <a:p>
+            <a:pPr algn="ctr"/>
+            <a:r>
+              <a:rPr lang="en-US" sz="5400" dirty="0">
+                <a:solidFill>
+                  <a:schemeClr val="accent4"/>
+                </a:solidFill>
+              </a:rPr>
+              <a:t>G</a:t>
+            </a:r>
+            <a:endParaRPr lang="en-PH" sz="5400" dirty="0">
+              <a:solidFill>
+                <a:schemeClr val="accent4"/>
+              </a:solidFill>
+            </a:endParaRPr>
+          </a:p>
+        </p:txBody>
+      </p:sp>
+      <p:sp>
+        <p:nvSpPr>
+          <p:cNvPr id="4" name="Rectangle 3">
+            <a:extLst>
+              <a:ext uri="{FF2B5EF4-FFF2-40B4-BE49-F238E27FC236}">
+                <a16:creationId xmlns:a16="http://schemas.microsoft.com/office/drawing/2014/main" id="{A3F10A69-4825-4B71-AB2A-52A150B93A84}"/>
+              </a:ext>
+            </a:extLst>
+          </p:cNvPr>
+          <p:cNvSpPr/>
+          <p:nvPr/>
+        </p:nvSpPr>
+        <p:spPr>
+          <a:xfrm>
+            <a:off x="5351560" y="1689024"/>
+            <a:ext cx="1786597" cy="970671"/>
+          </a:xfrm>
+          <a:prstGeom prst="rect">
+            <a:avLst/>
+          </a:prstGeom>
+          <a:noFill/>
+          <a:ln>
+            <a:noFill/>
+          </a:ln>
+        </p:spPr>
+        <p:style>
+          <a:lnRef idx="2">
+            <a:schemeClr val="accent1">
+              <a:shade val="50000"/>
+            </a:schemeClr>
+          </a:lnRef>
+          <a:fillRef idx="1">
+            <a:schemeClr val="accent1"/>
+          </a:fillRef>
+          <a:effectRef idx="0">
+            <a:schemeClr val="accent1"/>
+          </a:effectRef>
+          <a:fontRef idx="minor">
+            <a:schemeClr val="lt1"/>
+          </a:fontRef>
+        </p:style>
+        <p:txBody>
+          <a:bodyPr rtlCol="0" anchor="ctr"/>
+          <a:lstStyle>
+            <a:defPPr>
+              <a:defRPr lang="en-US"/>
+            </a:defPPr>
+            <a:lvl1pPr marL="0" algn="l" defTabSz="914400" rtl="0" eaLnBrk="1" latinLnBrk="0" hangingPunct="1">
+              <a:defRPr sz="1800" kern="1200">
+                <a:solidFill>
+                  <a:schemeClr val="lt1"/>
+                </a:solidFill>
+                <a:latin typeface="+mn-lt"/>
+                <a:ea typeface="+mn-ea"/>
+                <a:cs typeface="+mn-cs"/>
+              </a:defRPr>
+            </a:lvl1pPr>
+            <a:lvl2pPr marL="457200" algn="l" defTabSz="914400" rtl="0" eaLnBrk="1" latinLnBrk="0" hangingPunct="1">
+              <a:defRPr sz="1800" kern="1200">
+                <a:solidFill>
+                  <a:schemeClr val="lt1"/>
+                </a:solidFill>
+                <a:latin typeface="+mn-lt"/>
+                <a:ea typeface="+mn-ea"/>
+                <a:cs typeface="+mn-cs"/>
+              </a:defRPr>
+            </a:lvl2pPr>
+            <a:lvl3pPr marL="914400" algn="l" defTabSz="914400" rtl="0" eaLnBrk="1" latinLnBrk="0" hangingPunct="1">
+              <a:defRPr sz="1800" kern="1200">
+                <a:solidFill>
+                  <a:schemeClr val="lt1"/>
+                </a:solidFill>
+                <a:latin typeface="+mn-lt"/>
+                <a:ea typeface="+mn-ea"/>
+                <a:cs typeface="+mn-cs"/>
+              </a:defRPr>
+            </a:lvl3pPr>
+            <a:lvl4pPr marL="1371600" algn="l" defTabSz="914400" rtl="0" eaLnBrk="1" latinLnBrk="0" hangingPunct="1">
+              <a:defRPr sz="1800" kern="1200">
+                <a:solidFill>
+                  <a:schemeClr val="lt1"/>
+                </a:solidFill>
+                <a:latin typeface="+mn-lt"/>
+                <a:ea typeface="+mn-ea"/>
+                <a:cs typeface="+mn-cs"/>
+              </a:defRPr>
+            </a:lvl4pPr>
+            <a:lvl5pPr marL="1828800" algn="l" defTabSz="914400" rtl="0" eaLnBrk="1" latinLnBrk="0" hangingPunct="1">
+              <a:defRPr sz="1800" kern="1200">
+                <a:solidFill>
+                  <a:schemeClr val="lt1"/>
+                </a:solidFill>
+                <a:latin typeface="+mn-lt"/>
+                <a:ea typeface="+mn-ea"/>
+                <a:cs typeface="+mn-cs"/>
+              </a:defRPr>
+            </a:lvl5pPr>
+            <a:lvl6pPr marL="2286000" algn="l" defTabSz="914400" rtl="0" eaLnBrk="1" latinLnBrk="0" hangingPunct="1">
+              <a:defRPr sz="1800" kern="1200">
+                <a:solidFill>
+                  <a:schemeClr val="lt1"/>
+                </a:solidFill>
+                <a:latin typeface="+mn-lt"/>
+                <a:ea typeface="+mn-ea"/>
+                <a:cs typeface="+mn-cs"/>
+              </a:defRPr>
+            </a:lvl6pPr>
+            <a:lvl7pPr marL="2743200" algn="l" defTabSz="914400" rtl="0" eaLnBrk="1" latinLnBrk="0" hangingPunct="1">
+              <a:defRPr sz="1800" kern="1200">
+                <a:solidFill>
+                  <a:schemeClr val="lt1"/>
+                </a:solidFill>
+                <a:latin typeface="+mn-lt"/>
+                <a:ea typeface="+mn-ea"/>
+                <a:cs typeface="+mn-cs"/>
+              </a:defRPr>
+            </a:lvl7pPr>
+            <a:lvl8pPr marL="3200400" algn="l" defTabSz="914400" rtl="0" eaLnBrk="1" latinLnBrk="0" hangingPunct="1">
+              <a:defRPr sz="1800" kern="1200">
+                <a:solidFill>
+                  <a:schemeClr val="lt1"/>
+                </a:solidFill>
+                <a:latin typeface="+mn-lt"/>
+                <a:ea typeface="+mn-ea"/>
+                <a:cs typeface="+mn-cs"/>
+              </a:defRPr>
+            </a:lvl8pPr>
+            <a:lvl9pPr marL="3657600" algn="l" defTabSz="914400" rtl="0" eaLnBrk="1" latinLnBrk="0" hangingPunct="1">
+              <a:defRPr sz="1800" kern="1200">
+                <a:solidFill>
+                  <a:schemeClr val="lt1"/>
+                </a:solidFill>
+                <a:latin typeface="+mn-lt"/>
+                <a:ea typeface="+mn-ea"/>
+                <a:cs typeface="+mn-cs"/>
+              </a:defRPr>
+            </a:lvl9pPr>
+          </a:lstStyle>
+          <a:p>
+            <a:pPr algn="ctr"/>
+            <a:r>
+              <a:rPr lang="en-US" sz="5400" dirty="0">
+                <a:solidFill>
+                  <a:schemeClr val="accent4"/>
+                </a:solidFill>
+              </a:rPr>
+              <a:t>Am</a:t>
+            </a:r>
+            <a:endParaRPr lang="en-PH" sz="5400" dirty="0">
+              <a:solidFill>
+                <a:schemeClr val="accent4"/>
+              </a:solidFill>
+            </a:endParaRPr>
+          </a:p>
+        </p:txBody>
+      </p:sp>
+      <p:sp>
+        <p:nvSpPr>
+          <p:cNvPr id="5" name="Rectangle 4">
+            <a:extLst>
+              <a:ext uri="{FF2B5EF4-FFF2-40B4-BE49-F238E27FC236}">
+                <a16:creationId xmlns:a16="http://schemas.microsoft.com/office/drawing/2014/main" id="{6B273699-3A7D-4E34-B761-FD8840AC3030}"/>
+              </a:ext>
+            </a:extLst>
+          </p:cNvPr>
+          <p:cNvSpPr/>
+          <p:nvPr/>
+        </p:nvSpPr>
+        <p:spPr>
+          <a:xfrm>
+            <a:off x="3480231" y="3241374"/>
+            <a:ext cx="1786597" cy="970671"/>
+          </a:xfrm>
+          <a:prstGeom prst="rect">
+            <a:avLst/>
+          </a:prstGeom>
+          <a:noFill/>
+          <a:ln>
+            <a:noFill/>
+          </a:ln>
+        </p:spPr>
+        <p:style>
+          <a:lnRef idx="2">
+            <a:schemeClr val="accent1">
+              <a:shade val="50000"/>
+            </a:schemeClr>
+          </a:lnRef>
+          <a:fillRef idx="1">
+            <a:schemeClr val="accent1"/>
+          </a:fillRef>
+          <a:effectRef idx="0">
+            <a:schemeClr val="accent1"/>
+          </a:effectRef>
+          <a:fontRef idx="minor">
+            <a:schemeClr val="lt1"/>
+          </a:fontRef>
+        </p:style>
+        <p:txBody>
+          <a:bodyPr rtlCol="0" anchor="ctr"/>
+          <a:lstStyle>
+            <a:defPPr>
+              <a:defRPr lang="en-US"/>
+            </a:defPPr>
+            <a:lvl1pPr marL="0" algn="l" defTabSz="914400" rtl="0" eaLnBrk="1" latinLnBrk="0" hangingPunct="1">
+              <a:defRPr sz="1800" kern="1200">
+                <a:solidFill>
+                  <a:schemeClr val="lt1"/>
+                </a:solidFill>
+                <a:latin typeface="+mn-lt"/>
+                <a:ea typeface="+mn-ea"/>
+                <a:cs typeface="+mn-cs"/>
+              </a:defRPr>
+            </a:lvl1pPr>
+            <a:lvl2pPr marL="457200" algn="l" defTabSz="914400" rtl="0" eaLnBrk="1" latinLnBrk="0" hangingPunct="1">
+              <a:defRPr sz="1800" kern="1200">
+                <a:solidFill>
+                  <a:schemeClr val="lt1"/>
+                </a:solidFill>
+                <a:latin typeface="+mn-lt"/>
+                <a:ea typeface="+mn-ea"/>
+                <a:cs typeface="+mn-cs"/>
+              </a:defRPr>
+            </a:lvl2pPr>
+            <a:lvl3pPr marL="914400" algn="l" defTabSz="914400" rtl="0" eaLnBrk="1" latinLnBrk="0" hangingPunct="1">
+              <a:defRPr sz="1800" kern="1200">
+                <a:solidFill>
+                  <a:schemeClr val="lt1"/>
+                </a:solidFill>
+                <a:latin typeface="+mn-lt"/>
+                <a:ea typeface="+mn-ea"/>
+                <a:cs typeface="+mn-cs"/>
+              </a:defRPr>
+            </a:lvl3pPr>
+            <a:lvl4pPr marL="1371600" algn="l" defTabSz="914400" rtl="0" eaLnBrk="1" latinLnBrk="0" hangingPunct="1">
+              <a:defRPr sz="1800" kern="1200">
+                <a:solidFill>
+                  <a:schemeClr val="lt1"/>
+                </a:solidFill>
+                <a:latin typeface="+mn-lt"/>
+                <a:ea typeface="+mn-ea"/>
+                <a:cs typeface="+mn-cs"/>
+              </a:defRPr>
+            </a:lvl4pPr>
+            <a:lvl5pPr marL="1828800" algn="l" defTabSz="914400" rtl="0" eaLnBrk="1" latinLnBrk="0" hangingPunct="1">
+              <a:defRPr sz="1800" kern="1200">
+                <a:solidFill>
+                  <a:schemeClr val="lt1"/>
+                </a:solidFill>
+                <a:latin typeface="+mn-lt"/>
+                <a:ea typeface="+mn-ea"/>
+                <a:cs typeface="+mn-cs"/>
+              </a:defRPr>
+            </a:lvl5pPr>
+            <a:lvl6pPr marL="2286000" algn="l" defTabSz="914400" rtl="0" eaLnBrk="1" latinLnBrk="0" hangingPunct="1">
+              <a:defRPr sz="1800" kern="1200">
+                <a:solidFill>
+                  <a:schemeClr val="lt1"/>
+                </a:solidFill>
+                <a:latin typeface="+mn-lt"/>
+                <a:ea typeface="+mn-ea"/>
+                <a:cs typeface="+mn-cs"/>
+              </a:defRPr>
+            </a:lvl6pPr>
+            <a:lvl7pPr marL="2743200" algn="l" defTabSz="914400" rtl="0" eaLnBrk="1" latinLnBrk="0" hangingPunct="1">
+              <a:defRPr sz="1800" kern="1200">
+                <a:solidFill>
+                  <a:schemeClr val="lt1"/>
+                </a:solidFill>
+                <a:latin typeface="+mn-lt"/>
+                <a:ea typeface="+mn-ea"/>
+                <a:cs typeface="+mn-cs"/>
+              </a:defRPr>
+            </a:lvl7pPr>
+            <a:lvl8pPr marL="3200400" algn="l" defTabSz="914400" rtl="0" eaLnBrk="1" latinLnBrk="0" hangingPunct="1">
+              <a:defRPr sz="1800" kern="1200">
+                <a:solidFill>
+                  <a:schemeClr val="lt1"/>
+                </a:solidFill>
+                <a:latin typeface="+mn-lt"/>
+                <a:ea typeface="+mn-ea"/>
+                <a:cs typeface="+mn-cs"/>
+              </a:defRPr>
+            </a:lvl8pPr>
+            <a:lvl9pPr marL="3657600" algn="l" defTabSz="914400" rtl="0" eaLnBrk="1" latinLnBrk="0" hangingPunct="1">
+              <a:defRPr sz="1800" kern="1200">
+                <a:solidFill>
+                  <a:schemeClr val="lt1"/>
+                </a:solidFill>
+                <a:latin typeface="+mn-lt"/>
+                <a:ea typeface="+mn-ea"/>
+                <a:cs typeface="+mn-cs"/>
+              </a:defRPr>
+            </a:lvl9pPr>
+          </a:lstStyle>
+          <a:p>
+            <a:pPr algn="ctr"/>
+            <a:r>
+              <a:rPr lang="en-US" sz="5400" dirty="0">
+                <a:solidFill>
+                  <a:schemeClr val="accent4"/>
+                </a:solidFill>
+              </a:rPr>
+              <a:t>D</a:t>
+            </a:r>
+            <a:endParaRPr lang="en-PH" sz="5400" dirty="0">
+              <a:solidFill>
+                <a:schemeClr val="accent4"/>
+              </a:solidFill>
+            </a:endParaRPr>
+          </a:p>
+        </p:txBody>
+      </p:sp>
+      <p:sp>
+        <p:nvSpPr>
+          <p:cNvPr id="6" name="Rectangle 5">
+            <a:extLst>
+              <a:ext uri="{FF2B5EF4-FFF2-40B4-BE49-F238E27FC236}">
+                <a16:creationId xmlns:a16="http://schemas.microsoft.com/office/drawing/2014/main" id="{B8B2C2B4-1807-461B-A38E-22A05F7D8918}"/>
+              </a:ext>
+            </a:extLst>
+          </p:cNvPr>
+          <p:cNvSpPr/>
+          <p:nvPr/>
+        </p:nvSpPr>
+        <p:spPr>
+          <a:xfrm>
+            <a:off x="6010780" y="4772459"/>
+            <a:ext cx="1786597" cy="970671"/>
+          </a:xfrm>
+          <a:prstGeom prst="rect">
+            <a:avLst/>
+          </a:prstGeom>
+          <a:noFill/>
+          <a:ln>
+            <a:noFill/>
+          </a:ln>
+        </p:spPr>
+        <p:style>
+          <a:lnRef idx="2">
+            <a:schemeClr val="accent1">
+              <a:shade val="50000"/>
+            </a:schemeClr>
+          </a:lnRef>
+          <a:fillRef idx="1">
+            <a:schemeClr val="accent1"/>
+          </a:fillRef>
+          <a:effectRef idx="0">
+            <a:schemeClr val="accent1"/>
+          </a:effectRef>
+          <a:fontRef idx="minor">
+            <a:schemeClr val="lt1"/>
+          </a:fontRef>
+        </p:style>
+        <p:txBody>
+          <a:bodyPr rtlCol="0" anchor="ctr"/>
+          <a:lstStyle>
+            <a:defPPr>
+              <a:defRPr lang="en-US"/>
+            </a:defPPr>
+            <a:lvl1pPr marL="0" algn="l" defTabSz="914400" rtl="0" eaLnBrk="1" latinLnBrk="0" hangingPunct="1">
+              <a:defRPr sz="1800" kern="1200">
+                <a:solidFill>
+                  <a:schemeClr val="lt1"/>
+                </a:solidFill>
+                <a:latin typeface="+mn-lt"/>
+                <a:ea typeface="+mn-ea"/>
+                <a:cs typeface="+mn-cs"/>
+              </a:defRPr>
+            </a:lvl1pPr>
+            <a:lvl2pPr marL="457200" algn="l" defTabSz="914400" rtl="0" eaLnBrk="1" latinLnBrk="0" hangingPunct="1">
+              <a:defRPr sz="1800" kern="1200">
+                <a:solidFill>
+                  <a:schemeClr val="lt1"/>
+                </a:solidFill>
+                <a:latin typeface="+mn-lt"/>
+                <a:ea typeface="+mn-ea"/>
+                <a:cs typeface="+mn-cs"/>
+              </a:defRPr>
+            </a:lvl2pPr>
+            <a:lvl3pPr marL="914400" algn="l" defTabSz="914400" rtl="0" eaLnBrk="1" latinLnBrk="0" hangingPunct="1">
+              <a:defRPr sz="1800" kern="1200">
+                <a:solidFill>
+                  <a:schemeClr val="lt1"/>
+                </a:solidFill>
+                <a:latin typeface="+mn-lt"/>
+                <a:ea typeface="+mn-ea"/>
+                <a:cs typeface="+mn-cs"/>
+              </a:defRPr>
+            </a:lvl3pPr>
+            <a:lvl4pPr marL="1371600" algn="l" defTabSz="914400" rtl="0" eaLnBrk="1" latinLnBrk="0" hangingPunct="1">
+              <a:defRPr sz="1800" kern="1200">
+                <a:solidFill>
+                  <a:schemeClr val="lt1"/>
+                </a:solidFill>
+                <a:latin typeface="+mn-lt"/>
+                <a:ea typeface="+mn-ea"/>
+                <a:cs typeface="+mn-cs"/>
+              </a:defRPr>
+            </a:lvl4pPr>
+            <a:lvl5pPr marL="1828800" algn="l" defTabSz="914400" rtl="0" eaLnBrk="1" latinLnBrk="0" hangingPunct="1">
+              <a:defRPr sz="1800" kern="1200">
+                <a:solidFill>
+                  <a:schemeClr val="lt1"/>
+                </a:solidFill>
+                <a:latin typeface="+mn-lt"/>
+                <a:ea typeface="+mn-ea"/>
+                <a:cs typeface="+mn-cs"/>
+              </a:defRPr>
+            </a:lvl5pPr>
+            <a:lvl6pPr marL="2286000" algn="l" defTabSz="914400" rtl="0" eaLnBrk="1" latinLnBrk="0" hangingPunct="1">
+              <a:defRPr sz="1800" kern="1200">
+                <a:solidFill>
+                  <a:schemeClr val="lt1"/>
+                </a:solidFill>
+                <a:latin typeface="+mn-lt"/>
+                <a:ea typeface="+mn-ea"/>
+                <a:cs typeface="+mn-cs"/>
+              </a:defRPr>
+            </a:lvl6pPr>
+            <a:lvl7pPr marL="2743200" algn="l" defTabSz="914400" rtl="0" eaLnBrk="1" latinLnBrk="0" hangingPunct="1">
+              <a:defRPr sz="1800" kern="1200">
+                <a:solidFill>
+                  <a:schemeClr val="lt1"/>
+                </a:solidFill>
+                <a:latin typeface="+mn-lt"/>
+                <a:ea typeface="+mn-ea"/>
+                <a:cs typeface="+mn-cs"/>
+              </a:defRPr>
+            </a:lvl7pPr>
+            <a:lvl8pPr marL="3200400" algn="l" defTabSz="914400" rtl="0" eaLnBrk="1" latinLnBrk="0" hangingPunct="1">
+              <a:defRPr sz="1800" kern="1200">
+                <a:solidFill>
+                  <a:schemeClr val="lt1"/>
+                </a:solidFill>
+                <a:latin typeface="+mn-lt"/>
+                <a:ea typeface="+mn-ea"/>
+                <a:cs typeface="+mn-cs"/>
+              </a:defRPr>
+            </a:lvl8pPr>
+            <a:lvl9pPr marL="3657600" algn="l" defTabSz="914400" rtl="0" eaLnBrk="1" latinLnBrk="0" hangingPunct="1">
+              <a:defRPr sz="1800" kern="1200">
+                <a:solidFill>
+                  <a:schemeClr val="lt1"/>
+                </a:solidFill>
+                <a:latin typeface="+mn-lt"/>
+                <a:ea typeface="+mn-ea"/>
+                <a:cs typeface="+mn-cs"/>
+              </a:defRPr>
+            </a:lvl9pPr>
+          </a:lstStyle>
+          <a:p>
+            <a:pPr algn="ctr"/>
+            <a:r>
+              <a:rPr lang="en-US" sz="5400" dirty="0">
+                <a:solidFill>
+                  <a:schemeClr val="accent4"/>
+                </a:solidFill>
+              </a:rPr>
+              <a:t>G</a:t>
+            </a:r>
+            <a:endParaRPr lang="en-PH" sz="5400" dirty="0">
+              <a:solidFill>
+                <a:schemeClr val="accent4"/>
+              </a:solidFill>
             </a:endParaRPr>
           </a:p>
         </p:txBody>
@@ -3663,7 +4633,7 @@
 </p:sld>
 </file>
 
-<file path=ppt/slides/slide3.xml><?xml version="1.0" encoding="utf-8"?>
+<file path=ppt/slides/slide4.xml><?xml version="1.0" encoding="utf-8"?>
 <p:sld xmlns:a="http://schemas.openxmlformats.org/drawingml/2006/main" xmlns:r="http://schemas.openxmlformats.org/officeDocument/2006/relationships" xmlns:p="http://schemas.openxmlformats.org/presentationml/2006/main">
   <p:cSld>
     <p:spTree>
@@ -3831,6 +4801,630 @@
           </a:p>
         </p:txBody>
       </p:sp>
+      <p:sp>
+        <p:nvSpPr>
+          <p:cNvPr id="3" name="Rectangle 2">
+            <a:extLst>
+              <a:ext uri="{FF2B5EF4-FFF2-40B4-BE49-F238E27FC236}">
+                <a16:creationId xmlns:a16="http://schemas.microsoft.com/office/drawing/2014/main" id="{96447FF9-75FB-4243-B82D-92D8DEE49B6B}"/>
+              </a:ext>
+            </a:extLst>
+          </p:cNvPr>
+          <p:cNvSpPr/>
+          <p:nvPr/>
+        </p:nvSpPr>
+        <p:spPr>
+          <a:xfrm>
+            <a:off x="3161256" y="0"/>
+            <a:ext cx="1786597" cy="970671"/>
+          </a:xfrm>
+          <a:prstGeom prst="rect">
+            <a:avLst/>
+          </a:prstGeom>
+          <a:noFill/>
+          <a:ln>
+            <a:noFill/>
+          </a:ln>
+        </p:spPr>
+        <p:style>
+          <a:lnRef idx="2">
+            <a:schemeClr val="accent1">
+              <a:shade val="50000"/>
+            </a:schemeClr>
+          </a:lnRef>
+          <a:fillRef idx="1">
+            <a:schemeClr val="accent1"/>
+          </a:fillRef>
+          <a:effectRef idx="0">
+            <a:schemeClr val="accent1"/>
+          </a:effectRef>
+          <a:fontRef idx="minor">
+            <a:schemeClr val="lt1"/>
+          </a:fontRef>
+        </p:style>
+        <p:txBody>
+          <a:bodyPr rtlCol="0" anchor="ctr"/>
+          <a:lstStyle>
+            <a:defPPr>
+              <a:defRPr lang="en-US"/>
+            </a:defPPr>
+            <a:lvl1pPr marL="0" algn="l" defTabSz="914400" rtl="0" eaLnBrk="1" latinLnBrk="0" hangingPunct="1">
+              <a:defRPr sz="1800" kern="1200">
+                <a:solidFill>
+                  <a:schemeClr val="lt1"/>
+                </a:solidFill>
+                <a:latin typeface="+mn-lt"/>
+                <a:ea typeface="+mn-ea"/>
+                <a:cs typeface="+mn-cs"/>
+              </a:defRPr>
+            </a:lvl1pPr>
+            <a:lvl2pPr marL="457200" algn="l" defTabSz="914400" rtl="0" eaLnBrk="1" latinLnBrk="0" hangingPunct="1">
+              <a:defRPr sz="1800" kern="1200">
+                <a:solidFill>
+                  <a:schemeClr val="lt1"/>
+                </a:solidFill>
+                <a:latin typeface="+mn-lt"/>
+                <a:ea typeface="+mn-ea"/>
+                <a:cs typeface="+mn-cs"/>
+              </a:defRPr>
+            </a:lvl2pPr>
+            <a:lvl3pPr marL="914400" algn="l" defTabSz="914400" rtl="0" eaLnBrk="1" latinLnBrk="0" hangingPunct="1">
+              <a:defRPr sz="1800" kern="1200">
+                <a:solidFill>
+                  <a:schemeClr val="lt1"/>
+                </a:solidFill>
+                <a:latin typeface="+mn-lt"/>
+                <a:ea typeface="+mn-ea"/>
+                <a:cs typeface="+mn-cs"/>
+              </a:defRPr>
+            </a:lvl3pPr>
+            <a:lvl4pPr marL="1371600" algn="l" defTabSz="914400" rtl="0" eaLnBrk="1" latinLnBrk="0" hangingPunct="1">
+              <a:defRPr sz="1800" kern="1200">
+                <a:solidFill>
+                  <a:schemeClr val="lt1"/>
+                </a:solidFill>
+                <a:latin typeface="+mn-lt"/>
+                <a:ea typeface="+mn-ea"/>
+                <a:cs typeface="+mn-cs"/>
+              </a:defRPr>
+            </a:lvl4pPr>
+            <a:lvl5pPr marL="1828800" algn="l" defTabSz="914400" rtl="0" eaLnBrk="1" latinLnBrk="0" hangingPunct="1">
+              <a:defRPr sz="1800" kern="1200">
+                <a:solidFill>
+                  <a:schemeClr val="lt1"/>
+                </a:solidFill>
+                <a:latin typeface="+mn-lt"/>
+                <a:ea typeface="+mn-ea"/>
+                <a:cs typeface="+mn-cs"/>
+              </a:defRPr>
+            </a:lvl5pPr>
+            <a:lvl6pPr marL="2286000" algn="l" defTabSz="914400" rtl="0" eaLnBrk="1" latinLnBrk="0" hangingPunct="1">
+              <a:defRPr sz="1800" kern="1200">
+                <a:solidFill>
+                  <a:schemeClr val="lt1"/>
+                </a:solidFill>
+                <a:latin typeface="+mn-lt"/>
+                <a:ea typeface="+mn-ea"/>
+                <a:cs typeface="+mn-cs"/>
+              </a:defRPr>
+            </a:lvl6pPr>
+            <a:lvl7pPr marL="2743200" algn="l" defTabSz="914400" rtl="0" eaLnBrk="1" latinLnBrk="0" hangingPunct="1">
+              <a:defRPr sz="1800" kern="1200">
+                <a:solidFill>
+                  <a:schemeClr val="lt1"/>
+                </a:solidFill>
+                <a:latin typeface="+mn-lt"/>
+                <a:ea typeface="+mn-ea"/>
+                <a:cs typeface="+mn-cs"/>
+              </a:defRPr>
+            </a:lvl7pPr>
+            <a:lvl8pPr marL="3200400" algn="l" defTabSz="914400" rtl="0" eaLnBrk="1" latinLnBrk="0" hangingPunct="1">
+              <a:defRPr sz="1800" kern="1200">
+                <a:solidFill>
+                  <a:schemeClr val="lt1"/>
+                </a:solidFill>
+                <a:latin typeface="+mn-lt"/>
+                <a:ea typeface="+mn-ea"/>
+                <a:cs typeface="+mn-cs"/>
+              </a:defRPr>
+            </a:lvl8pPr>
+            <a:lvl9pPr marL="3657600" algn="l" defTabSz="914400" rtl="0" eaLnBrk="1" latinLnBrk="0" hangingPunct="1">
+              <a:defRPr sz="1800" kern="1200">
+                <a:solidFill>
+                  <a:schemeClr val="lt1"/>
+                </a:solidFill>
+                <a:latin typeface="+mn-lt"/>
+                <a:ea typeface="+mn-ea"/>
+                <a:cs typeface="+mn-cs"/>
+              </a:defRPr>
+            </a:lvl9pPr>
+          </a:lstStyle>
+          <a:p>
+            <a:pPr algn="ctr"/>
+            <a:r>
+              <a:rPr lang="en-US" sz="5400" dirty="0">
+                <a:solidFill>
+                  <a:schemeClr val="accent4"/>
+                </a:solidFill>
+              </a:rPr>
+              <a:t>G</a:t>
+            </a:r>
+            <a:endParaRPr lang="en-PH" sz="5400" dirty="0">
+              <a:solidFill>
+                <a:schemeClr val="accent4"/>
+              </a:solidFill>
+            </a:endParaRPr>
+          </a:p>
+        </p:txBody>
+      </p:sp>
+      <p:sp>
+        <p:nvSpPr>
+          <p:cNvPr id="4" name="Rectangle 3">
+            <a:extLst>
+              <a:ext uri="{FF2B5EF4-FFF2-40B4-BE49-F238E27FC236}">
+                <a16:creationId xmlns:a16="http://schemas.microsoft.com/office/drawing/2014/main" id="{8543A6DC-254B-4EAB-80EE-7EB4CE17A943}"/>
+              </a:ext>
+            </a:extLst>
+          </p:cNvPr>
+          <p:cNvSpPr/>
+          <p:nvPr/>
+        </p:nvSpPr>
+        <p:spPr>
+          <a:xfrm>
+            <a:off x="7605822" y="1497637"/>
+            <a:ext cx="1786597" cy="970671"/>
+          </a:xfrm>
+          <a:prstGeom prst="rect">
+            <a:avLst/>
+          </a:prstGeom>
+          <a:noFill/>
+          <a:ln>
+            <a:noFill/>
+          </a:ln>
+        </p:spPr>
+        <p:style>
+          <a:lnRef idx="2">
+            <a:schemeClr val="accent1">
+              <a:shade val="50000"/>
+            </a:schemeClr>
+          </a:lnRef>
+          <a:fillRef idx="1">
+            <a:schemeClr val="accent1"/>
+          </a:fillRef>
+          <a:effectRef idx="0">
+            <a:schemeClr val="accent1"/>
+          </a:effectRef>
+          <a:fontRef idx="minor">
+            <a:schemeClr val="lt1"/>
+          </a:fontRef>
+        </p:style>
+        <p:txBody>
+          <a:bodyPr rtlCol="0" anchor="ctr"/>
+          <a:lstStyle>
+            <a:defPPr>
+              <a:defRPr lang="en-US"/>
+            </a:defPPr>
+            <a:lvl1pPr marL="0" algn="l" defTabSz="914400" rtl="0" eaLnBrk="1" latinLnBrk="0" hangingPunct="1">
+              <a:defRPr sz="1800" kern="1200">
+                <a:solidFill>
+                  <a:schemeClr val="lt1"/>
+                </a:solidFill>
+                <a:latin typeface="+mn-lt"/>
+                <a:ea typeface="+mn-ea"/>
+                <a:cs typeface="+mn-cs"/>
+              </a:defRPr>
+            </a:lvl1pPr>
+            <a:lvl2pPr marL="457200" algn="l" defTabSz="914400" rtl="0" eaLnBrk="1" latinLnBrk="0" hangingPunct="1">
+              <a:defRPr sz="1800" kern="1200">
+                <a:solidFill>
+                  <a:schemeClr val="lt1"/>
+                </a:solidFill>
+                <a:latin typeface="+mn-lt"/>
+                <a:ea typeface="+mn-ea"/>
+                <a:cs typeface="+mn-cs"/>
+              </a:defRPr>
+            </a:lvl2pPr>
+            <a:lvl3pPr marL="914400" algn="l" defTabSz="914400" rtl="0" eaLnBrk="1" latinLnBrk="0" hangingPunct="1">
+              <a:defRPr sz="1800" kern="1200">
+                <a:solidFill>
+                  <a:schemeClr val="lt1"/>
+                </a:solidFill>
+                <a:latin typeface="+mn-lt"/>
+                <a:ea typeface="+mn-ea"/>
+                <a:cs typeface="+mn-cs"/>
+              </a:defRPr>
+            </a:lvl3pPr>
+            <a:lvl4pPr marL="1371600" algn="l" defTabSz="914400" rtl="0" eaLnBrk="1" latinLnBrk="0" hangingPunct="1">
+              <a:defRPr sz="1800" kern="1200">
+                <a:solidFill>
+                  <a:schemeClr val="lt1"/>
+                </a:solidFill>
+                <a:latin typeface="+mn-lt"/>
+                <a:ea typeface="+mn-ea"/>
+                <a:cs typeface="+mn-cs"/>
+              </a:defRPr>
+            </a:lvl4pPr>
+            <a:lvl5pPr marL="1828800" algn="l" defTabSz="914400" rtl="0" eaLnBrk="1" latinLnBrk="0" hangingPunct="1">
+              <a:defRPr sz="1800" kern="1200">
+                <a:solidFill>
+                  <a:schemeClr val="lt1"/>
+                </a:solidFill>
+                <a:latin typeface="+mn-lt"/>
+                <a:ea typeface="+mn-ea"/>
+                <a:cs typeface="+mn-cs"/>
+              </a:defRPr>
+            </a:lvl5pPr>
+            <a:lvl6pPr marL="2286000" algn="l" defTabSz="914400" rtl="0" eaLnBrk="1" latinLnBrk="0" hangingPunct="1">
+              <a:defRPr sz="1800" kern="1200">
+                <a:solidFill>
+                  <a:schemeClr val="lt1"/>
+                </a:solidFill>
+                <a:latin typeface="+mn-lt"/>
+                <a:ea typeface="+mn-ea"/>
+                <a:cs typeface="+mn-cs"/>
+              </a:defRPr>
+            </a:lvl6pPr>
+            <a:lvl7pPr marL="2743200" algn="l" defTabSz="914400" rtl="0" eaLnBrk="1" latinLnBrk="0" hangingPunct="1">
+              <a:defRPr sz="1800" kern="1200">
+                <a:solidFill>
+                  <a:schemeClr val="lt1"/>
+                </a:solidFill>
+                <a:latin typeface="+mn-lt"/>
+                <a:ea typeface="+mn-ea"/>
+                <a:cs typeface="+mn-cs"/>
+              </a:defRPr>
+            </a:lvl7pPr>
+            <a:lvl8pPr marL="3200400" algn="l" defTabSz="914400" rtl="0" eaLnBrk="1" latinLnBrk="0" hangingPunct="1">
+              <a:defRPr sz="1800" kern="1200">
+                <a:solidFill>
+                  <a:schemeClr val="lt1"/>
+                </a:solidFill>
+                <a:latin typeface="+mn-lt"/>
+                <a:ea typeface="+mn-ea"/>
+                <a:cs typeface="+mn-cs"/>
+              </a:defRPr>
+            </a:lvl8pPr>
+            <a:lvl9pPr marL="3657600" algn="l" defTabSz="914400" rtl="0" eaLnBrk="1" latinLnBrk="0" hangingPunct="1">
+              <a:defRPr sz="1800" kern="1200">
+                <a:solidFill>
+                  <a:schemeClr val="lt1"/>
+                </a:solidFill>
+                <a:latin typeface="+mn-lt"/>
+                <a:ea typeface="+mn-ea"/>
+                <a:cs typeface="+mn-cs"/>
+              </a:defRPr>
+            </a:lvl9pPr>
+          </a:lstStyle>
+          <a:p>
+            <a:pPr algn="ctr"/>
+            <a:r>
+              <a:rPr lang="en-US" sz="5400" dirty="0">
+                <a:solidFill>
+                  <a:schemeClr val="accent4"/>
+                </a:solidFill>
+              </a:rPr>
+              <a:t>Am</a:t>
+            </a:r>
+            <a:endParaRPr lang="en-PH" sz="5400" dirty="0">
+              <a:solidFill>
+                <a:schemeClr val="accent4"/>
+              </a:solidFill>
+            </a:endParaRPr>
+          </a:p>
+        </p:txBody>
+      </p:sp>
+      <p:sp>
+        <p:nvSpPr>
+          <p:cNvPr id="5" name="Rectangle 4">
+            <a:extLst>
+              <a:ext uri="{FF2B5EF4-FFF2-40B4-BE49-F238E27FC236}">
+                <a16:creationId xmlns:a16="http://schemas.microsoft.com/office/drawing/2014/main" id="{92DCD3C3-B063-46E5-895D-C13743B0B02A}"/>
+              </a:ext>
+            </a:extLst>
+          </p:cNvPr>
+          <p:cNvSpPr/>
+          <p:nvPr/>
+        </p:nvSpPr>
+        <p:spPr>
+          <a:xfrm>
+            <a:off x="5202701" y="3027779"/>
+            <a:ext cx="1786597" cy="970671"/>
+          </a:xfrm>
+          <a:prstGeom prst="rect">
+            <a:avLst/>
+          </a:prstGeom>
+          <a:noFill/>
+          <a:ln>
+            <a:noFill/>
+          </a:ln>
+        </p:spPr>
+        <p:style>
+          <a:lnRef idx="2">
+            <a:schemeClr val="accent1">
+              <a:shade val="50000"/>
+            </a:schemeClr>
+          </a:lnRef>
+          <a:fillRef idx="1">
+            <a:schemeClr val="accent1"/>
+          </a:fillRef>
+          <a:effectRef idx="0">
+            <a:schemeClr val="accent1"/>
+          </a:effectRef>
+          <a:fontRef idx="minor">
+            <a:schemeClr val="lt1"/>
+          </a:fontRef>
+        </p:style>
+        <p:txBody>
+          <a:bodyPr rtlCol="0" anchor="ctr"/>
+          <a:lstStyle>
+            <a:defPPr>
+              <a:defRPr lang="en-US"/>
+            </a:defPPr>
+            <a:lvl1pPr marL="0" algn="l" defTabSz="914400" rtl="0" eaLnBrk="1" latinLnBrk="0" hangingPunct="1">
+              <a:defRPr sz="1800" kern="1200">
+                <a:solidFill>
+                  <a:schemeClr val="lt1"/>
+                </a:solidFill>
+                <a:latin typeface="+mn-lt"/>
+                <a:ea typeface="+mn-ea"/>
+                <a:cs typeface="+mn-cs"/>
+              </a:defRPr>
+            </a:lvl1pPr>
+            <a:lvl2pPr marL="457200" algn="l" defTabSz="914400" rtl="0" eaLnBrk="1" latinLnBrk="0" hangingPunct="1">
+              <a:defRPr sz="1800" kern="1200">
+                <a:solidFill>
+                  <a:schemeClr val="lt1"/>
+                </a:solidFill>
+                <a:latin typeface="+mn-lt"/>
+                <a:ea typeface="+mn-ea"/>
+                <a:cs typeface="+mn-cs"/>
+              </a:defRPr>
+            </a:lvl2pPr>
+            <a:lvl3pPr marL="914400" algn="l" defTabSz="914400" rtl="0" eaLnBrk="1" latinLnBrk="0" hangingPunct="1">
+              <a:defRPr sz="1800" kern="1200">
+                <a:solidFill>
+                  <a:schemeClr val="lt1"/>
+                </a:solidFill>
+                <a:latin typeface="+mn-lt"/>
+                <a:ea typeface="+mn-ea"/>
+                <a:cs typeface="+mn-cs"/>
+              </a:defRPr>
+            </a:lvl3pPr>
+            <a:lvl4pPr marL="1371600" algn="l" defTabSz="914400" rtl="0" eaLnBrk="1" latinLnBrk="0" hangingPunct="1">
+              <a:defRPr sz="1800" kern="1200">
+                <a:solidFill>
+                  <a:schemeClr val="lt1"/>
+                </a:solidFill>
+                <a:latin typeface="+mn-lt"/>
+                <a:ea typeface="+mn-ea"/>
+                <a:cs typeface="+mn-cs"/>
+              </a:defRPr>
+            </a:lvl4pPr>
+            <a:lvl5pPr marL="1828800" algn="l" defTabSz="914400" rtl="0" eaLnBrk="1" latinLnBrk="0" hangingPunct="1">
+              <a:defRPr sz="1800" kern="1200">
+                <a:solidFill>
+                  <a:schemeClr val="lt1"/>
+                </a:solidFill>
+                <a:latin typeface="+mn-lt"/>
+                <a:ea typeface="+mn-ea"/>
+                <a:cs typeface="+mn-cs"/>
+              </a:defRPr>
+            </a:lvl5pPr>
+            <a:lvl6pPr marL="2286000" algn="l" defTabSz="914400" rtl="0" eaLnBrk="1" latinLnBrk="0" hangingPunct="1">
+              <a:defRPr sz="1800" kern="1200">
+                <a:solidFill>
+                  <a:schemeClr val="lt1"/>
+                </a:solidFill>
+                <a:latin typeface="+mn-lt"/>
+                <a:ea typeface="+mn-ea"/>
+                <a:cs typeface="+mn-cs"/>
+              </a:defRPr>
+            </a:lvl6pPr>
+            <a:lvl7pPr marL="2743200" algn="l" defTabSz="914400" rtl="0" eaLnBrk="1" latinLnBrk="0" hangingPunct="1">
+              <a:defRPr sz="1800" kern="1200">
+                <a:solidFill>
+                  <a:schemeClr val="lt1"/>
+                </a:solidFill>
+                <a:latin typeface="+mn-lt"/>
+                <a:ea typeface="+mn-ea"/>
+                <a:cs typeface="+mn-cs"/>
+              </a:defRPr>
+            </a:lvl7pPr>
+            <a:lvl8pPr marL="3200400" algn="l" defTabSz="914400" rtl="0" eaLnBrk="1" latinLnBrk="0" hangingPunct="1">
+              <a:defRPr sz="1800" kern="1200">
+                <a:solidFill>
+                  <a:schemeClr val="lt1"/>
+                </a:solidFill>
+                <a:latin typeface="+mn-lt"/>
+                <a:ea typeface="+mn-ea"/>
+                <a:cs typeface="+mn-cs"/>
+              </a:defRPr>
+            </a:lvl8pPr>
+            <a:lvl9pPr marL="3657600" algn="l" defTabSz="914400" rtl="0" eaLnBrk="1" latinLnBrk="0" hangingPunct="1">
+              <a:defRPr sz="1800" kern="1200">
+                <a:solidFill>
+                  <a:schemeClr val="lt1"/>
+                </a:solidFill>
+                <a:latin typeface="+mn-lt"/>
+                <a:ea typeface="+mn-ea"/>
+                <a:cs typeface="+mn-cs"/>
+              </a:defRPr>
+            </a:lvl9pPr>
+          </a:lstStyle>
+          <a:p>
+            <a:pPr algn="ctr"/>
+            <a:r>
+              <a:rPr lang="en-US" sz="5400" dirty="0">
+                <a:solidFill>
+                  <a:schemeClr val="accent4"/>
+                </a:solidFill>
+              </a:rPr>
+              <a:t>D</a:t>
+            </a:r>
+            <a:endParaRPr lang="en-PH" sz="5400" dirty="0">
+              <a:solidFill>
+                <a:schemeClr val="accent4"/>
+              </a:solidFill>
+            </a:endParaRPr>
+          </a:p>
+        </p:txBody>
+      </p:sp>
+      <p:sp>
+        <p:nvSpPr>
+          <p:cNvPr id="6" name="Rectangle 5">
+            <a:extLst>
+              <a:ext uri="{FF2B5EF4-FFF2-40B4-BE49-F238E27FC236}">
+                <a16:creationId xmlns:a16="http://schemas.microsoft.com/office/drawing/2014/main" id="{1DBB84AE-D0BF-4BA8-AE3A-115D752FFEAE}"/>
+              </a:ext>
+            </a:extLst>
+          </p:cNvPr>
+          <p:cNvSpPr/>
+          <p:nvPr/>
+        </p:nvSpPr>
+        <p:spPr>
+          <a:xfrm>
+            <a:off x="8137293" y="4538548"/>
+            <a:ext cx="1786597" cy="970671"/>
+          </a:xfrm>
+          <a:prstGeom prst="rect">
+            <a:avLst/>
+          </a:prstGeom>
+          <a:noFill/>
+          <a:ln>
+            <a:noFill/>
+          </a:ln>
+        </p:spPr>
+        <p:style>
+          <a:lnRef idx="2">
+            <a:schemeClr val="accent1">
+              <a:shade val="50000"/>
+            </a:schemeClr>
+          </a:lnRef>
+          <a:fillRef idx="1">
+            <a:schemeClr val="accent1"/>
+          </a:fillRef>
+          <a:effectRef idx="0">
+            <a:schemeClr val="accent1"/>
+          </a:effectRef>
+          <a:fontRef idx="minor">
+            <a:schemeClr val="lt1"/>
+          </a:fontRef>
+        </p:style>
+        <p:txBody>
+          <a:bodyPr rtlCol="0" anchor="ctr"/>
+          <a:lstStyle>
+            <a:defPPr>
+              <a:defRPr lang="en-US"/>
+            </a:defPPr>
+            <a:lvl1pPr marL="0" algn="l" defTabSz="914400" rtl="0" eaLnBrk="1" latinLnBrk="0" hangingPunct="1">
+              <a:defRPr sz="1800" kern="1200">
+                <a:solidFill>
+                  <a:schemeClr val="lt1"/>
+                </a:solidFill>
+                <a:latin typeface="+mn-lt"/>
+                <a:ea typeface="+mn-ea"/>
+                <a:cs typeface="+mn-cs"/>
+              </a:defRPr>
+            </a:lvl1pPr>
+            <a:lvl2pPr marL="457200" algn="l" defTabSz="914400" rtl="0" eaLnBrk="1" latinLnBrk="0" hangingPunct="1">
+              <a:defRPr sz="1800" kern="1200">
+                <a:solidFill>
+                  <a:schemeClr val="lt1"/>
+                </a:solidFill>
+                <a:latin typeface="+mn-lt"/>
+                <a:ea typeface="+mn-ea"/>
+                <a:cs typeface="+mn-cs"/>
+              </a:defRPr>
+            </a:lvl2pPr>
+            <a:lvl3pPr marL="914400" algn="l" defTabSz="914400" rtl="0" eaLnBrk="1" latinLnBrk="0" hangingPunct="1">
+              <a:defRPr sz="1800" kern="1200">
+                <a:solidFill>
+                  <a:schemeClr val="lt1"/>
+                </a:solidFill>
+                <a:latin typeface="+mn-lt"/>
+                <a:ea typeface="+mn-ea"/>
+                <a:cs typeface="+mn-cs"/>
+              </a:defRPr>
+            </a:lvl3pPr>
+            <a:lvl4pPr marL="1371600" algn="l" defTabSz="914400" rtl="0" eaLnBrk="1" latinLnBrk="0" hangingPunct="1">
+              <a:defRPr sz="1800" kern="1200">
+                <a:solidFill>
+                  <a:schemeClr val="lt1"/>
+                </a:solidFill>
+                <a:latin typeface="+mn-lt"/>
+                <a:ea typeface="+mn-ea"/>
+                <a:cs typeface="+mn-cs"/>
+              </a:defRPr>
+            </a:lvl4pPr>
+            <a:lvl5pPr marL="1828800" algn="l" defTabSz="914400" rtl="0" eaLnBrk="1" latinLnBrk="0" hangingPunct="1">
+              <a:defRPr sz="1800" kern="1200">
+                <a:solidFill>
+                  <a:schemeClr val="lt1"/>
+                </a:solidFill>
+                <a:latin typeface="+mn-lt"/>
+                <a:ea typeface="+mn-ea"/>
+                <a:cs typeface="+mn-cs"/>
+              </a:defRPr>
+            </a:lvl5pPr>
+            <a:lvl6pPr marL="2286000" algn="l" defTabSz="914400" rtl="0" eaLnBrk="1" latinLnBrk="0" hangingPunct="1">
+              <a:defRPr sz="1800" kern="1200">
+                <a:solidFill>
+                  <a:schemeClr val="lt1"/>
+                </a:solidFill>
+                <a:latin typeface="+mn-lt"/>
+                <a:ea typeface="+mn-ea"/>
+                <a:cs typeface="+mn-cs"/>
+              </a:defRPr>
+            </a:lvl6pPr>
+            <a:lvl7pPr marL="2743200" algn="l" defTabSz="914400" rtl="0" eaLnBrk="1" latinLnBrk="0" hangingPunct="1">
+              <a:defRPr sz="1800" kern="1200">
+                <a:solidFill>
+                  <a:schemeClr val="lt1"/>
+                </a:solidFill>
+                <a:latin typeface="+mn-lt"/>
+                <a:ea typeface="+mn-ea"/>
+                <a:cs typeface="+mn-cs"/>
+              </a:defRPr>
+            </a:lvl7pPr>
+            <a:lvl8pPr marL="3200400" algn="l" defTabSz="914400" rtl="0" eaLnBrk="1" latinLnBrk="0" hangingPunct="1">
+              <a:defRPr sz="1800" kern="1200">
+                <a:solidFill>
+                  <a:schemeClr val="lt1"/>
+                </a:solidFill>
+                <a:latin typeface="+mn-lt"/>
+                <a:ea typeface="+mn-ea"/>
+                <a:cs typeface="+mn-cs"/>
+              </a:defRPr>
+            </a:lvl8pPr>
+            <a:lvl9pPr marL="3657600" algn="l" defTabSz="914400" rtl="0" eaLnBrk="1" latinLnBrk="0" hangingPunct="1">
+              <a:defRPr sz="1800" kern="1200">
+                <a:solidFill>
+                  <a:schemeClr val="lt1"/>
+                </a:solidFill>
+                <a:latin typeface="+mn-lt"/>
+                <a:ea typeface="+mn-ea"/>
+                <a:cs typeface="+mn-cs"/>
+              </a:defRPr>
+            </a:lvl9pPr>
+          </a:lstStyle>
+          <a:p>
+            <a:pPr algn="ctr"/>
+            <a:r>
+              <a:rPr lang="en-US" sz="5400" dirty="0">
+                <a:solidFill>
+                  <a:schemeClr val="accent4"/>
+                </a:solidFill>
+              </a:rPr>
+              <a:t>G</a:t>
+            </a:r>
+            <a:endParaRPr lang="en-PH" sz="5400" dirty="0">
+              <a:solidFill>
+                <a:schemeClr val="accent4"/>
+              </a:solidFill>
+            </a:endParaRPr>
+          </a:p>
+        </p:txBody>
+      </p:sp>
     </p:spTree>
     <p:extLst>
       <p:ext uri="{BB962C8B-B14F-4D97-AF65-F5344CB8AC3E}">
@@ -3844,7 +5438,7 @@
 </p:sld>
 </file>
 
-<file path=ppt/slides/slide4.xml><?xml version="1.0" encoding="utf-8"?>
+<file path=ppt/slides/slide5.xml><?xml version="1.0" encoding="utf-8"?>
 <p:sld xmlns:a="http://schemas.openxmlformats.org/drawingml/2006/main" xmlns:r="http://schemas.openxmlformats.org/officeDocument/2006/relationships" xmlns:p="http://schemas.openxmlformats.org/presentationml/2006/main">
   <p:cSld>
     <p:spTree>
@@ -3931,6 +5525,474 @@
           </a:p>
         </p:txBody>
       </p:sp>
+      <p:sp>
+        <p:nvSpPr>
+          <p:cNvPr id="3" name="Rectangle 2">
+            <a:extLst>
+              <a:ext uri="{FF2B5EF4-FFF2-40B4-BE49-F238E27FC236}">
+                <a16:creationId xmlns:a16="http://schemas.microsoft.com/office/drawing/2014/main" id="{B68FE920-EAD9-4C05-8FEB-9263CEE9C859}"/>
+              </a:ext>
+            </a:extLst>
+          </p:cNvPr>
+          <p:cNvSpPr/>
+          <p:nvPr/>
+        </p:nvSpPr>
+        <p:spPr>
+          <a:xfrm>
+            <a:off x="609443" y="710823"/>
+            <a:ext cx="1786597" cy="970671"/>
+          </a:xfrm>
+          <a:prstGeom prst="rect">
+            <a:avLst/>
+          </a:prstGeom>
+          <a:noFill/>
+          <a:ln>
+            <a:noFill/>
+          </a:ln>
+        </p:spPr>
+        <p:style>
+          <a:lnRef idx="2">
+            <a:schemeClr val="accent1">
+              <a:shade val="50000"/>
+            </a:schemeClr>
+          </a:lnRef>
+          <a:fillRef idx="1">
+            <a:schemeClr val="accent1"/>
+          </a:fillRef>
+          <a:effectRef idx="0">
+            <a:schemeClr val="accent1"/>
+          </a:effectRef>
+          <a:fontRef idx="minor">
+            <a:schemeClr val="lt1"/>
+          </a:fontRef>
+        </p:style>
+        <p:txBody>
+          <a:bodyPr rtlCol="0" anchor="ctr"/>
+          <a:lstStyle>
+            <a:defPPr>
+              <a:defRPr lang="en-US"/>
+            </a:defPPr>
+            <a:lvl1pPr marL="0" algn="l" defTabSz="914400" rtl="0" eaLnBrk="1" latinLnBrk="0" hangingPunct="1">
+              <a:defRPr sz="1800" kern="1200">
+                <a:solidFill>
+                  <a:schemeClr val="lt1"/>
+                </a:solidFill>
+                <a:latin typeface="+mn-lt"/>
+                <a:ea typeface="+mn-ea"/>
+                <a:cs typeface="+mn-cs"/>
+              </a:defRPr>
+            </a:lvl1pPr>
+            <a:lvl2pPr marL="457200" algn="l" defTabSz="914400" rtl="0" eaLnBrk="1" latinLnBrk="0" hangingPunct="1">
+              <a:defRPr sz="1800" kern="1200">
+                <a:solidFill>
+                  <a:schemeClr val="lt1"/>
+                </a:solidFill>
+                <a:latin typeface="+mn-lt"/>
+                <a:ea typeface="+mn-ea"/>
+                <a:cs typeface="+mn-cs"/>
+              </a:defRPr>
+            </a:lvl2pPr>
+            <a:lvl3pPr marL="914400" algn="l" defTabSz="914400" rtl="0" eaLnBrk="1" latinLnBrk="0" hangingPunct="1">
+              <a:defRPr sz="1800" kern="1200">
+                <a:solidFill>
+                  <a:schemeClr val="lt1"/>
+                </a:solidFill>
+                <a:latin typeface="+mn-lt"/>
+                <a:ea typeface="+mn-ea"/>
+                <a:cs typeface="+mn-cs"/>
+              </a:defRPr>
+            </a:lvl3pPr>
+            <a:lvl4pPr marL="1371600" algn="l" defTabSz="914400" rtl="0" eaLnBrk="1" latinLnBrk="0" hangingPunct="1">
+              <a:defRPr sz="1800" kern="1200">
+                <a:solidFill>
+                  <a:schemeClr val="lt1"/>
+                </a:solidFill>
+                <a:latin typeface="+mn-lt"/>
+                <a:ea typeface="+mn-ea"/>
+                <a:cs typeface="+mn-cs"/>
+              </a:defRPr>
+            </a:lvl4pPr>
+            <a:lvl5pPr marL="1828800" algn="l" defTabSz="914400" rtl="0" eaLnBrk="1" latinLnBrk="0" hangingPunct="1">
+              <a:defRPr sz="1800" kern="1200">
+                <a:solidFill>
+                  <a:schemeClr val="lt1"/>
+                </a:solidFill>
+                <a:latin typeface="+mn-lt"/>
+                <a:ea typeface="+mn-ea"/>
+                <a:cs typeface="+mn-cs"/>
+              </a:defRPr>
+            </a:lvl5pPr>
+            <a:lvl6pPr marL="2286000" algn="l" defTabSz="914400" rtl="0" eaLnBrk="1" latinLnBrk="0" hangingPunct="1">
+              <a:defRPr sz="1800" kern="1200">
+                <a:solidFill>
+                  <a:schemeClr val="lt1"/>
+                </a:solidFill>
+                <a:latin typeface="+mn-lt"/>
+                <a:ea typeface="+mn-ea"/>
+                <a:cs typeface="+mn-cs"/>
+              </a:defRPr>
+            </a:lvl6pPr>
+            <a:lvl7pPr marL="2743200" algn="l" defTabSz="914400" rtl="0" eaLnBrk="1" latinLnBrk="0" hangingPunct="1">
+              <a:defRPr sz="1800" kern="1200">
+                <a:solidFill>
+                  <a:schemeClr val="lt1"/>
+                </a:solidFill>
+                <a:latin typeface="+mn-lt"/>
+                <a:ea typeface="+mn-ea"/>
+                <a:cs typeface="+mn-cs"/>
+              </a:defRPr>
+            </a:lvl7pPr>
+            <a:lvl8pPr marL="3200400" algn="l" defTabSz="914400" rtl="0" eaLnBrk="1" latinLnBrk="0" hangingPunct="1">
+              <a:defRPr sz="1800" kern="1200">
+                <a:solidFill>
+                  <a:schemeClr val="lt1"/>
+                </a:solidFill>
+                <a:latin typeface="+mn-lt"/>
+                <a:ea typeface="+mn-ea"/>
+                <a:cs typeface="+mn-cs"/>
+              </a:defRPr>
+            </a:lvl8pPr>
+            <a:lvl9pPr marL="3657600" algn="l" defTabSz="914400" rtl="0" eaLnBrk="1" latinLnBrk="0" hangingPunct="1">
+              <a:defRPr sz="1800" kern="1200">
+                <a:solidFill>
+                  <a:schemeClr val="lt1"/>
+                </a:solidFill>
+                <a:latin typeface="+mn-lt"/>
+                <a:ea typeface="+mn-ea"/>
+                <a:cs typeface="+mn-cs"/>
+              </a:defRPr>
+            </a:lvl9pPr>
+          </a:lstStyle>
+          <a:p>
+            <a:pPr algn="ctr"/>
+            <a:r>
+              <a:rPr lang="en-US" sz="5400" dirty="0">
+                <a:solidFill>
+                  <a:schemeClr val="accent4"/>
+                </a:solidFill>
+              </a:rPr>
+              <a:t>G</a:t>
+            </a:r>
+            <a:endParaRPr lang="en-PH" sz="5400" dirty="0">
+              <a:solidFill>
+                <a:schemeClr val="accent4"/>
+              </a:solidFill>
+            </a:endParaRPr>
+          </a:p>
+        </p:txBody>
+      </p:sp>
+      <p:sp>
+        <p:nvSpPr>
+          <p:cNvPr id="4" name="Rectangle 3">
+            <a:extLst>
+              <a:ext uri="{FF2B5EF4-FFF2-40B4-BE49-F238E27FC236}">
+                <a16:creationId xmlns:a16="http://schemas.microsoft.com/office/drawing/2014/main" id="{34D0967F-3237-4FE7-8F23-12D0F1C5E05C}"/>
+              </a:ext>
+            </a:extLst>
+          </p:cNvPr>
+          <p:cNvSpPr/>
+          <p:nvPr/>
+        </p:nvSpPr>
+        <p:spPr>
+          <a:xfrm>
+            <a:off x="6372287" y="2241915"/>
+            <a:ext cx="1786597" cy="970671"/>
+          </a:xfrm>
+          <a:prstGeom prst="rect">
+            <a:avLst/>
+          </a:prstGeom>
+          <a:noFill/>
+          <a:ln>
+            <a:noFill/>
+          </a:ln>
+        </p:spPr>
+        <p:style>
+          <a:lnRef idx="2">
+            <a:schemeClr val="accent1">
+              <a:shade val="50000"/>
+            </a:schemeClr>
+          </a:lnRef>
+          <a:fillRef idx="1">
+            <a:schemeClr val="accent1"/>
+          </a:fillRef>
+          <a:effectRef idx="0">
+            <a:schemeClr val="accent1"/>
+          </a:effectRef>
+          <a:fontRef idx="minor">
+            <a:schemeClr val="lt1"/>
+          </a:fontRef>
+        </p:style>
+        <p:txBody>
+          <a:bodyPr rtlCol="0" anchor="ctr"/>
+          <a:lstStyle>
+            <a:defPPr>
+              <a:defRPr lang="en-US"/>
+            </a:defPPr>
+            <a:lvl1pPr marL="0" algn="l" defTabSz="914400" rtl="0" eaLnBrk="1" latinLnBrk="0" hangingPunct="1">
+              <a:defRPr sz="1800" kern="1200">
+                <a:solidFill>
+                  <a:schemeClr val="lt1"/>
+                </a:solidFill>
+                <a:latin typeface="+mn-lt"/>
+                <a:ea typeface="+mn-ea"/>
+                <a:cs typeface="+mn-cs"/>
+              </a:defRPr>
+            </a:lvl1pPr>
+            <a:lvl2pPr marL="457200" algn="l" defTabSz="914400" rtl="0" eaLnBrk="1" latinLnBrk="0" hangingPunct="1">
+              <a:defRPr sz="1800" kern="1200">
+                <a:solidFill>
+                  <a:schemeClr val="lt1"/>
+                </a:solidFill>
+                <a:latin typeface="+mn-lt"/>
+                <a:ea typeface="+mn-ea"/>
+                <a:cs typeface="+mn-cs"/>
+              </a:defRPr>
+            </a:lvl2pPr>
+            <a:lvl3pPr marL="914400" algn="l" defTabSz="914400" rtl="0" eaLnBrk="1" latinLnBrk="0" hangingPunct="1">
+              <a:defRPr sz="1800" kern="1200">
+                <a:solidFill>
+                  <a:schemeClr val="lt1"/>
+                </a:solidFill>
+                <a:latin typeface="+mn-lt"/>
+                <a:ea typeface="+mn-ea"/>
+                <a:cs typeface="+mn-cs"/>
+              </a:defRPr>
+            </a:lvl3pPr>
+            <a:lvl4pPr marL="1371600" algn="l" defTabSz="914400" rtl="0" eaLnBrk="1" latinLnBrk="0" hangingPunct="1">
+              <a:defRPr sz="1800" kern="1200">
+                <a:solidFill>
+                  <a:schemeClr val="lt1"/>
+                </a:solidFill>
+                <a:latin typeface="+mn-lt"/>
+                <a:ea typeface="+mn-ea"/>
+                <a:cs typeface="+mn-cs"/>
+              </a:defRPr>
+            </a:lvl4pPr>
+            <a:lvl5pPr marL="1828800" algn="l" defTabSz="914400" rtl="0" eaLnBrk="1" latinLnBrk="0" hangingPunct="1">
+              <a:defRPr sz="1800" kern="1200">
+                <a:solidFill>
+                  <a:schemeClr val="lt1"/>
+                </a:solidFill>
+                <a:latin typeface="+mn-lt"/>
+                <a:ea typeface="+mn-ea"/>
+                <a:cs typeface="+mn-cs"/>
+              </a:defRPr>
+            </a:lvl5pPr>
+            <a:lvl6pPr marL="2286000" algn="l" defTabSz="914400" rtl="0" eaLnBrk="1" latinLnBrk="0" hangingPunct="1">
+              <a:defRPr sz="1800" kern="1200">
+                <a:solidFill>
+                  <a:schemeClr val="lt1"/>
+                </a:solidFill>
+                <a:latin typeface="+mn-lt"/>
+                <a:ea typeface="+mn-ea"/>
+                <a:cs typeface="+mn-cs"/>
+              </a:defRPr>
+            </a:lvl6pPr>
+            <a:lvl7pPr marL="2743200" algn="l" defTabSz="914400" rtl="0" eaLnBrk="1" latinLnBrk="0" hangingPunct="1">
+              <a:defRPr sz="1800" kern="1200">
+                <a:solidFill>
+                  <a:schemeClr val="lt1"/>
+                </a:solidFill>
+                <a:latin typeface="+mn-lt"/>
+                <a:ea typeface="+mn-ea"/>
+                <a:cs typeface="+mn-cs"/>
+              </a:defRPr>
+            </a:lvl7pPr>
+            <a:lvl8pPr marL="3200400" algn="l" defTabSz="914400" rtl="0" eaLnBrk="1" latinLnBrk="0" hangingPunct="1">
+              <a:defRPr sz="1800" kern="1200">
+                <a:solidFill>
+                  <a:schemeClr val="lt1"/>
+                </a:solidFill>
+                <a:latin typeface="+mn-lt"/>
+                <a:ea typeface="+mn-ea"/>
+                <a:cs typeface="+mn-cs"/>
+              </a:defRPr>
+            </a:lvl8pPr>
+            <a:lvl9pPr marL="3657600" algn="l" defTabSz="914400" rtl="0" eaLnBrk="1" latinLnBrk="0" hangingPunct="1">
+              <a:defRPr sz="1800" kern="1200">
+                <a:solidFill>
+                  <a:schemeClr val="lt1"/>
+                </a:solidFill>
+                <a:latin typeface="+mn-lt"/>
+                <a:ea typeface="+mn-ea"/>
+                <a:cs typeface="+mn-cs"/>
+              </a:defRPr>
+            </a:lvl9pPr>
+          </a:lstStyle>
+          <a:p>
+            <a:pPr algn="ctr"/>
+            <a:r>
+              <a:rPr lang="en-US" sz="5400" dirty="0">
+                <a:solidFill>
+                  <a:schemeClr val="accent4"/>
+                </a:solidFill>
+              </a:rPr>
+              <a:t>C</a:t>
+            </a:r>
+            <a:endParaRPr lang="en-PH" sz="5400" dirty="0">
+              <a:solidFill>
+                <a:schemeClr val="accent4"/>
+              </a:solidFill>
+            </a:endParaRPr>
+          </a:p>
+        </p:txBody>
+      </p:sp>
+      <p:sp>
+        <p:nvSpPr>
+          <p:cNvPr id="5" name="Rectangle 4">
+            <a:extLst>
+              <a:ext uri="{FF2B5EF4-FFF2-40B4-BE49-F238E27FC236}">
+                <a16:creationId xmlns:a16="http://schemas.microsoft.com/office/drawing/2014/main" id="{A974E18B-8C49-4F0A-BEFB-CC3A2DD7A9C7}"/>
+              </a:ext>
+            </a:extLst>
+          </p:cNvPr>
+          <p:cNvSpPr/>
+          <p:nvPr/>
+        </p:nvSpPr>
+        <p:spPr>
+          <a:xfrm>
+            <a:off x="10200000" y="3687937"/>
+            <a:ext cx="1786597" cy="970671"/>
+          </a:xfrm>
+          <a:prstGeom prst="rect">
+            <a:avLst/>
+          </a:prstGeom>
+          <a:noFill/>
+          <a:ln>
+            <a:noFill/>
+          </a:ln>
+        </p:spPr>
+        <p:style>
+          <a:lnRef idx="2">
+            <a:schemeClr val="accent1">
+              <a:shade val="50000"/>
+            </a:schemeClr>
+          </a:lnRef>
+          <a:fillRef idx="1">
+            <a:schemeClr val="accent1"/>
+          </a:fillRef>
+          <a:effectRef idx="0">
+            <a:schemeClr val="accent1"/>
+          </a:effectRef>
+          <a:fontRef idx="minor">
+            <a:schemeClr val="lt1"/>
+          </a:fontRef>
+        </p:style>
+        <p:txBody>
+          <a:bodyPr rtlCol="0" anchor="ctr"/>
+          <a:lstStyle>
+            <a:defPPr>
+              <a:defRPr lang="en-US"/>
+            </a:defPPr>
+            <a:lvl1pPr marL="0" algn="l" defTabSz="914400" rtl="0" eaLnBrk="1" latinLnBrk="0" hangingPunct="1">
+              <a:defRPr sz="1800" kern="1200">
+                <a:solidFill>
+                  <a:schemeClr val="lt1"/>
+                </a:solidFill>
+                <a:latin typeface="+mn-lt"/>
+                <a:ea typeface="+mn-ea"/>
+                <a:cs typeface="+mn-cs"/>
+              </a:defRPr>
+            </a:lvl1pPr>
+            <a:lvl2pPr marL="457200" algn="l" defTabSz="914400" rtl="0" eaLnBrk="1" latinLnBrk="0" hangingPunct="1">
+              <a:defRPr sz="1800" kern="1200">
+                <a:solidFill>
+                  <a:schemeClr val="lt1"/>
+                </a:solidFill>
+                <a:latin typeface="+mn-lt"/>
+                <a:ea typeface="+mn-ea"/>
+                <a:cs typeface="+mn-cs"/>
+              </a:defRPr>
+            </a:lvl2pPr>
+            <a:lvl3pPr marL="914400" algn="l" defTabSz="914400" rtl="0" eaLnBrk="1" latinLnBrk="0" hangingPunct="1">
+              <a:defRPr sz="1800" kern="1200">
+                <a:solidFill>
+                  <a:schemeClr val="lt1"/>
+                </a:solidFill>
+                <a:latin typeface="+mn-lt"/>
+                <a:ea typeface="+mn-ea"/>
+                <a:cs typeface="+mn-cs"/>
+              </a:defRPr>
+            </a:lvl3pPr>
+            <a:lvl4pPr marL="1371600" algn="l" defTabSz="914400" rtl="0" eaLnBrk="1" latinLnBrk="0" hangingPunct="1">
+              <a:defRPr sz="1800" kern="1200">
+                <a:solidFill>
+                  <a:schemeClr val="lt1"/>
+                </a:solidFill>
+                <a:latin typeface="+mn-lt"/>
+                <a:ea typeface="+mn-ea"/>
+                <a:cs typeface="+mn-cs"/>
+              </a:defRPr>
+            </a:lvl4pPr>
+            <a:lvl5pPr marL="1828800" algn="l" defTabSz="914400" rtl="0" eaLnBrk="1" latinLnBrk="0" hangingPunct="1">
+              <a:defRPr sz="1800" kern="1200">
+                <a:solidFill>
+                  <a:schemeClr val="lt1"/>
+                </a:solidFill>
+                <a:latin typeface="+mn-lt"/>
+                <a:ea typeface="+mn-ea"/>
+                <a:cs typeface="+mn-cs"/>
+              </a:defRPr>
+            </a:lvl5pPr>
+            <a:lvl6pPr marL="2286000" algn="l" defTabSz="914400" rtl="0" eaLnBrk="1" latinLnBrk="0" hangingPunct="1">
+              <a:defRPr sz="1800" kern="1200">
+                <a:solidFill>
+                  <a:schemeClr val="lt1"/>
+                </a:solidFill>
+                <a:latin typeface="+mn-lt"/>
+                <a:ea typeface="+mn-ea"/>
+                <a:cs typeface="+mn-cs"/>
+              </a:defRPr>
+            </a:lvl6pPr>
+            <a:lvl7pPr marL="2743200" algn="l" defTabSz="914400" rtl="0" eaLnBrk="1" latinLnBrk="0" hangingPunct="1">
+              <a:defRPr sz="1800" kern="1200">
+                <a:solidFill>
+                  <a:schemeClr val="lt1"/>
+                </a:solidFill>
+                <a:latin typeface="+mn-lt"/>
+                <a:ea typeface="+mn-ea"/>
+                <a:cs typeface="+mn-cs"/>
+              </a:defRPr>
+            </a:lvl7pPr>
+            <a:lvl8pPr marL="3200400" algn="l" defTabSz="914400" rtl="0" eaLnBrk="1" latinLnBrk="0" hangingPunct="1">
+              <a:defRPr sz="1800" kern="1200">
+                <a:solidFill>
+                  <a:schemeClr val="lt1"/>
+                </a:solidFill>
+                <a:latin typeface="+mn-lt"/>
+                <a:ea typeface="+mn-ea"/>
+                <a:cs typeface="+mn-cs"/>
+              </a:defRPr>
+            </a:lvl8pPr>
+            <a:lvl9pPr marL="3657600" algn="l" defTabSz="914400" rtl="0" eaLnBrk="1" latinLnBrk="0" hangingPunct="1">
+              <a:defRPr sz="1800" kern="1200">
+                <a:solidFill>
+                  <a:schemeClr val="lt1"/>
+                </a:solidFill>
+                <a:latin typeface="+mn-lt"/>
+                <a:ea typeface="+mn-ea"/>
+                <a:cs typeface="+mn-cs"/>
+              </a:defRPr>
+            </a:lvl9pPr>
+          </a:lstStyle>
+          <a:p>
+            <a:pPr algn="ctr"/>
+            <a:r>
+              <a:rPr lang="en-US" sz="5400" dirty="0" err="1">
+                <a:solidFill>
+                  <a:schemeClr val="accent4"/>
+                </a:solidFill>
+              </a:rPr>
+              <a:t>Bm</a:t>
+            </a:r>
+            <a:endParaRPr lang="en-PH" sz="5400" dirty="0">
+              <a:solidFill>
+                <a:schemeClr val="accent4"/>
+              </a:solidFill>
+            </a:endParaRPr>
+          </a:p>
+        </p:txBody>
+      </p:sp>
     </p:spTree>
     <p:extLst>
       <p:ext uri="{BB962C8B-B14F-4D97-AF65-F5344CB8AC3E}">
@@ -3944,7 +6006,7 @@
 </p:sld>
 </file>
 
-<file path=ppt/slides/slide5.xml><?xml version="1.0" encoding="utf-8"?>
+<file path=ppt/slides/slide6.xml><?xml version="1.0" encoding="utf-8"?>
 <p:sld xmlns:a="http://schemas.openxmlformats.org/drawingml/2006/main" xmlns:r="http://schemas.openxmlformats.org/officeDocument/2006/relationships" xmlns:p="http://schemas.openxmlformats.org/presentationml/2006/main">
   <p:cSld>
     <p:spTree>
@@ -4094,7 +6156,7 @@
 </p:sld>
 </file>
 
-<file path=ppt/slides/slide6.xml><?xml version="1.0" encoding="utf-8"?>
+<file path=ppt/slides/slide7.xml><?xml version="1.0" encoding="utf-8"?>
 <p:sld xmlns:a="http://schemas.openxmlformats.org/drawingml/2006/main" xmlns:r="http://schemas.openxmlformats.org/officeDocument/2006/relationships" xmlns:p="http://schemas.openxmlformats.org/presentationml/2006/main">
   <p:cSld>
     <p:spTree>
@@ -4237,7 +6299,7 @@
 </p:sld>
 </file>
 
-<file path=ppt/slides/slide7.xml><?xml version="1.0" encoding="utf-8"?>
+<file path=ppt/slides/slide8.xml><?xml version="1.0" encoding="utf-8"?>
 <p:sld xmlns:a="http://schemas.openxmlformats.org/drawingml/2006/main" xmlns:r="http://schemas.openxmlformats.org/officeDocument/2006/relationships" xmlns:p="http://schemas.openxmlformats.org/presentationml/2006/main">
   <p:cSld>
     <p:spTree>
@@ -4369,7 +6431,7 @@
 </p:sld>
 </file>
 
-<file path=ppt/slides/slide8.xml><?xml version="1.0" encoding="utf-8"?>
+<file path=ppt/slides/slide9.xml><?xml version="1.0" encoding="utf-8"?>
 <p:sld xmlns:a="http://schemas.openxmlformats.org/drawingml/2006/main" xmlns:r="http://schemas.openxmlformats.org/officeDocument/2006/relationships" xmlns:p="http://schemas.openxmlformats.org/presentationml/2006/main">
   <p:cSld>
     <p:spTree>
@@ -4454,106 +6516,6 @@
     <p:extLst>
       <p:ext uri="{BB962C8B-B14F-4D97-AF65-F5344CB8AC3E}">
         <p14:creationId xmlns:p14="http://schemas.microsoft.com/office/powerpoint/2010/main" val="514492130"/>
-      </p:ext>
-    </p:extLst>
-  </p:cSld>
-  <p:clrMapOvr>
-    <a:masterClrMapping/>
-  </p:clrMapOvr>
-</p:sld>
-</file>
-
-<file path=ppt/slides/slide9.xml><?xml version="1.0" encoding="utf-8"?>
-<p:sld xmlns:a="http://schemas.openxmlformats.org/drawingml/2006/main" xmlns:r="http://schemas.openxmlformats.org/officeDocument/2006/relationships" xmlns:p="http://schemas.openxmlformats.org/presentationml/2006/main">
-  <p:cSld>
-    <p:spTree>
-      <p:nvGrpSpPr>
-        <p:cNvPr id="1" name=""/>
-        <p:cNvGrpSpPr/>
-        <p:nvPr/>
-      </p:nvGrpSpPr>
-      <p:grpSpPr>
-        <a:xfrm>
-          <a:off x="0" y="0"/>
-          <a:ext cx="0" cy="0"/>
-          <a:chOff x="0" y="0"/>
-          <a:chExt cx="0" cy="0"/>
-        </a:xfrm>
-      </p:grpSpPr>
-      <p:sp>
-        <p:nvSpPr>
-          <p:cNvPr id="8" name="Rectangle 7">
-            <a:extLst>
-              <a:ext uri="{FF2B5EF4-FFF2-40B4-BE49-F238E27FC236}">
-                <a16:creationId xmlns:a16="http://schemas.microsoft.com/office/drawing/2014/main" id="{F2D4EDD6-DCB2-420C-ACFA-D33CC2ACEAE1}"/>
-              </a:ext>
-            </a:extLst>
-          </p:cNvPr>
-          <p:cNvSpPr/>
-          <p:nvPr/>
-        </p:nvSpPr>
-        <p:spPr>
-          <a:xfrm>
-            <a:off x="0" y="0"/>
-            <a:ext cx="12192000" cy="6858000"/>
-          </a:xfrm>
-          <a:prstGeom prst="rect">
-            <a:avLst/>
-          </a:prstGeom>
-          <a:solidFill>
-            <a:schemeClr val="tx1">
-              <a:alpha val="38000"/>
-            </a:schemeClr>
-          </a:solidFill>
-          <a:ln>
-            <a:noFill/>
-          </a:ln>
-        </p:spPr>
-        <p:style>
-          <a:lnRef idx="2">
-            <a:schemeClr val="accent1">
-              <a:shade val="50000"/>
-            </a:schemeClr>
-          </a:lnRef>
-          <a:fillRef idx="1">
-            <a:schemeClr val="accent1"/>
-          </a:fillRef>
-          <a:effectRef idx="0">
-            <a:schemeClr val="accent1"/>
-          </a:effectRef>
-          <a:fontRef idx="minor">
-            <a:schemeClr val="lt1"/>
-          </a:fontRef>
-        </p:style>
-        <p:txBody>
-          <a:bodyPr rtlCol="0" anchor="ctr"/>
-          <a:lstStyle/>
-          <a:p>
-            <a:pPr algn="ctr"/>
-            <a:r>
-              <a:rPr lang="sv-SE" sz="10000" dirty="0">
-                <a:latin typeface="Times New Roman" panose="02020603050405020304" pitchFamily="18" charset="0"/>
-                <a:cs typeface="Times New Roman" panose="02020603050405020304" pitchFamily="18" charset="0"/>
-              </a:rPr>
-              <a:t>Ug Ang Tumang Katam-is,</a:t>
-            </a:r>
-          </a:p>
-          <a:p>
-            <a:pPr algn="ctr"/>
-            <a:r>
-              <a:rPr lang="sv-SE" sz="10000" dirty="0">
-                <a:latin typeface="Times New Roman" panose="02020603050405020304" pitchFamily="18" charset="0"/>
-                <a:cs typeface="Times New Roman" panose="02020603050405020304" pitchFamily="18" charset="0"/>
-              </a:rPr>
-              <a:t>Tagamtama Tagamta-ma</a:t>
-            </a:r>
-          </a:p>
-        </p:txBody>
-      </p:sp>
-    </p:spTree>
-    <p:extLst>
-      <p:ext uri="{BB962C8B-B14F-4D97-AF65-F5344CB8AC3E}">
-        <p14:creationId xmlns:p14="http://schemas.microsoft.com/office/powerpoint/2010/main" val="3066927214"/>
       </p:ext>
     </p:extLst>
   </p:cSld>

--- a/Kanta/kalawat/Gi Tudluan.pptx
+++ b/Kanta/kalawat/Gi Tudluan.pptx
@@ -6,16 +6,15 @@
   </p:sldMasterIdLst>
   <p:sldIdLst>
     <p:sldId id="256" r:id="rId2"/>
-    <p:sldId id="364" r:id="rId3"/>
-    <p:sldId id="354" r:id="rId4"/>
-    <p:sldId id="356" r:id="rId5"/>
-    <p:sldId id="357" r:id="rId6"/>
-    <p:sldId id="358" r:id="rId7"/>
-    <p:sldId id="362" r:id="rId8"/>
-    <p:sldId id="363" r:id="rId9"/>
-    <p:sldId id="359" r:id="rId10"/>
-    <p:sldId id="360" r:id="rId11"/>
-    <p:sldId id="361" r:id="rId12"/>
+    <p:sldId id="354" r:id="rId3"/>
+    <p:sldId id="356" r:id="rId4"/>
+    <p:sldId id="357" r:id="rId5"/>
+    <p:sldId id="358" r:id="rId6"/>
+    <p:sldId id="362" r:id="rId7"/>
+    <p:sldId id="363" r:id="rId8"/>
+    <p:sldId id="359" r:id="rId9"/>
+    <p:sldId id="360" r:id="rId10"/>
+    <p:sldId id="361" r:id="rId11"/>
   </p:sldIdLst>
   <p:sldSz cx="12192000" cy="6858000"/>
   <p:notesSz cx="6858000" cy="9144000"/>
@@ -269,7 +268,7 @@
           <a:p>
             <a:fld id="{689CB065-93CC-4F93-97CB-5160E2F98F73}" type="datetimeFigureOut">
               <a:rPr lang="en-US" smtClean="0"/>
-              <a:t>1/5/2026</a:t>
+              <a:t>2/1/2026</a:t>
             </a:fld>
             <a:endParaRPr lang="en-US"/>
           </a:p>
@@ -467,7 +466,7 @@
           <a:p>
             <a:fld id="{689CB065-93CC-4F93-97CB-5160E2F98F73}" type="datetimeFigureOut">
               <a:rPr lang="en-US" smtClean="0"/>
-              <a:t>1/5/2026</a:t>
+              <a:t>2/1/2026</a:t>
             </a:fld>
             <a:endParaRPr lang="en-US"/>
           </a:p>
@@ -675,7 +674,7 @@
           <a:p>
             <a:fld id="{689CB065-93CC-4F93-97CB-5160E2F98F73}" type="datetimeFigureOut">
               <a:rPr lang="en-US" smtClean="0"/>
-              <a:t>1/5/2026</a:t>
+              <a:t>2/1/2026</a:t>
             </a:fld>
             <a:endParaRPr lang="en-US"/>
           </a:p>
@@ -873,7 +872,7 @@
           <a:p>
             <a:fld id="{689CB065-93CC-4F93-97CB-5160E2F98F73}" type="datetimeFigureOut">
               <a:rPr lang="en-US" smtClean="0"/>
-              <a:t>1/5/2026</a:t>
+              <a:t>2/1/2026</a:t>
             </a:fld>
             <a:endParaRPr lang="en-US"/>
           </a:p>
@@ -1148,7 +1147,7 @@
           <a:p>
             <a:fld id="{689CB065-93CC-4F93-97CB-5160E2F98F73}" type="datetimeFigureOut">
               <a:rPr lang="en-US" smtClean="0"/>
-              <a:t>1/5/2026</a:t>
+              <a:t>2/1/2026</a:t>
             </a:fld>
             <a:endParaRPr lang="en-US"/>
           </a:p>
@@ -1413,7 +1412,7 @@
           <a:p>
             <a:fld id="{689CB065-93CC-4F93-97CB-5160E2F98F73}" type="datetimeFigureOut">
               <a:rPr lang="en-US" smtClean="0"/>
-              <a:t>1/5/2026</a:t>
+              <a:t>2/1/2026</a:t>
             </a:fld>
             <a:endParaRPr lang="en-US"/>
           </a:p>
@@ -1825,7 +1824,7 @@
           <a:p>
             <a:fld id="{689CB065-93CC-4F93-97CB-5160E2F98F73}" type="datetimeFigureOut">
               <a:rPr lang="en-US" smtClean="0"/>
-              <a:t>1/5/2026</a:t>
+              <a:t>2/1/2026</a:t>
             </a:fld>
             <a:endParaRPr lang="en-US"/>
           </a:p>
@@ -1966,7 +1965,7 @@
           <a:p>
             <a:fld id="{689CB065-93CC-4F93-97CB-5160E2F98F73}" type="datetimeFigureOut">
               <a:rPr lang="en-US" smtClean="0"/>
-              <a:t>1/5/2026</a:t>
+              <a:t>2/1/2026</a:t>
             </a:fld>
             <a:endParaRPr lang="en-US"/>
           </a:p>
@@ -2079,7 +2078,7 @@
           <a:p>
             <a:fld id="{689CB065-93CC-4F93-97CB-5160E2F98F73}" type="datetimeFigureOut">
               <a:rPr lang="en-US" smtClean="0"/>
-              <a:t>1/5/2026</a:t>
+              <a:t>2/1/2026</a:t>
             </a:fld>
             <a:endParaRPr lang="en-US"/>
           </a:p>
@@ -2390,7 +2389,7 @@
           <a:p>
             <a:fld id="{689CB065-93CC-4F93-97CB-5160E2F98F73}" type="datetimeFigureOut">
               <a:rPr lang="en-US" smtClean="0"/>
-              <a:t>1/5/2026</a:t>
+              <a:t>2/1/2026</a:t>
             </a:fld>
             <a:endParaRPr lang="en-US"/>
           </a:p>
@@ -2678,7 +2677,7 @@
           <a:p>
             <a:fld id="{689CB065-93CC-4F93-97CB-5160E2F98F73}" type="datetimeFigureOut">
               <a:rPr lang="en-US" smtClean="0"/>
-              <a:t>1/5/2026</a:t>
+              <a:t>2/1/2026</a:t>
             </a:fld>
             <a:endParaRPr lang="en-US"/>
           </a:p>
@@ -2922,7 +2921,7 @@
           <a:p>
             <a:fld id="{689CB065-93CC-4F93-97CB-5160E2F98F73}" type="datetimeFigureOut">
               <a:rPr lang="en-US" smtClean="0"/>
-              <a:t>1/5/2026</a:t>
+              <a:t>2/1/2026</a:t>
             </a:fld>
             <a:endParaRPr lang="en-US"/>
           </a:p>
@@ -3504,21 +3503,45 @@
           <a:p>
             <a:pPr algn="ctr"/>
             <a:r>
-              <a:rPr lang="sv-SE" sz="10000" dirty="0">
-                <a:latin typeface="Times New Roman" panose="02020603050405020304" pitchFamily="18" charset="0"/>
-                <a:cs typeface="Times New Roman" panose="02020603050405020304" pitchFamily="18" charset="0"/>
-              </a:rPr>
-              <a:t>Ug Ang Tumang Katam-is,</a:t>
+              <a:rPr lang="sv-SE" sz="11000" dirty="0">
+                <a:latin typeface="Times New Roman" panose="02020603050405020304" pitchFamily="18" charset="0"/>
+                <a:cs typeface="Times New Roman" panose="02020603050405020304" pitchFamily="18" charset="0"/>
+              </a:rPr>
+              <a:t>Ug Ang Tumang Katam-is</a:t>
             </a:r>
           </a:p>
           <a:p>
             <a:pPr algn="ctr"/>
             <a:r>
-              <a:rPr lang="sv-SE" sz="10000" dirty="0">
-                <a:latin typeface="Times New Roman" panose="02020603050405020304" pitchFamily="18" charset="0"/>
-                <a:cs typeface="Times New Roman" panose="02020603050405020304" pitchFamily="18" charset="0"/>
-              </a:rPr>
-              <a:t>Tagamtama Tagamta-ma</a:t>
+              <a:rPr lang="en-ID" sz="11000" dirty="0" err="1">
+                <a:latin typeface="Times New Roman" panose="02020603050405020304" pitchFamily="18" charset="0"/>
+                <a:cs typeface="Times New Roman" panose="02020603050405020304" pitchFamily="18" charset="0"/>
+              </a:rPr>
+              <a:t>Tagamtama</a:t>
+            </a:r>
+            <a:r>
+              <a:rPr lang="en-ID" sz="11000" dirty="0">
+                <a:latin typeface="Times New Roman" panose="02020603050405020304" pitchFamily="18" charset="0"/>
+                <a:cs typeface="Times New Roman" panose="02020603050405020304" pitchFamily="18" charset="0"/>
+              </a:rPr>
+              <a:t>,</a:t>
+            </a:r>
+          </a:p>
+          <a:p>
+            <a:pPr algn="ctr"/>
+            <a:r>
+              <a:rPr lang="en-ID" sz="11000" dirty="0" err="1">
+                <a:latin typeface="Times New Roman" panose="02020603050405020304" pitchFamily="18" charset="0"/>
+                <a:cs typeface="Times New Roman" panose="02020603050405020304" pitchFamily="18" charset="0"/>
+              </a:rPr>
+              <a:t>Tagamta</a:t>
+            </a:r>
+            <a:r>
+              <a:rPr lang="en-ID" sz="11000" dirty="0">
+                <a:latin typeface="Times New Roman" panose="02020603050405020304" pitchFamily="18" charset="0"/>
+                <a:cs typeface="Times New Roman" panose="02020603050405020304" pitchFamily="18" charset="0"/>
+              </a:rPr>
+              <a:t>-ma</a:t>
             </a:r>
           </a:p>
         </p:txBody>
@@ -3526,7 +3549,7 @@
     </p:spTree>
     <p:extLst>
       <p:ext uri="{BB962C8B-B14F-4D97-AF65-F5344CB8AC3E}">
-        <p14:creationId xmlns:p14="http://schemas.microsoft.com/office/powerpoint/2010/main" val="3066927214"/>
+        <p14:creationId xmlns:p14="http://schemas.microsoft.com/office/powerpoint/2010/main" val="3829664489"/>
       </p:ext>
     </p:extLst>
   </p:cSld>
@@ -3536,7 +3559,7 @@
 </p:sld>
 </file>
 
-<file path=ppt/slides/slide11.xml><?xml version="1.0" encoding="utf-8"?>
+<file path=ppt/slides/slide2.xml><?xml version="1.0" encoding="utf-8"?>
 <p:sld xmlns:a="http://schemas.openxmlformats.org/drawingml/2006/main" xmlns:r="http://schemas.openxmlformats.org/officeDocument/2006/relationships" xmlns:p="http://schemas.openxmlformats.org/presentationml/2006/main">
   <p:cSld>
     <p:spTree>
@@ -3604,53 +3627,33 @@
           <a:p>
             <a:pPr algn="ctr"/>
             <a:r>
-              <a:rPr lang="sv-SE" sz="10000" dirty="0">
-                <a:latin typeface="Times New Roman" panose="02020603050405020304" pitchFamily="18" charset="0"/>
-                <a:cs typeface="Times New Roman" panose="02020603050405020304" pitchFamily="18" charset="0"/>
-              </a:rPr>
-              <a:t>Ug Ang Tumang Katam-is</a:t>
+              <a:rPr lang="sv-SE" sz="11000" dirty="0">
+                <a:latin typeface="Times New Roman" panose="02020603050405020304" pitchFamily="18" charset="0"/>
+                <a:cs typeface="Times New Roman" panose="02020603050405020304" pitchFamily="18" charset="0"/>
+              </a:rPr>
+              <a:t>Gitudloan Mo Kami Sa Paghigugma,</a:t>
             </a:r>
           </a:p>
           <a:p>
             <a:pPr algn="ctr"/>
             <a:r>
-              <a:rPr lang="en-ID" sz="10000" dirty="0" err="1">
-                <a:latin typeface="Times New Roman" panose="02020603050405020304" pitchFamily="18" charset="0"/>
-                <a:cs typeface="Times New Roman" panose="02020603050405020304" pitchFamily="18" charset="0"/>
-              </a:rPr>
-              <a:t>Tagamtama</a:t>
-            </a:r>
-            <a:r>
-              <a:rPr lang="en-ID" sz="10000" dirty="0">
-                <a:latin typeface="Times New Roman" panose="02020603050405020304" pitchFamily="18" charset="0"/>
-                <a:cs typeface="Times New Roman" panose="02020603050405020304" pitchFamily="18" charset="0"/>
-              </a:rPr>
-              <a:t>,</a:t>
-            </a:r>
-          </a:p>
-          <a:p>
-            <a:pPr algn="ctr"/>
-            <a:r>
-              <a:rPr lang="en-ID" sz="10000" dirty="0" err="1">
-                <a:latin typeface="Times New Roman" panose="02020603050405020304" pitchFamily="18" charset="0"/>
-                <a:cs typeface="Times New Roman" panose="02020603050405020304" pitchFamily="18" charset="0"/>
-              </a:rPr>
-              <a:t>Tagamta</a:t>
-            </a:r>
-            <a:r>
-              <a:rPr lang="en-ID" sz="10000" dirty="0">
-                <a:latin typeface="Times New Roman" panose="02020603050405020304" pitchFamily="18" charset="0"/>
-                <a:cs typeface="Times New Roman" panose="02020603050405020304" pitchFamily="18" charset="0"/>
-              </a:rPr>
-              <a:t>-ma</a:t>
-            </a:r>
+              <a:rPr lang="sv-SE" sz="11000" dirty="0">
+                <a:latin typeface="Times New Roman" panose="02020603050405020304" pitchFamily="18" charset="0"/>
+                <a:cs typeface="Times New Roman" panose="02020603050405020304" pitchFamily="18" charset="0"/>
+              </a:rPr>
+              <a:t>Sa Kaaghop Ug Sa Kalomo</a:t>
+            </a:r>
+            <a:endParaRPr lang="en-ID" sz="11000" dirty="0">
+              <a:latin typeface="Times New Roman" panose="02020603050405020304" pitchFamily="18" charset="0"/>
+              <a:cs typeface="Times New Roman" panose="02020603050405020304" pitchFamily="18" charset="0"/>
+            </a:endParaRPr>
           </a:p>
         </p:txBody>
       </p:sp>
     </p:spTree>
     <p:extLst>
       <p:ext uri="{BB962C8B-B14F-4D97-AF65-F5344CB8AC3E}">
-        <p14:creationId xmlns:p14="http://schemas.microsoft.com/office/powerpoint/2010/main" val="3829664489"/>
+        <p14:creationId xmlns:p14="http://schemas.microsoft.com/office/powerpoint/2010/main" val="1892770379"/>
       </p:ext>
     </p:extLst>
   </p:cSld>
@@ -3660,7 +3663,7 @@
 </p:sld>
 </file>
 
-<file path=ppt/slides/slide2.xml><?xml version="1.0" encoding="utf-8"?>
+<file path=ppt/slides/slide3.xml><?xml version="1.0" encoding="utf-8"?>
 <p:sld xmlns:a="http://schemas.openxmlformats.org/drawingml/2006/main" xmlns:r="http://schemas.openxmlformats.org/officeDocument/2006/relationships" xmlns:p="http://schemas.openxmlformats.org/presentationml/2006/main">
   <p:cSld>
     <p:spTree>
@@ -3679,10 +3682,10 @@
       </p:grpSpPr>
       <p:sp>
         <p:nvSpPr>
-          <p:cNvPr id="4" name="Rectangle 3">
-            <a:extLst>
-              <a:ext uri="{FF2B5EF4-FFF2-40B4-BE49-F238E27FC236}">
-                <a16:creationId xmlns:a16="http://schemas.microsoft.com/office/drawing/2014/main" id="{4B3BF86F-B0D8-490B-9AFE-96DFA7663221}"/>
+          <p:cNvPr id="8" name="Rectangle 7">
+            <a:extLst>
+              <a:ext uri="{FF2B5EF4-FFF2-40B4-BE49-F238E27FC236}">
+                <a16:creationId xmlns:a16="http://schemas.microsoft.com/office/drawing/2014/main" id="{F2D4EDD6-DCB2-420C-ACFA-D33CC2ACEAE1}"/>
               </a:ext>
             </a:extLst>
           </p:cNvPr>
@@ -3691,13 +3694,17 @@
         </p:nvSpPr>
         <p:spPr>
           <a:xfrm>
-            <a:off x="0" y="0"/>
+            <a:off x="0" y="20320"/>
             <a:ext cx="12192000" cy="6858000"/>
           </a:xfrm>
           <a:prstGeom prst="rect">
             <a:avLst/>
           </a:prstGeom>
-          <a:noFill/>
+          <a:solidFill>
+            <a:schemeClr val="tx1">
+              <a:alpha val="38000"/>
+            </a:schemeClr>
+          </a:solidFill>
           <a:ln>
             <a:noFill/>
           </a:ln>
@@ -3724,178 +3731,110 @@
           <a:p>
             <a:pPr algn="ctr"/>
             <a:r>
-              <a:rPr lang="en-US" sz="4000" dirty="0">
-                <a:solidFill>
-                  <a:schemeClr val="bg1"/>
-                </a:solidFill>
-                <a:latin typeface="Times New Roman" panose="02020603050405020304" pitchFamily="18" charset="0"/>
-                <a:cs typeface="Times New Roman" panose="02020603050405020304" pitchFamily="18" charset="0"/>
-              </a:rPr>
-              <a:t>Intro </a:t>
-            </a:r>
-          </a:p>
-        </p:txBody>
-      </p:sp>
-      <p:sp>
-        <p:nvSpPr>
-          <p:cNvPr id="3" name="Rectangle 2">
-            <a:extLst>
-              <a:ext uri="{FF2B5EF4-FFF2-40B4-BE49-F238E27FC236}">
-                <a16:creationId xmlns:a16="http://schemas.microsoft.com/office/drawing/2014/main" id="{425E2C9C-C860-4204-AAE1-8A98FCDD9E65}"/>
-              </a:ext>
-            </a:extLst>
-          </p:cNvPr>
-          <p:cNvSpPr/>
-          <p:nvPr/>
-        </p:nvSpPr>
-        <p:spPr>
-          <a:xfrm>
-            <a:off x="4040293" y="3581617"/>
-            <a:ext cx="4111414" cy="970671"/>
-          </a:xfrm>
-          <a:prstGeom prst="rect">
-            <a:avLst/>
-          </a:prstGeom>
-          <a:noFill/>
-          <a:ln>
-            <a:noFill/>
-          </a:ln>
-        </p:spPr>
-        <p:style>
-          <a:lnRef idx="2">
-            <a:schemeClr val="accent1">
-              <a:shade val="50000"/>
-            </a:schemeClr>
-          </a:lnRef>
-          <a:fillRef idx="1">
-            <a:schemeClr val="accent1"/>
-          </a:fillRef>
-          <a:effectRef idx="0">
-            <a:schemeClr val="accent1"/>
-          </a:effectRef>
-          <a:fontRef idx="minor">
-            <a:schemeClr val="lt1"/>
-          </a:fontRef>
-        </p:style>
-        <p:txBody>
-          <a:bodyPr rtlCol="0" anchor="ctr"/>
-          <a:lstStyle>
-            <a:defPPr>
-              <a:defRPr lang="en-US"/>
-            </a:defPPr>
-            <a:lvl1pPr marL="0" algn="l" defTabSz="914400" rtl="0" eaLnBrk="1" latinLnBrk="0" hangingPunct="1">
-              <a:defRPr sz="1800" kern="1200">
-                <a:solidFill>
-                  <a:schemeClr val="lt1"/>
-                </a:solidFill>
-                <a:latin typeface="+mn-lt"/>
-                <a:ea typeface="+mn-ea"/>
-                <a:cs typeface="+mn-cs"/>
-              </a:defRPr>
-            </a:lvl1pPr>
-            <a:lvl2pPr marL="457200" algn="l" defTabSz="914400" rtl="0" eaLnBrk="1" latinLnBrk="0" hangingPunct="1">
-              <a:defRPr sz="1800" kern="1200">
-                <a:solidFill>
-                  <a:schemeClr val="lt1"/>
-                </a:solidFill>
-                <a:latin typeface="+mn-lt"/>
-                <a:ea typeface="+mn-ea"/>
-                <a:cs typeface="+mn-cs"/>
-              </a:defRPr>
-            </a:lvl2pPr>
-            <a:lvl3pPr marL="914400" algn="l" defTabSz="914400" rtl="0" eaLnBrk="1" latinLnBrk="0" hangingPunct="1">
-              <a:defRPr sz="1800" kern="1200">
-                <a:solidFill>
-                  <a:schemeClr val="lt1"/>
-                </a:solidFill>
-                <a:latin typeface="+mn-lt"/>
-                <a:ea typeface="+mn-ea"/>
-                <a:cs typeface="+mn-cs"/>
-              </a:defRPr>
-            </a:lvl3pPr>
-            <a:lvl4pPr marL="1371600" algn="l" defTabSz="914400" rtl="0" eaLnBrk="1" latinLnBrk="0" hangingPunct="1">
-              <a:defRPr sz="1800" kern="1200">
-                <a:solidFill>
-                  <a:schemeClr val="lt1"/>
-                </a:solidFill>
-                <a:latin typeface="+mn-lt"/>
-                <a:ea typeface="+mn-ea"/>
-                <a:cs typeface="+mn-cs"/>
-              </a:defRPr>
-            </a:lvl4pPr>
-            <a:lvl5pPr marL="1828800" algn="l" defTabSz="914400" rtl="0" eaLnBrk="1" latinLnBrk="0" hangingPunct="1">
-              <a:defRPr sz="1800" kern="1200">
-                <a:solidFill>
-                  <a:schemeClr val="lt1"/>
-                </a:solidFill>
-                <a:latin typeface="+mn-lt"/>
-                <a:ea typeface="+mn-ea"/>
-                <a:cs typeface="+mn-cs"/>
-              </a:defRPr>
-            </a:lvl5pPr>
-            <a:lvl6pPr marL="2286000" algn="l" defTabSz="914400" rtl="0" eaLnBrk="1" latinLnBrk="0" hangingPunct="1">
-              <a:defRPr sz="1800" kern="1200">
-                <a:solidFill>
-                  <a:schemeClr val="lt1"/>
-                </a:solidFill>
-                <a:latin typeface="+mn-lt"/>
-                <a:ea typeface="+mn-ea"/>
-                <a:cs typeface="+mn-cs"/>
-              </a:defRPr>
-            </a:lvl6pPr>
-            <a:lvl7pPr marL="2743200" algn="l" defTabSz="914400" rtl="0" eaLnBrk="1" latinLnBrk="0" hangingPunct="1">
-              <a:defRPr sz="1800" kern="1200">
-                <a:solidFill>
-                  <a:schemeClr val="lt1"/>
-                </a:solidFill>
-                <a:latin typeface="+mn-lt"/>
-                <a:ea typeface="+mn-ea"/>
-                <a:cs typeface="+mn-cs"/>
-              </a:defRPr>
-            </a:lvl7pPr>
-            <a:lvl8pPr marL="3200400" algn="l" defTabSz="914400" rtl="0" eaLnBrk="1" latinLnBrk="0" hangingPunct="1">
-              <a:defRPr sz="1800" kern="1200">
-                <a:solidFill>
-                  <a:schemeClr val="lt1"/>
-                </a:solidFill>
-                <a:latin typeface="+mn-lt"/>
-                <a:ea typeface="+mn-ea"/>
-                <a:cs typeface="+mn-cs"/>
-              </a:defRPr>
-            </a:lvl8pPr>
-            <a:lvl9pPr marL="3657600" algn="l" defTabSz="914400" rtl="0" eaLnBrk="1" latinLnBrk="0" hangingPunct="1">
-              <a:defRPr sz="1800" kern="1200">
-                <a:solidFill>
-                  <a:schemeClr val="lt1"/>
-                </a:solidFill>
-                <a:latin typeface="+mn-lt"/>
-                <a:ea typeface="+mn-ea"/>
-                <a:cs typeface="+mn-cs"/>
-              </a:defRPr>
-            </a:lvl9pPr>
-          </a:lstStyle>
+              <a:rPr lang="en-ID" sz="11000" dirty="0" err="1">
+                <a:latin typeface="Times New Roman" panose="02020603050405020304" pitchFamily="18" charset="0"/>
+                <a:cs typeface="Times New Roman" panose="02020603050405020304" pitchFamily="18" charset="0"/>
+              </a:rPr>
+              <a:t>Ug</a:t>
+            </a:r>
+            <a:r>
+              <a:rPr lang="en-ID" sz="11000" dirty="0">
+                <a:latin typeface="Times New Roman" panose="02020603050405020304" pitchFamily="18" charset="0"/>
+                <a:cs typeface="Times New Roman" panose="02020603050405020304" pitchFamily="18" charset="0"/>
+              </a:rPr>
+              <a:t> </a:t>
+            </a:r>
+            <a:r>
+              <a:rPr lang="en-ID" sz="11000" dirty="0" err="1">
+                <a:latin typeface="Times New Roman" panose="02020603050405020304" pitchFamily="18" charset="0"/>
+                <a:cs typeface="Times New Roman" panose="02020603050405020304" pitchFamily="18" charset="0"/>
+              </a:rPr>
+              <a:t>Bulahan</a:t>
+            </a:r>
+            <a:r>
+              <a:rPr lang="en-ID" sz="11000" dirty="0">
+                <a:latin typeface="Times New Roman" panose="02020603050405020304" pitchFamily="18" charset="0"/>
+                <a:cs typeface="Times New Roman" panose="02020603050405020304" pitchFamily="18" charset="0"/>
+              </a:rPr>
+              <a:t> </a:t>
+            </a:r>
+            <a:r>
+              <a:rPr lang="en-ID" sz="11000" dirty="0" err="1">
+                <a:latin typeface="Times New Roman" panose="02020603050405020304" pitchFamily="18" charset="0"/>
+                <a:cs typeface="Times New Roman" panose="02020603050405020304" pitchFamily="18" charset="0"/>
+              </a:rPr>
+              <a:t>Ang</a:t>
+            </a:r>
+            <a:r>
+              <a:rPr lang="en-ID" sz="11000" dirty="0">
+                <a:latin typeface="Times New Roman" panose="02020603050405020304" pitchFamily="18" charset="0"/>
+                <a:cs typeface="Times New Roman" panose="02020603050405020304" pitchFamily="18" charset="0"/>
+              </a:rPr>
+              <a:t> </a:t>
+            </a:r>
+            <a:r>
+              <a:rPr lang="en-ID" sz="11000" dirty="0" err="1">
+                <a:latin typeface="Times New Roman" panose="02020603050405020304" pitchFamily="18" charset="0"/>
+                <a:cs typeface="Times New Roman" panose="02020603050405020304" pitchFamily="18" charset="0"/>
+              </a:rPr>
+              <a:t>Makasunod</a:t>
+            </a:r>
+            <a:endParaRPr lang="en-ID" sz="11000" dirty="0">
+              <a:latin typeface="Times New Roman" panose="02020603050405020304" pitchFamily="18" charset="0"/>
+              <a:cs typeface="Times New Roman" panose="02020603050405020304" pitchFamily="18" charset="0"/>
+            </a:endParaRPr>
+          </a:p>
           <a:p>
             <a:pPr algn="ctr"/>
             <a:r>
-              <a:rPr lang="en-US" sz="5400" dirty="0">
-                <a:solidFill>
-                  <a:schemeClr val="accent4"/>
-                </a:solidFill>
-              </a:rPr>
-              <a:t>G Am D G</a:t>
-            </a:r>
-            <a:endParaRPr lang="en-PH" sz="5400" dirty="0">
-              <a:solidFill>
-                <a:schemeClr val="accent4"/>
-              </a:solidFill>
-            </a:endParaRPr>
+              <a:rPr lang="en-ID" sz="11000" dirty="0" err="1">
+                <a:latin typeface="Times New Roman" panose="02020603050405020304" pitchFamily="18" charset="0"/>
+                <a:cs typeface="Times New Roman" panose="02020603050405020304" pitchFamily="18" charset="0"/>
+              </a:rPr>
+              <a:t>Niining</a:t>
+            </a:r>
+            <a:r>
+              <a:rPr lang="en-ID" sz="11000" dirty="0">
+                <a:latin typeface="Times New Roman" panose="02020603050405020304" pitchFamily="18" charset="0"/>
+                <a:cs typeface="Times New Roman" panose="02020603050405020304" pitchFamily="18" charset="0"/>
+              </a:rPr>
+              <a:t> </a:t>
+            </a:r>
+            <a:r>
+              <a:rPr lang="en-ID" sz="11000" dirty="0" err="1">
+                <a:latin typeface="Times New Roman" panose="02020603050405020304" pitchFamily="18" charset="0"/>
+                <a:cs typeface="Times New Roman" panose="02020603050405020304" pitchFamily="18" charset="0"/>
+              </a:rPr>
+              <a:t>Hiyas</a:t>
+            </a:r>
+            <a:r>
+              <a:rPr lang="en-ID" sz="11000" dirty="0">
+                <a:latin typeface="Times New Roman" panose="02020603050405020304" pitchFamily="18" charset="0"/>
+                <a:cs typeface="Times New Roman" panose="02020603050405020304" pitchFamily="18" charset="0"/>
+              </a:rPr>
+              <a:t> Sa </a:t>
+            </a:r>
+            <a:r>
+              <a:rPr lang="en-ID" sz="11000" dirty="0" err="1">
+                <a:latin typeface="Times New Roman" panose="02020603050405020304" pitchFamily="18" charset="0"/>
+                <a:cs typeface="Times New Roman" panose="02020603050405020304" pitchFamily="18" charset="0"/>
+              </a:rPr>
+              <a:t>Kasingkasing</a:t>
+            </a:r>
+            <a:r>
+              <a:rPr lang="en-ID" sz="11000" dirty="0">
+                <a:latin typeface="Times New Roman" panose="02020603050405020304" pitchFamily="18" charset="0"/>
+                <a:cs typeface="Times New Roman" panose="02020603050405020304" pitchFamily="18" charset="0"/>
+              </a:rPr>
+              <a:t> Mo</a:t>
+            </a:r>
           </a:p>
         </p:txBody>
       </p:sp>
     </p:spTree>
     <p:extLst>
       <p:ext uri="{BB962C8B-B14F-4D97-AF65-F5344CB8AC3E}">
-        <p14:creationId xmlns:p14="http://schemas.microsoft.com/office/powerpoint/2010/main" val="3319956542"/>
+        <p14:creationId xmlns:p14="http://schemas.microsoft.com/office/powerpoint/2010/main" val="3032243814"/>
       </p:ext>
     </p:extLst>
   </p:cSld>
@@ -3905,7 +3844,7 @@
 </p:sld>
 </file>
 
-<file path=ppt/slides/slide3.xml><?xml version="1.0" encoding="utf-8"?>
+<file path=ppt/slides/slide4.xml><?xml version="1.0" encoding="utf-8"?>
 <p:sld xmlns:a="http://schemas.openxmlformats.org/drawingml/2006/main" xmlns:r="http://schemas.openxmlformats.org/officeDocument/2006/relationships" xmlns:p="http://schemas.openxmlformats.org/presentationml/2006/main">
   <p:cSld>
     <p:spTree>
@@ -3973,1462 +3912,29 @@
           <a:p>
             <a:pPr algn="ctr"/>
             <a:r>
-              <a:rPr lang="sv-SE" sz="10000" dirty="0">
-                <a:latin typeface="Times New Roman" panose="02020603050405020304" pitchFamily="18" charset="0"/>
-                <a:cs typeface="Times New Roman" panose="02020603050405020304" pitchFamily="18" charset="0"/>
-              </a:rPr>
-              <a:t>Gitudloan Mo Kami Sa Paghigugma,</a:t>
+              <a:rPr lang="sv-SE" sz="11000" dirty="0">
+                <a:latin typeface="Times New Roman" panose="02020603050405020304" pitchFamily="18" charset="0"/>
+                <a:cs typeface="Times New Roman" panose="02020603050405020304" pitchFamily="18" charset="0"/>
+              </a:rPr>
+              <a:t>Ug Busa Dad-on Mo Kami</a:t>
             </a:r>
           </a:p>
           <a:p>
             <a:pPr algn="ctr"/>
             <a:r>
-              <a:rPr lang="sv-SE" sz="10000" dirty="0">
-                <a:latin typeface="Times New Roman" panose="02020603050405020304" pitchFamily="18" charset="0"/>
-                <a:cs typeface="Times New Roman" panose="02020603050405020304" pitchFamily="18" charset="0"/>
-              </a:rPr>
-              <a:t>Sa Kaaghop Ug Sa Kalomo</a:t>
-            </a:r>
-            <a:endParaRPr lang="en-ID" sz="10000" dirty="0">
-              <a:latin typeface="Times New Roman" panose="02020603050405020304" pitchFamily="18" charset="0"/>
-              <a:cs typeface="Times New Roman" panose="02020603050405020304" pitchFamily="18" charset="0"/>
-            </a:endParaRPr>
-          </a:p>
-        </p:txBody>
-      </p:sp>
-      <p:sp>
-        <p:nvSpPr>
-          <p:cNvPr id="3" name="Rectangle 2">
-            <a:extLst>
-              <a:ext uri="{FF2B5EF4-FFF2-40B4-BE49-F238E27FC236}">
-                <a16:creationId xmlns:a16="http://schemas.microsoft.com/office/drawing/2014/main" id="{BD66AB26-ADBE-4359-8811-2EEE2D07E6BC}"/>
-              </a:ext>
-            </a:extLst>
-          </p:cNvPr>
-          <p:cNvSpPr/>
-          <p:nvPr/>
-        </p:nvSpPr>
-        <p:spPr>
-          <a:xfrm>
-            <a:off x="-326223" y="-63795"/>
-            <a:ext cx="1786597" cy="970671"/>
-          </a:xfrm>
-          <a:prstGeom prst="rect">
-            <a:avLst/>
-          </a:prstGeom>
-          <a:noFill/>
-          <a:ln>
-            <a:noFill/>
-          </a:ln>
-        </p:spPr>
-        <p:style>
-          <a:lnRef idx="2">
-            <a:schemeClr val="accent1">
-              <a:shade val="50000"/>
-            </a:schemeClr>
-          </a:lnRef>
-          <a:fillRef idx="1">
-            <a:schemeClr val="accent1"/>
-          </a:fillRef>
-          <a:effectRef idx="0">
-            <a:schemeClr val="accent1"/>
-          </a:effectRef>
-          <a:fontRef idx="minor">
-            <a:schemeClr val="lt1"/>
-          </a:fontRef>
-        </p:style>
-        <p:txBody>
-          <a:bodyPr rtlCol="0" anchor="ctr"/>
-          <a:lstStyle>
-            <a:defPPr>
-              <a:defRPr lang="en-US"/>
-            </a:defPPr>
-            <a:lvl1pPr marL="0" algn="l" defTabSz="914400" rtl="0" eaLnBrk="1" latinLnBrk="0" hangingPunct="1">
-              <a:defRPr sz="1800" kern="1200">
-                <a:solidFill>
-                  <a:schemeClr val="lt1"/>
-                </a:solidFill>
-                <a:latin typeface="+mn-lt"/>
-                <a:ea typeface="+mn-ea"/>
-                <a:cs typeface="+mn-cs"/>
-              </a:defRPr>
-            </a:lvl1pPr>
-            <a:lvl2pPr marL="457200" algn="l" defTabSz="914400" rtl="0" eaLnBrk="1" latinLnBrk="0" hangingPunct="1">
-              <a:defRPr sz="1800" kern="1200">
-                <a:solidFill>
-                  <a:schemeClr val="lt1"/>
-                </a:solidFill>
-                <a:latin typeface="+mn-lt"/>
-                <a:ea typeface="+mn-ea"/>
-                <a:cs typeface="+mn-cs"/>
-              </a:defRPr>
-            </a:lvl2pPr>
-            <a:lvl3pPr marL="914400" algn="l" defTabSz="914400" rtl="0" eaLnBrk="1" latinLnBrk="0" hangingPunct="1">
-              <a:defRPr sz="1800" kern="1200">
-                <a:solidFill>
-                  <a:schemeClr val="lt1"/>
-                </a:solidFill>
-                <a:latin typeface="+mn-lt"/>
-                <a:ea typeface="+mn-ea"/>
-                <a:cs typeface="+mn-cs"/>
-              </a:defRPr>
-            </a:lvl3pPr>
-            <a:lvl4pPr marL="1371600" algn="l" defTabSz="914400" rtl="0" eaLnBrk="1" latinLnBrk="0" hangingPunct="1">
-              <a:defRPr sz="1800" kern="1200">
-                <a:solidFill>
-                  <a:schemeClr val="lt1"/>
-                </a:solidFill>
-                <a:latin typeface="+mn-lt"/>
-                <a:ea typeface="+mn-ea"/>
-                <a:cs typeface="+mn-cs"/>
-              </a:defRPr>
-            </a:lvl4pPr>
-            <a:lvl5pPr marL="1828800" algn="l" defTabSz="914400" rtl="0" eaLnBrk="1" latinLnBrk="0" hangingPunct="1">
-              <a:defRPr sz="1800" kern="1200">
-                <a:solidFill>
-                  <a:schemeClr val="lt1"/>
-                </a:solidFill>
-                <a:latin typeface="+mn-lt"/>
-                <a:ea typeface="+mn-ea"/>
-                <a:cs typeface="+mn-cs"/>
-              </a:defRPr>
-            </a:lvl5pPr>
-            <a:lvl6pPr marL="2286000" algn="l" defTabSz="914400" rtl="0" eaLnBrk="1" latinLnBrk="0" hangingPunct="1">
-              <a:defRPr sz="1800" kern="1200">
-                <a:solidFill>
-                  <a:schemeClr val="lt1"/>
-                </a:solidFill>
-                <a:latin typeface="+mn-lt"/>
-                <a:ea typeface="+mn-ea"/>
-                <a:cs typeface="+mn-cs"/>
-              </a:defRPr>
-            </a:lvl6pPr>
-            <a:lvl7pPr marL="2743200" algn="l" defTabSz="914400" rtl="0" eaLnBrk="1" latinLnBrk="0" hangingPunct="1">
-              <a:defRPr sz="1800" kern="1200">
-                <a:solidFill>
-                  <a:schemeClr val="lt1"/>
-                </a:solidFill>
-                <a:latin typeface="+mn-lt"/>
-                <a:ea typeface="+mn-ea"/>
-                <a:cs typeface="+mn-cs"/>
-              </a:defRPr>
-            </a:lvl7pPr>
-            <a:lvl8pPr marL="3200400" algn="l" defTabSz="914400" rtl="0" eaLnBrk="1" latinLnBrk="0" hangingPunct="1">
-              <a:defRPr sz="1800" kern="1200">
-                <a:solidFill>
-                  <a:schemeClr val="lt1"/>
-                </a:solidFill>
-                <a:latin typeface="+mn-lt"/>
-                <a:ea typeface="+mn-ea"/>
-                <a:cs typeface="+mn-cs"/>
-              </a:defRPr>
-            </a:lvl8pPr>
-            <a:lvl9pPr marL="3657600" algn="l" defTabSz="914400" rtl="0" eaLnBrk="1" latinLnBrk="0" hangingPunct="1">
-              <a:defRPr sz="1800" kern="1200">
-                <a:solidFill>
-                  <a:schemeClr val="lt1"/>
-                </a:solidFill>
-                <a:latin typeface="+mn-lt"/>
-                <a:ea typeface="+mn-ea"/>
-                <a:cs typeface="+mn-cs"/>
-              </a:defRPr>
-            </a:lvl9pPr>
-          </a:lstStyle>
-          <a:p>
-            <a:pPr algn="ctr"/>
-            <a:r>
-              <a:rPr lang="en-US" sz="5400" dirty="0">
-                <a:solidFill>
-                  <a:schemeClr val="accent4"/>
-                </a:solidFill>
-              </a:rPr>
-              <a:t>G</a:t>
-            </a:r>
-            <a:endParaRPr lang="en-PH" sz="5400" dirty="0">
-              <a:solidFill>
-                <a:schemeClr val="accent4"/>
-              </a:solidFill>
-            </a:endParaRPr>
-          </a:p>
-        </p:txBody>
-      </p:sp>
-      <p:sp>
-        <p:nvSpPr>
-          <p:cNvPr id="4" name="Rectangle 3">
-            <a:extLst>
-              <a:ext uri="{FF2B5EF4-FFF2-40B4-BE49-F238E27FC236}">
-                <a16:creationId xmlns:a16="http://schemas.microsoft.com/office/drawing/2014/main" id="{A3F10A69-4825-4B71-AB2A-52A150B93A84}"/>
-              </a:ext>
-            </a:extLst>
-          </p:cNvPr>
-          <p:cNvSpPr/>
-          <p:nvPr/>
-        </p:nvSpPr>
-        <p:spPr>
-          <a:xfrm>
-            <a:off x="5351560" y="1689024"/>
-            <a:ext cx="1786597" cy="970671"/>
-          </a:xfrm>
-          <a:prstGeom prst="rect">
-            <a:avLst/>
-          </a:prstGeom>
-          <a:noFill/>
-          <a:ln>
-            <a:noFill/>
-          </a:ln>
-        </p:spPr>
-        <p:style>
-          <a:lnRef idx="2">
-            <a:schemeClr val="accent1">
-              <a:shade val="50000"/>
-            </a:schemeClr>
-          </a:lnRef>
-          <a:fillRef idx="1">
-            <a:schemeClr val="accent1"/>
-          </a:fillRef>
-          <a:effectRef idx="0">
-            <a:schemeClr val="accent1"/>
-          </a:effectRef>
-          <a:fontRef idx="minor">
-            <a:schemeClr val="lt1"/>
-          </a:fontRef>
-        </p:style>
-        <p:txBody>
-          <a:bodyPr rtlCol="0" anchor="ctr"/>
-          <a:lstStyle>
-            <a:defPPr>
-              <a:defRPr lang="en-US"/>
-            </a:defPPr>
-            <a:lvl1pPr marL="0" algn="l" defTabSz="914400" rtl="0" eaLnBrk="1" latinLnBrk="0" hangingPunct="1">
-              <a:defRPr sz="1800" kern="1200">
-                <a:solidFill>
-                  <a:schemeClr val="lt1"/>
-                </a:solidFill>
-                <a:latin typeface="+mn-lt"/>
-                <a:ea typeface="+mn-ea"/>
-                <a:cs typeface="+mn-cs"/>
-              </a:defRPr>
-            </a:lvl1pPr>
-            <a:lvl2pPr marL="457200" algn="l" defTabSz="914400" rtl="0" eaLnBrk="1" latinLnBrk="0" hangingPunct="1">
-              <a:defRPr sz="1800" kern="1200">
-                <a:solidFill>
-                  <a:schemeClr val="lt1"/>
-                </a:solidFill>
-                <a:latin typeface="+mn-lt"/>
-                <a:ea typeface="+mn-ea"/>
-                <a:cs typeface="+mn-cs"/>
-              </a:defRPr>
-            </a:lvl2pPr>
-            <a:lvl3pPr marL="914400" algn="l" defTabSz="914400" rtl="0" eaLnBrk="1" latinLnBrk="0" hangingPunct="1">
-              <a:defRPr sz="1800" kern="1200">
-                <a:solidFill>
-                  <a:schemeClr val="lt1"/>
-                </a:solidFill>
-                <a:latin typeface="+mn-lt"/>
-                <a:ea typeface="+mn-ea"/>
-                <a:cs typeface="+mn-cs"/>
-              </a:defRPr>
-            </a:lvl3pPr>
-            <a:lvl4pPr marL="1371600" algn="l" defTabSz="914400" rtl="0" eaLnBrk="1" latinLnBrk="0" hangingPunct="1">
-              <a:defRPr sz="1800" kern="1200">
-                <a:solidFill>
-                  <a:schemeClr val="lt1"/>
-                </a:solidFill>
-                <a:latin typeface="+mn-lt"/>
-                <a:ea typeface="+mn-ea"/>
-                <a:cs typeface="+mn-cs"/>
-              </a:defRPr>
-            </a:lvl4pPr>
-            <a:lvl5pPr marL="1828800" algn="l" defTabSz="914400" rtl="0" eaLnBrk="1" latinLnBrk="0" hangingPunct="1">
-              <a:defRPr sz="1800" kern="1200">
-                <a:solidFill>
-                  <a:schemeClr val="lt1"/>
-                </a:solidFill>
-                <a:latin typeface="+mn-lt"/>
-                <a:ea typeface="+mn-ea"/>
-                <a:cs typeface="+mn-cs"/>
-              </a:defRPr>
-            </a:lvl5pPr>
-            <a:lvl6pPr marL="2286000" algn="l" defTabSz="914400" rtl="0" eaLnBrk="1" latinLnBrk="0" hangingPunct="1">
-              <a:defRPr sz="1800" kern="1200">
-                <a:solidFill>
-                  <a:schemeClr val="lt1"/>
-                </a:solidFill>
-                <a:latin typeface="+mn-lt"/>
-                <a:ea typeface="+mn-ea"/>
-                <a:cs typeface="+mn-cs"/>
-              </a:defRPr>
-            </a:lvl6pPr>
-            <a:lvl7pPr marL="2743200" algn="l" defTabSz="914400" rtl="0" eaLnBrk="1" latinLnBrk="0" hangingPunct="1">
-              <a:defRPr sz="1800" kern="1200">
-                <a:solidFill>
-                  <a:schemeClr val="lt1"/>
-                </a:solidFill>
-                <a:latin typeface="+mn-lt"/>
-                <a:ea typeface="+mn-ea"/>
-                <a:cs typeface="+mn-cs"/>
-              </a:defRPr>
-            </a:lvl7pPr>
-            <a:lvl8pPr marL="3200400" algn="l" defTabSz="914400" rtl="0" eaLnBrk="1" latinLnBrk="0" hangingPunct="1">
-              <a:defRPr sz="1800" kern="1200">
-                <a:solidFill>
-                  <a:schemeClr val="lt1"/>
-                </a:solidFill>
-                <a:latin typeface="+mn-lt"/>
-                <a:ea typeface="+mn-ea"/>
-                <a:cs typeface="+mn-cs"/>
-              </a:defRPr>
-            </a:lvl8pPr>
-            <a:lvl9pPr marL="3657600" algn="l" defTabSz="914400" rtl="0" eaLnBrk="1" latinLnBrk="0" hangingPunct="1">
-              <a:defRPr sz="1800" kern="1200">
-                <a:solidFill>
-                  <a:schemeClr val="lt1"/>
-                </a:solidFill>
-                <a:latin typeface="+mn-lt"/>
-                <a:ea typeface="+mn-ea"/>
-                <a:cs typeface="+mn-cs"/>
-              </a:defRPr>
-            </a:lvl9pPr>
-          </a:lstStyle>
-          <a:p>
-            <a:pPr algn="ctr"/>
-            <a:r>
-              <a:rPr lang="en-US" sz="5400" dirty="0">
-                <a:solidFill>
-                  <a:schemeClr val="accent4"/>
-                </a:solidFill>
-              </a:rPr>
-              <a:t>Am</a:t>
-            </a:r>
-            <a:endParaRPr lang="en-PH" sz="5400" dirty="0">
-              <a:solidFill>
-                <a:schemeClr val="accent4"/>
-              </a:solidFill>
-            </a:endParaRPr>
-          </a:p>
-        </p:txBody>
-      </p:sp>
-      <p:sp>
-        <p:nvSpPr>
-          <p:cNvPr id="5" name="Rectangle 4">
-            <a:extLst>
-              <a:ext uri="{FF2B5EF4-FFF2-40B4-BE49-F238E27FC236}">
-                <a16:creationId xmlns:a16="http://schemas.microsoft.com/office/drawing/2014/main" id="{6B273699-3A7D-4E34-B761-FD8840AC3030}"/>
-              </a:ext>
-            </a:extLst>
-          </p:cNvPr>
-          <p:cNvSpPr/>
-          <p:nvPr/>
-        </p:nvSpPr>
-        <p:spPr>
-          <a:xfrm>
-            <a:off x="3480231" y="3241374"/>
-            <a:ext cx="1786597" cy="970671"/>
-          </a:xfrm>
-          <a:prstGeom prst="rect">
-            <a:avLst/>
-          </a:prstGeom>
-          <a:noFill/>
-          <a:ln>
-            <a:noFill/>
-          </a:ln>
-        </p:spPr>
-        <p:style>
-          <a:lnRef idx="2">
-            <a:schemeClr val="accent1">
-              <a:shade val="50000"/>
-            </a:schemeClr>
-          </a:lnRef>
-          <a:fillRef idx="1">
-            <a:schemeClr val="accent1"/>
-          </a:fillRef>
-          <a:effectRef idx="0">
-            <a:schemeClr val="accent1"/>
-          </a:effectRef>
-          <a:fontRef idx="minor">
-            <a:schemeClr val="lt1"/>
-          </a:fontRef>
-        </p:style>
-        <p:txBody>
-          <a:bodyPr rtlCol="0" anchor="ctr"/>
-          <a:lstStyle>
-            <a:defPPr>
-              <a:defRPr lang="en-US"/>
-            </a:defPPr>
-            <a:lvl1pPr marL="0" algn="l" defTabSz="914400" rtl="0" eaLnBrk="1" latinLnBrk="0" hangingPunct="1">
-              <a:defRPr sz="1800" kern="1200">
-                <a:solidFill>
-                  <a:schemeClr val="lt1"/>
-                </a:solidFill>
-                <a:latin typeface="+mn-lt"/>
-                <a:ea typeface="+mn-ea"/>
-                <a:cs typeface="+mn-cs"/>
-              </a:defRPr>
-            </a:lvl1pPr>
-            <a:lvl2pPr marL="457200" algn="l" defTabSz="914400" rtl="0" eaLnBrk="1" latinLnBrk="0" hangingPunct="1">
-              <a:defRPr sz="1800" kern="1200">
-                <a:solidFill>
-                  <a:schemeClr val="lt1"/>
-                </a:solidFill>
-                <a:latin typeface="+mn-lt"/>
-                <a:ea typeface="+mn-ea"/>
-                <a:cs typeface="+mn-cs"/>
-              </a:defRPr>
-            </a:lvl2pPr>
-            <a:lvl3pPr marL="914400" algn="l" defTabSz="914400" rtl="0" eaLnBrk="1" latinLnBrk="0" hangingPunct="1">
-              <a:defRPr sz="1800" kern="1200">
-                <a:solidFill>
-                  <a:schemeClr val="lt1"/>
-                </a:solidFill>
-                <a:latin typeface="+mn-lt"/>
-                <a:ea typeface="+mn-ea"/>
-                <a:cs typeface="+mn-cs"/>
-              </a:defRPr>
-            </a:lvl3pPr>
-            <a:lvl4pPr marL="1371600" algn="l" defTabSz="914400" rtl="0" eaLnBrk="1" latinLnBrk="0" hangingPunct="1">
-              <a:defRPr sz="1800" kern="1200">
-                <a:solidFill>
-                  <a:schemeClr val="lt1"/>
-                </a:solidFill>
-                <a:latin typeface="+mn-lt"/>
-                <a:ea typeface="+mn-ea"/>
-                <a:cs typeface="+mn-cs"/>
-              </a:defRPr>
-            </a:lvl4pPr>
-            <a:lvl5pPr marL="1828800" algn="l" defTabSz="914400" rtl="0" eaLnBrk="1" latinLnBrk="0" hangingPunct="1">
-              <a:defRPr sz="1800" kern="1200">
-                <a:solidFill>
-                  <a:schemeClr val="lt1"/>
-                </a:solidFill>
-                <a:latin typeface="+mn-lt"/>
-                <a:ea typeface="+mn-ea"/>
-                <a:cs typeface="+mn-cs"/>
-              </a:defRPr>
-            </a:lvl5pPr>
-            <a:lvl6pPr marL="2286000" algn="l" defTabSz="914400" rtl="0" eaLnBrk="1" latinLnBrk="0" hangingPunct="1">
-              <a:defRPr sz="1800" kern="1200">
-                <a:solidFill>
-                  <a:schemeClr val="lt1"/>
-                </a:solidFill>
-                <a:latin typeface="+mn-lt"/>
-                <a:ea typeface="+mn-ea"/>
-                <a:cs typeface="+mn-cs"/>
-              </a:defRPr>
-            </a:lvl6pPr>
-            <a:lvl7pPr marL="2743200" algn="l" defTabSz="914400" rtl="0" eaLnBrk="1" latinLnBrk="0" hangingPunct="1">
-              <a:defRPr sz="1800" kern="1200">
-                <a:solidFill>
-                  <a:schemeClr val="lt1"/>
-                </a:solidFill>
-                <a:latin typeface="+mn-lt"/>
-                <a:ea typeface="+mn-ea"/>
-                <a:cs typeface="+mn-cs"/>
-              </a:defRPr>
-            </a:lvl7pPr>
-            <a:lvl8pPr marL="3200400" algn="l" defTabSz="914400" rtl="0" eaLnBrk="1" latinLnBrk="0" hangingPunct="1">
-              <a:defRPr sz="1800" kern="1200">
-                <a:solidFill>
-                  <a:schemeClr val="lt1"/>
-                </a:solidFill>
-                <a:latin typeface="+mn-lt"/>
-                <a:ea typeface="+mn-ea"/>
-                <a:cs typeface="+mn-cs"/>
-              </a:defRPr>
-            </a:lvl8pPr>
-            <a:lvl9pPr marL="3657600" algn="l" defTabSz="914400" rtl="0" eaLnBrk="1" latinLnBrk="0" hangingPunct="1">
-              <a:defRPr sz="1800" kern="1200">
-                <a:solidFill>
-                  <a:schemeClr val="lt1"/>
-                </a:solidFill>
-                <a:latin typeface="+mn-lt"/>
-                <a:ea typeface="+mn-ea"/>
-                <a:cs typeface="+mn-cs"/>
-              </a:defRPr>
-            </a:lvl9pPr>
-          </a:lstStyle>
-          <a:p>
-            <a:pPr algn="ctr"/>
-            <a:r>
-              <a:rPr lang="en-US" sz="5400" dirty="0">
-                <a:solidFill>
-                  <a:schemeClr val="accent4"/>
-                </a:solidFill>
-              </a:rPr>
-              <a:t>D</a:t>
-            </a:r>
-            <a:endParaRPr lang="en-PH" sz="5400" dirty="0">
-              <a:solidFill>
-                <a:schemeClr val="accent4"/>
-              </a:solidFill>
-            </a:endParaRPr>
-          </a:p>
-        </p:txBody>
-      </p:sp>
-      <p:sp>
-        <p:nvSpPr>
-          <p:cNvPr id="6" name="Rectangle 5">
-            <a:extLst>
-              <a:ext uri="{FF2B5EF4-FFF2-40B4-BE49-F238E27FC236}">
-                <a16:creationId xmlns:a16="http://schemas.microsoft.com/office/drawing/2014/main" id="{B8B2C2B4-1807-461B-A38E-22A05F7D8918}"/>
-              </a:ext>
-            </a:extLst>
-          </p:cNvPr>
-          <p:cNvSpPr/>
-          <p:nvPr/>
-        </p:nvSpPr>
-        <p:spPr>
-          <a:xfrm>
-            <a:off x="6010780" y="4772459"/>
-            <a:ext cx="1786597" cy="970671"/>
-          </a:xfrm>
-          <a:prstGeom prst="rect">
-            <a:avLst/>
-          </a:prstGeom>
-          <a:noFill/>
-          <a:ln>
-            <a:noFill/>
-          </a:ln>
-        </p:spPr>
-        <p:style>
-          <a:lnRef idx="2">
-            <a:schemeClr val="accent1">
-              <a:shade val="50000"/>
-            </a:schemeClr>
-          </a:lnRef>
-          <a:fillRef idx="1">
-            <a:schemeClr val="accent1"/>
-          </a:fillRef>
-          <a:effectRef idx="0">
-            <a:schemeClr val="accent1"/>
-          </a:effectRef>
-          <a:fontRef idx="minor">
-            <a:schemeClr val="lt1"/>
-          </a:fontRef>
-        </p:style>
-        <p:txBody>
-          <a:bodyPr rtlCol="0" anchor="ctr"/>
-          <a:lstStyle>
-            <a:defPPr>
-              <a:defRPr lang="en-US"/>
-            </a:defPPr>
-            <a:lvl1pPr marL="0" algn="l" defTabSz="914400" rtl="0" eaLnBrk="1" latinLnBrk="0" hangingPunct="1">
-              <a:defRPr sz="1800" kern="1200">
-                <a:solidFill>
-                  <a:schemeClr val="lt1"/>
-                </a:solidFill>
-                <a:latin typeface="+mn-lt"/>
-                <a:ea typeface="+mn-ea"/>
-                <a:cs typeface="+mn-cs"/>
-              </a:defRPr>
-            </a:lvl1pPr>
-            <a:lvl2pPr marL="457200" algn="l" defTabSz="914400" rtl="0" eaLnBrk="1" latinLnBrk="0" hangingPunct="1">
-              <a:defRPr sz="1800" kern="1200">
-                <a:solidFill>
-                  <a:schemeClr val="lt1"/>
-                </a:solidFill>
-                <a:latin typeface="+mn-lt"/>
-                <a:ea typeface="+mn-ea"/>
-                <a:cs typeface="+mn-cs"/>
-              </a:defRPr>
-            </a:lvl2pPr>
-            <a:lvl3pPr marL="914400" algn="l" defTabSz="914400" rtl="0" eaLnBrk="1" latinLnBrk="0" hangingPunct="1">
-              <a:defRPr sz="1800" kern="1200">
-                <a:solidFill>
-                  <a:schemeClr val="lt1"/>
-                </a:solidFill>
-                <a:latin typeface="+mn-lt"/>
-                <a:ea typeface="+mn-ea"/>
-                <a:cs typeface="+mn-cs"/>
-              </a:defRPr>
-            </a:lvl3pPr>
-            <a:lvl4pPr marL="1371600" algn="l" defTabSz="914400" rtl="0" eaLnBrk="1" latinLnBrk="0" hangingPunct="1">
-              <a:defRPr sz="1800" kern="1200">
-                <a:solidFill>
-                  <a:schemeClr val="lt1"/>
-                </a:solidFill>
-                <a:latin typeface="+mn-lt"/>
-                <a:ea typeface="+mn-ea"/>
-                <a:cs typeface="+mn-cs"/>
-              </a:defRPr>
-            </a:lvl4pPr>
-            <a:lvl5pPr marL="1828800" algn="l" defTabSz="914400" rtl="0" eaLnBrk="1" latinLnBrk="0" hangingPunct="1">
-              <a:defRPr sz="1800" kern="1200">
-                <a:solidFill>
-                  <a:schemeClr val="lt1"/>
-                </a:solidFill>
-                <a:latin typeface="+mn-lt"/>
-                <a:ea typeface="+mn-ea"/>
-                <a:cs typeface="+mn-cs"/>
-              </a:defRPr>
-            </a:lvl5pPr>
-            <a:lvl6pPr marL="2286000" algn="l" defTabSz="914400" rtl="0" eaLnBrk="1" latinLnBrk="0" hangingPunct="1">
-              <a:defRPr sz="1800" kern="1200">
-                <a:solidFill>
-                  <a:schemeClr val="lt1"/>
-                </a:solidFill>
-                <a:latin typeface="+mn-lt"/>
-                <a:ea typeface="+mn-ea"/>
-                <a:cs typeface="+mn-cs"/>
-              </a:defRPr>
-            </a:lvl6pPr>
-            <a:lvl7pPr marL="2743200" algn="l" defTabSz="914400" rtl="0" eaLnBrk="1" latinLnBrk="0" hangingPunct="1">
-              <a:defRPr sz="1800" kern="1200">
-                <a:solidFill>
-                  <a:schemeClr val="lt1"/>
-                </a:solidFill>
-                <a:latin typeface="+mn-lt"/>
-                <a:ea typeface="+mn-ea"/>
-                <a:cs typeface="+mn-cs"/>
-              </a:defRPr>
-            </a:lvl7pPr>
-            <a:lvl8pPr marL="3200400" algn="l" defTabSz="914400" rtl="0" eaLnBrk="1" latinLnBrk="0" hangingPunct="1">
-              <a:defRPr sz="1800" kern="1200">
-                <a:solidFill>
-                  <a:schemeClr val="lt1"/>
-                </a:solidFill>
-                <a:latin typeface="+mn-lt"/>
-                <a:ea typeface="+mn-ea"/>
-                <a:cs typeface="+mn-cs"/>
-              </a:defRPr>
-            </a:lvl8pPr>
-            <a:lvl9pPr marL="3657600" algn="l" defTabSz="914400" rtl="0" eaLnBrk="1" latinLnBrk="0" hangingPunct="1">
-              <a:defRPr sz="1800" kern="1200">
-                <a:solidFill>
-                  <a:schemeClr val="lt1"/>
-                </a:solidFill>
-                <a:latin typeface="+mn-lt"/>
-                <a:ea typeface="+mn-ea"/>
-                <a:cs typeface="+mn-cs"/>
-              </a:defRPr>
-            </a:lvl9pPr>
-          </a:lstStyle>
-          <a:p>
-            <a:pPr algn="ctr"/>
-            <a:r>
-              <a:rPr lang="en-US" sz="5400" dirty="0">
-                <a:solidFill>
-                  <a:schemeClr val="accent4"/>
-                </a:solidFill>
-              </a:rPr>
-              <a:t>G</a:t>
-            </a:r>
-            <a:endParaRPr lang="en-PH" sz="5400" dirty="0">
-              <a:solidFill>
-                <a:schemeClr val="accent4"/>
-              </a:solidFill>
-            </a:endParaRPr>
+              <a:rPr lang="sv-SE" sz="11000" dirty="0">
+                <a:latin typeface="Times New Roman" panose="02020603050405020304" pitchFamily="18" charset="0"/>
+                <a:cs typeface="Times New Roman" panose="02020603050405020304" pitchFamily="18" charset="0"/>
+              </a:rPr>
+              <a:t>Subay Sa Imong Paagi</a:t>
+            </a:r>
           </a:p>
         </p:txBody>
       </p:sp>
     </p:spTree>
     <p:extLst>
       <p:ext uri="{BB962C8B-B14F-4D97-AF65-F5344CB8AC3E}">
-        <p14:creationId xmlns:p14="http://schemas.microsoft.com/office/powerpoint/2010/main" val="1892770379"/>
-      </p:ext>
-    </p:extLst>
-  </p:cSld>
-  <p:clrMapOvr>
-    <a:masterClrMapping/>
-  </p:clrMapOvr>
-</p:sld>
-</file>
-
-<file path=ppt/slides/slide4.xml><?xml version="1.0" encoding="utf-8"?>
-<p:sld xmlns:a="http://schemas.openxmlformats.org/drawingml/2006/main" xmlns:r="http://schemas.openxmlformats.org/officeDocument/2006/relationships" xmlns:p="http://schemas.openxmlformats.org/presentationml/2006/main">
-  <p:cSld>
-    <p:spTree>
-      <p:nvGrpSpPr>
-        <p:cNvPr id="1" name=""/>
-        <p:cNvGrpSpPr/>
-        <p:nvPr/>
-      </p:nvGrpSpPr>
-      <p:grpSpPr>
-        <a:xfrm>
-          <a:off x="0" y="0"/>
-          <a:ext cx="0" cy="0"/>
-          <a:chOff x="0" y="0"/>
-          <a:chExt cx="0" cy="0"/>
-        </a:xfrm>
-      </p:grpSpPr>
-      <p:sp>
-        <p:nvSpPr>
-          <p:cNvPr id="8" name="Rectangle 7">
-            <a:extLst>
-              <a:ext uri="{FF2B5EF4-FFF2-40B4-BE49-F238E27FC236}">
-                <a16:creationId xmlns:a16="http://schemas.microsoft.com/office/drawing/2014/main" id="{F2D4EDD6-DCB2-420C-ACFA-D33CC2ACEAE1}"/>
-              </a:ext>
-            </a:extLst>
-          </p:cNvPr>
-          <p:cNvSpPr/>
-          <p:nvPr/>
-        </p:nvSpPr>
-        <p:spPr>
-          <a:xfrm>
-            <a:off x="0" y="20320"/>
-            <a:ext cx="12192000" cy="6858000"/>
-          </a:xfrm>
-          <a:prstGeom prst="rect">
-            <a:avLst/>
-          </a:prstGeom>
-          <a:solidFill>
-            <a:schemeClr val="tx1">
-              <a:alpha val="38000"/>
-            </a:schemeClr>
-          </a:solidFill>
-          <a:ln>
-            <a:noFill/>
-          </a:ln>
-        </p:spPr>
-        <p:style>
-          <a:lnRef idx="2">
-            <a:schemeClr val="accent1">
-              <a:shade val="50000"/>
-            </a:schemeClr>
-          </a:lnRef>
-          <a:fillRef idx="1">
-            <a:schemeClr val="accent1"/>
-          </a:fillRef>
-          <a:effectRef idx="0">
-            <a:schemeClr val="accent1"/>
-          </a:effectRef>
-          <a:fontRef idx="minor">
-            <a:schemeClr val="lt1"/>
-          </a:fontRef>
-        </p:style>
-        <p:txBody>
-          <a:bodyPr rtlCol="0" anchor="ctr"/>
-          <a:lstStyle/>
-          <a:p>
-            <a:pPr algn="ctr"/>
-            <a:r>
-              <a:rPr lang="en-ID" sz="10000" dirty="0" err="1">
-                <a:latin typeface="Times New Roman" panose="02020603050405020304" pitchFamily="18" charset="0"/>
-                <a:cs typeface="Times New Roman" panose="02020603050405020304" pitchFamily="18" charset="0"/>
-              </a:rPr>
-              <a:t>Ug</a:t>
-            </a:r>
-            <a:r>
-              <a:rPr lang="en-ID" sz="10000" dirty="0">
-                <a:latin typeface="Times New Roman" panose="02020603050405020304" pitchFamily="18" charset="0"/>
-                <a:cs typeface="Times New Roman" panose="02020603050405020304" pitchFamily="18" charset="0"/>
-              </a:rPr>
-              <a:t> </a:t>
-            </a:r>
-            <a:r>
-              <a:rPr lang="en-ID" sz="10000" dirty="0" err="1">
-                <a:latin typeface="Times New Roman" panose="02020603050405020304" pitchFamily="18" charset="0"/>
-                <a:cs typeface="Times New Roman" panose="02020603050405020304" pitchFamily="18" charset="0"/>
-              </a:rPr>
-              <a:t>Bulahan</a:t>
-            </a:r>
-            <a:r>
-              <a:rPr lang="en-ID" sz="10000" dirty="0">
-                <a:latin typeface="Times New Roman" panose="02020603050405020304" pitchFamily="18" charset="0"/>
-                <a:cs typeface="Times New Roman" panose="02020603050405020304" pitchFamily="18" charset="0"/>
-              </a:rPr>
-              <a:t> </a:t>
-            </a:r>
-            <a:r>
-              <a:rPr lang="en-ID" sz="10000" dirty="0" err="1">
-                <a:latin typeface="Times New Roman" panose="02020603050405020304" pitchFamily="18" charset="0"/>
-                <a:cs typeface="Times New Roman" panose="02020603050405020304" pitchFamily="18" charset="0"/>
-              </a:rPr>
-              <a:t>Ang</a:t>
-            </a:r>
-            <a:r>
-              <a:rPr lang="en-ID" sz="10000" dirty="0">
-                <a:latin typeface="Times New Roman" panose="02020603050405020304" pitchFamily="18" charset="0"/>
-                <a:cs typeface="Times New Roman" panose="02020603050405020304" pitchFamily="18" charset="0"/>
-              </a:rPr>
-              <a:t> </a:t>
-            </a:r>
-            <a:r>
-              <a:rPr lang="en-ID" sz="10000" dirty="0" err="1">
-                <a:latin typeface="Times New Roman" panose="02020603050405020304" pitchFamily="18" charset="0"/>
-                <a:cs typeface="Times New Roman" panose="02020603050405020304" pitchFamily="18" charset="0"/>
-              </a:rPr>
-              <a:t>Makasunod</a:t>
-            </a:r>
-            <a:endParaRPr lang="en-ID" sz="10000" dirty="0">
-              <a:latin typeface="Times New Roman" panose="02020603050405020304" pitchFamily="18" charset="0"/>
-              <a:cs typeface="Times New Roman" panose="02020603050405020304" pitchFamily="18" charset="0"/>
-            </a:endParaRPr>
-          </a:p>
-          <a:p>
-            <a:pPr algn="ctr"/>
-            <a:r>
-              <a:rPr lang="en-ID" sz="10000" dirty="0" err="1">
-                <a:latin typeface="Times New Roman" panose="02020603050405020304" pitchFamily="18" charset="0"/>
-                <a:cs typeface="Times New Roman" panose="02020603050405020304" pitchFamily="18" charset="0"/>
-              </a:rPr>
-              <a:t>Niining</a:t>
-            </a:r>
-            <a:r>
-              <a:rPr lang="en-ID" sz="10000" dirty="0">
-                <a:latin typeface="Times New Roman" panose="02020603050405020304" pitchFamily="18" charset="0"/>
-                <a:cs typeface="Times New Roman" panose="02020603050405020304" pitchFamily="18" charset="0"/>
-              </a:rPr>
-              <a:t> </a:t>
-            </a:r>
-            <a:r>
-              <a:rPr lang="en-ID" sz="10000" dirty="0" err="1">
-                <a:latin typeface="Times New Roman" panose="02020603050405020304" pitchFamily="18" charset="0"/>
-                <a:cs typeface="Times New Roman" panose="02020603050405020304" pitchFamily="18" charset="0"/>
-              </a:rPr>
-              <a:t>Hiyas</a:t>
-            </a:r>
-            <a:r>
-              <a:rPr lang="en-ID" sz="10000" dirty="0">
-                <a:latin typeface="Times New Roman" panose="02020603050405020304" pitchFamily="18" charset="0"/>
-                <a:cs typeface="Times New Roman" panose="02020603050405020304" pitchFamily="18" charset="0"/>
-              </a:rPr>
-              <a:t> Sa </a:t>
-            </a:r>
-            <a:r>
-              <a:rPr lang="en-ID" sz="10000" dirty="0" err="1">
-                <a:latin typeface="Times New Roman" panose="02020603050405020304" pitchFamily="18" charset="0"/>
-                <a:cs typeface="Times New Roman" panose="02020603050405020304" pitchFamily="18" charset="0"/>
-              </a:rPr>
-              <a:t>Kasingkasing</a:t>
-            </a:r>
-            <a:r>
-              <a:rPr lang="en-ID" sz="10000" dirty="0">
-                <a:latin typeface="Times New Roman" panose="02020603050405020304" pitchFamily="18" charset="0"/>
-                <a:cs typeface="Times New Roman" panose="02020603050405020304" pitchFamily="18" charset="0"/>
-              </a:rPr>
-              <a:t> Mo</a:t>
-            </a:r>
-          </a:p>
-        </p:txBody>
-      </p:sp>
-      <p:sp>
-        <p:nvSpPr>
-          <p:cNvPr id="3" name="Rectangle 2">
-            <a:extLst>
-              <a:ext uri="{FF2B5EF4-FFF2-40B4-BE49-F238E27FC236}">
-                <a16:creationId xmlns:a16="http://schemas.microsoft.com/office/drawing/2014/main" id="{96447FF9-75FB-4243-B82D-92D8DEE49B6B}"/>
-              </a:ext>
-            </a:extLst>
-          </p:cNvPr>
-          <p:cNvSpPr/>
-          <p:nvPr/>
-        </p:nvSpPr>
-        <p:spPr>
-          <a:xfrm>
-            <a:off x="3161256" y="0"/>
-            <a:ext cx="1786597" cy="970671"/>
-          </a:xfrm>
-          <a:prstGeom prst="rect">
-            <a:avLst/>
-          </a:prstGeom>
-          <a:noFill/>
-          <a:ln>
-            <a:noFill/>
-          </a:ln>
-        </p:spPr>
-        <p:style>
-          <a:lnRef idx="2">
-            <a:schemeClr val="accent1">
-              <a:shade val="50000"/>
-            </a:schemeClr>
-          </a:lnRef>
-          <a:fillRef idx="1">
-            <a:schemeClr val="accent1"/>
-          </a:fillRef>
-          <a:effectRef idx="0">
-            <a:schemeClr val="accent1"/>
-          </a:effectRef>
-          <a:fontRef idx="minor">
-            <a:schemeClr val="lt1"/>
-          </a:fontRef>
-        </p:style>
-        <p:txBody>
-          <a:bodyPr rtlCol="0" anchor="ctr"/>
-          <a:lstStyle>
-            <a:defPPr>
-              <a:defRPr lang="en-US"/>
-            </a:defPPr>
-            <a:lvl1pPr marL="0" algn="l" defTabSz="914400" rtl="0" eaLnBrk="1" latinLnBrk="0" hangingPunct="1">
-              <a:defRPr sz="1800" kern="1200">
-                <a:solidFill>
-                  <a:schemeClr val="lt1"/>
-                </a:solidFill>
-                <a:latin typeface="+mn-lt"/>
-                <a:ea typeface="+mn-ea"/>
-                <a:cs typeface="+mn-cs"/>
-              </a:defRPr>
-            </a:lvl1pPr>
-            <a:lvl2pPr marL="457200" algn="l" defTabSz="914400" rtl="0" eaLnBrk="1" latinLnBrk="0" hangingPunct="1">
-              <a:defRPr sz="1800" kern="1200">
-                <a:solidFill>
-                  <a:schemeClr val="lt1"/>
-                </a:solidFill>
-                <a:latin typeface="+mn-lt"/>
-                <a:ea typeface="+mn-ea"/>
-                <a:cs typeface="+mn-cs"/>
-              </a:defRPr>
-            </a:lvl2pPr>
-            <a:lvl3pPr marL="914400" algn="l" defTabSz="914400" rtl="0" eaLnBrk="1" latinLnBrk="0" hangingPunct="1">
-              <a:defRPr sz="1800" kern="1200">
-                <a:solidFill>
-                  <a:schemeClr val="lt1"/>
-                </a:solidFill>
-                <a:latin typeface="+mn-lt"/>
-                <a:ea typeface="+mn-ea"/>
-                <a:cs typeface="+mn-cs"/>
-              </a:defRPr>
-            </a:lvl3pPr>
-            <a:lvl4pPr marL="1371600" algn="l" defTabSz="914400" rtl="0" eaLnBrk="1" latinLnBrk="0" hangingPunct="1">
-              <a:defRPr sz="1800" kern="1200">
-                <a:solidFill>
-                  <a:schemeClr val="lt1"/>
-                </a:solidFill>
-                <a:latin typeface="+mn-lt"/>
-                <a:ea typeface="+mn-ea"/>
-                <a:cs typeface="+mn-cs"/>
-              </a:defRPr>
-            </a:lvl4pPr>
-            <a:lvl5pPr marL="1828800" algn="l" defTabSz="914400" rtl="0" eaLnBrk="1" latinLnBrk="0" hangingPunct="1">
-              <a:defRPr sz="1800" kern="1200">
-                <a:solidFill>
-                  <a:schemeClr val="lt1"/>
-                </a:solidFill>
-                <a:latin typeface="+mn-lt"/>
-                <a:ea typeface="+mn-ea"/>
-                <a:cs typeface="+mn-cs"/>
-              </a:defRPr>
-            </a:lvl5pPr>
-            <a:lvl6pPr marL="2286000" algn="l" defTabSz="914400" rtl="0" eaLnBrk="1" latinLnBrk="0" hangingPunct="1">
-              <a:defRPr sz="1800" kern="1200">
-                <a:solidFill>
-                  <a:schemeClr val="lt1"/>
-                </a:solidFill>
-                <a:latin typeface="+mn-lt"/>
-                <a:ea typeface="+mn-ea"/>
-                <a:cs typeface="+mn-cs"/>
-              </a:defRPr>
-            </a:lvl6pPr>
-            <a:lvl7pPr marL="2743200" algn="l" defTabSz="914400" rtl="0" eaLnBrk="1" latinLnBrk="0" hangingPunct="1">
-              <a:defRPr sz="1800" kern="1200">
-                <a:solidFill>
-                  <a:schemeClr val="lt1"/>
-                </a:solidFill>
-                <a:latin typeface="+mn-lt"/>
-                <a:ea typeface="+mn-ea"/>
-                <a:cs typeface="+mn-cs"/>
-              </a:defRPr>
-            </a:lvl7pPr>
-            <a:lvl8pPr marL="3200400" algn="l" defTabSz="914400" rtl="0" eaLnBrk="1" latinLnBrk="0" hangingPunct="1">
-              <a:defRPr sz="1800" kern="1200">
-                <a:solidFill>
-                  <a:schemeClr val="lt1"/>
-                </a:solidFill>
-                <a:latin typeface="+mn-lt"/>
-                <a:ea typeface="+mn-ea"/>
-                <a:cs typeface="+mn-cs"/>
-              </a:defRPr>
-            </a:lvl8pPr>
-            <a:lvl9pPr marL="3657600" algn="l" defTabSz="914400" rtl="0" eaLnBrk="1" latinLnBrk="0" hangingPunct="1">
-              <a:defRPr sz="1800" kern="1200">
-                <a:solidFill>
-                  <a:schemeClr val="lt1"/>
-                </a:solidFill>
-                <a:latin typeface="+mn-lt"/>
-                <a:ea typeface="+mn-ea"/>
-                <a:cs typeface="+mn-cs"/>
-              </a:defRPr>
-            </a:lvl9pPr>
-          </a:lstStyle>
-          <a:p>
-            <a:pPr algn="ctr"/>
-            <a:r>
-              <a:rPr lang="en-US" sz="5400" dirty="0">
-                <a:solidFill>
-                  <a:schemeClr val="accent4"/>
-                </a:solidFill>
-              </a:rPr>
-              <a:t>G</a:t>
-            </a:r>
-            <a:endParaRPr lang="en-PH" sz="5400" dirty="0">
-              <a:solidFill>
-                <a:schemeClr val="accent4"/>
-              </a:solidFill>
-            </a:endParaRPr>
-          </a:p>
-        </p:txBody>
-      </p:sp>
-      <p:sp>
-        <p:nvSpPr>
-          <p:cNvPr id="4" name="Rectangle 3">
-            <a:extLst>
-              <a:ext uri="{FF2B5EF4-FFF2-40B4-BE49-F238E27FC236}">
-                <a16:creationId xmlns:a16="http://schemas.microsoft.com/office/drawing/2014/main" id="{8543A6DC-254B-4EAB-80EE-7EB4CE17A943}"/>
-              </a:ext>
-            </a:extLst>
-          </p:cNvPr>
-          <p:cNvSpPr/>
-          <p:nvPr/>
-        </p:nvSpPr>
-        <p:spPr>
-          <a:xfrm>
-            <a:off x="7605822" y="1497637"/>
-            <a:ext cx="1786597" cy="970671"/>
-          </a:xfrm>
-          <a:prstGeom prst="rect">
-            <a:avLst/>
-          </a:prstGeom>
-          <a:noFill/>
-          <a:ln>
-            <a:noFill/>
-          </a:ln>
-        </p:spPr>
-        <p:style>
-          <a:lnRef idx="2">
-            <a:schemeClr val="accent1">
-              <a:shade val="50000"/>
-            </a:schemeClr>
-          </a:lnRef>
-          <a:fillRef idx="1">
-            <a:schemeClr val="accent1"/>
-          </a:fillRef>
-          <a:effectRef idx="0">
-            <a:schemeClr val="accent1"/>
-          </a:effectRef>
-          <a:fontRef idx="minor">
-            <a:schemeClr val="lt1"/>
-          </a:fontRef>
-        </p:style>
-        <p:txBody>
-          <a:bodyPr rtlCol="0" anchor="ctr"/>
-          <a:lstStyle>
-            <a:defPPr>
-              <a:defRPr lang="en-US"/>
-            </a:defPPr>
-            <a:lvl1pPr marL="0" algn="l" defTabSz="914400" rtl="0" eaLnBrk="1" latinLnBrk="0" hangingPunct="1">
-              <a:defRPr sz="1800" kern="1200">
-                <a:solidFill>
-                  <a:schemeClr val="lt1"/>
-                </a:solidFill>
-                <a:latin typeface="+mn-lt"/>
-                <a:ea typeface="+mn-ea"/>
-                <a:cs typeface="+mn-cs"/>
-              </a:defRPr>
-            </a:lvl1pPr>
-            <a:lvl2pPr marL="457200" algn="l" defTabSz="914400" rtl="0" eaLnBrk="1" latinLnBrk="0" hangingPunct="1">
-              <a:defRPr sz="1800" kern="1200">
-                <a:solidFill>
-                  <a:schemeClr val="lt1"/>
-                </a:solidFill>
-                <a:latin typeface="+mn-lt"/>
-                <a:ea typeface="+mn-ea"/>
-                <a:cs typeface="+mn-cs"/>
-              </a:defRPr>
-            </a:lvl2pPr>
-            <a:lvl3pPr marL="914400" algn="l" defTabSz="914400" rtl="0" eaLnBrk="1" latinLnBrk="0" hangingPunct="1">
-              <a:defRPr sz="1800" kern="1200">
-                <a:solidFill>
-                  <a:schemeClr val="lt1"/>
-                </a:solidFill>
-                <a:latin typeface="+mn-lt"/>
-                <a:ea typeface="+mn-ea"/>
-                <a:cs typeface="+mn-cs"/>
-              </a:defRPr>
-            </a:lvl3pPr>
-            <a:lvl4pPr marL="1371600" algn="l" defTabSz="914400" rtl="0" eaLnBrk="1" latinLnBrk="0" hangingPunct="1">
-              <a:defRPr sz="1800" kern="1200">
-                <a:solidFill>
-                  <a:schemeClr val="lt1"/>
-                </a:solidFill>
-                <a:latin typeface="+mn-lt"/>
-                <a:ea typeface="+mn-ea"/>
-                <a:cs typeface="+mn-cs"/>
-              </a:defRPr>
-            </a:lvl4pPr>
-            <a:lvl5pPr marL="1828800" algn="l" defTabSz="914400" rtl="0" eaLnBrk="1" latinLnBrk="0" hangingPunct="1">
-              <a:defRPr sz="1800" kern="1200">
-                <a:solidFill>
-                  <a:schemeClr val="lt1"/>
-                </a:solidFill>
-                <a:latin typeface="+mn-lt"/>
-                <a:ea typeface="+mn-ea"/>
-                <a:cs typeface="+mn-cs"/>
-              </a:defRPr>
-            </a:lvl5pPr>
-            <a:lvl6pPr marL="2286000" algn="l" defTabSz="914400" rtl="0" eaLnBrk="1" latinLnBrk="0" hangingPunct="1">
-              <a:defRPr sz="1800" kern="1200">
-                <a:solidFill>
-                  <a:schemeClr val="lt1"/>
-                </a:solidFill>
-                <a:latin typeface="+mn-lt"/>
-                <a:ea typeface="+mn-ea"/>
-                <a:cs typeface="+mn-cs"/>
-              </a:defRPr>
-            </a:lvl6pPr>
-            <a:lvl7pPr marL="2743200" algn="l" defTabSz="914400" rtl="0" eaLnBrk="1" latinLnBrk="0" hangingPunct="1">
-              <a:defRPr sz="1800" kern="1200">
-                <a:solidFill>
-                  <a:schemeClr val="lt1"/>
-                </a:solidFill>
-                <a:latin typeface="+mn-lt"/>
-                <a:ea typeface="+mn-ea"/>
-                <a:cs typeface="+mn-cs"/>
-              </a:defRPr>
-            </a:lvl7pPr>
-            <a:lvl8pPr marL="3200400" algn="l" defTabSz="914400" rtl="0" eaLnBrk="1" latinLnBrk="0" hangingPunct="1">
-              <a:defRPr sz="1800" kern="1200">
-                <a:solidFill>
-                  <a:schemeClr val="lt1"/>
-                </a:solidFill>
-                <a:latin typeface="+mn-lt"/>
-                <a:ea typeface="+mn-ea"/>
-                <a:cs typeface="+mn-cs"/>
-              </a:defRPr>
-            </a:lvl8pPr>
-            <a:lvl9pPr marL="3657600" algn="l" defTabSz="914400" rtl="0" eaLnBrk="1" latinLnBrk="0" hangingPunct="1">
-              <a:defRPr sz="1800" kern="1200">
-                <a:solidFill>
-                  <a:schemeClr val="lt1"/>
-                </a:solidFill>
-                <a:latin typeface="+mn-lt"/>
-                <a:ea typeface="+mn-ea"/>
-                <a:cs typeface="+mn-cs"/>
-              </a:defRPr>
-            </a:lvl9pPr>
-          </a:lstStyle>
-          <a:p>
-            <a:pPr algn="ctr"/>
-            <a:r>
-              <a:rPr lang="en-US" sz="5400" dirty="0">
-                <a:solidFill>
-                  <a:schemeClr val="accent4"/>
-                </a:solidFill>
-              </a:rPr>
-              <a:t>Am</a:t>
-            </a:r>
-            <a:endParaRPr lang="en-PH" sz="5400" dirty="0">
-              <a:solidFill>
-                <a:schemeClr val="accent4"/>
-              </a:solidFill>
-            </a:endParaRPr>
-          </a:p>
-        </p:txBody>
-      </p:sp>
-      <p:sp>
-        <p:nvSpPr>
-          <p:cNvPr id="5" name="Rectangle 4">
-            <a:extLst>
-              <a:ext uri="{FF2B5EF4-FFF2-40B4-BE49-F238E27FC236}">
-                <a16:creationId xmlns:a16="http://schemas.microsoft.com/office/drawing/2014/main" id="{92DCD3C3-B063-46E5-895D-C13743B0B02A}"/>
-              </a:ext>
-            </a:extLst>
-          </p:cNvPr>
-          <p:cNvSpPr/>
-          <p:nvPr/>
-        </p:nvSpPr>
-        <p:spPr>
-          <a:xfrm>
-            <a:off x="5202701" y="3027779"/>
-            <a:ext cx="1786597" cy="970671"/>
-          </a:xfrm>
-          <a:prstGeom prst="rect">
-            <a:avLst/>
-          </a:prstGeom>
-          <a:noFill/>
-          <a:ln>
-            <a:noFill/>
-          </a:ln>
-        </p:spPr>
-        <p:style>
-          <a:lnRef idx="2">
-            <a:schemeClr val="accent1">
-              <a:shade val="50000"/>
-            </a:schemeClr>
-          </a:lnRef>
-          <a:fillRef idx="1">
-            <a:schemeClr val="accent1"/>
-          </a:fillRef>
-          <a:effectRef idx="0">
-            <a:schemeClr val="accent1"/>
-          </a:effectRef>
-          <a:fontRef idx="minor">
-            <a:schemeClr val="lt1"/>
-          </a:fontRef>
-        </p:style>
-        <p:txBody>
-          <a:bodyPr rtlCol="0" anchor="ctr"/>
-          <a:lstStyle>
-            <a:defPPr>
-              <a:defRPr lang="en-US"/>
-            </a:defPPr>
-            <a:lvl1pPr marL="0" algn="l" defTabSz="914400" rtl="0" eaLnBrk="1" latinLnBrk="0" hangingPunct="1">
-              <a:defRPr sz="1800" kern="1200">
-                <a:solidFill>
-                  <a:schemeClr val="lt1"/>
-                </a:solidFill>
-                <a:latin typeface="+mn-lt"/>
-                <a:ea typeface="+mn-ea"/>
-                <a:cs typeface="+mn-cs"/>
-              </a:defRPr>
-            </a:lvl1pPr>
-            <a:lvl2pPr marL="457200" algn="l" defTabSz="914400" rtl="0" eaLnBrk="1" latinLnBrk="0" hangingPunct="1">
-              <a:defRPr sz="1800" kern="1200">
-                <a:solidFill>
-                  <a:schemeClr val="lt1"/>
-                </a:solidFill>
-                <a:latin typeface="+mn-lt"/>
-                <a:ea typeface="+mn-ea"/>
-                <a:cs typeface="+mn-cs"/>
-              </a:defRPr>
-            </a:lvl2pPr>
-            <a:lvl3pPr marL="914400" algn="l" defTabSz="914400" rtl="0" eaLnBrk="1" latinLnBrk="0" hangingPunct="1">
-              <a:defRPr sz="1800" kern="1200">
-                <a:solidFill>
-                  <a:schemeClr val="lt1"/>
-                </a:solidFill>
-                <a:latin typeface="+mn-lt"/>
-                <a:ea typeface="+mn-ea"/>
-                <a:cs typeface="+mn-cs"/>
-              </a:defRPr>
-            </a:lvl3pPr>
-            <a:lvl4pPr marL="1371600" algn="l" defTabSz="914400" rtl="0" eaLnBrk="1" latinLnBrk="0" hangingPunct="1">
-              <a:defRPr sz="1800" kern="1200">
-                <a:solidFill>
-                  <a:schemeClr val="lt1"/>
-                </a:solidFill>
-                <a:latin typeface="+mn-lt"/>
-                <a:ea typeface="+mn-ea"/>
-                <a:cs typeface="+mn-cs"/>
-              </a:defRPr>
-            </a:lvl4pPr>
-            <a:lvl5pPr marL="1828800" algn="l" defTabSz="914400" rtl="0" eaLnBrk="1" latinLnBrk="0" hangingPunct="1">
-              <a:defRPr sz="1800" kern="1200">
-                <a:solidFill>
-                  <a:schemeClr val="lt1"/>
-                </a:solidFill>
-                <a:latin typeface="+mn-lt"/>
-                <a:ea typeface="+mn-ea"/>
-                <a:cs typeface="+mn-cs"/>
-              </a:defRPr>
-            </a:lvl5pPr>
-            <a:lvl6pPr marL="2286000" algn="l" defTabSz="914400" rtl="0" eaLnBrk="1" latinLnBrk="0" hangingPunct="1">
-              <a:defRPr sz="1800" kern="1200">
-                <a:solidFill>
-                  <a:schemeClr val="lt1"/>
-                </a:solidFill>
-                <a:latin typeface="+mn-lt"/>
-                <a:ea typeface="+mn-ea"/>
-                <a:cs typeface="+mn-cs"/>
-              </a:defRPr>
-            </a:lvl6pPr>
-            <a:lvl7pPr marL="2743200" algn="l" defTabSz="914400" rtl="0" eaLnBrk="1" latinLnBrk="0" hangingPunct="1">
-              <a:defRPr sz="1800" kern="1200">
-                <a:solidFill>
-                  <a:schemeClr val="lt1"/>
-                </a:solidFill>
-                <a:latin typeface="+mn-lt"/>
-                <a:ea typeface="+mn-ea"/>
-                <a:cs typeface="+mn-cs"/>
-              </a:defRPr>
-            </a:lvl7pPr>
-            <a:lvl8pPr marL="3200400" algn="l" defTabSz="914400" rtl="0" eaLnBrk="1" latinLnBrk="0" hangingPunct="1">
-              <a:defRPr sz="1800" kern="1200">
-                <a:solidFill>
-                  <a:schemeClr val="lt1"/>
-                </a:solidFill>
-                <a:latin typeface="+mn-lt"/>
-                <a:ea typeface="+mn-ea"/>
-                <a:cs typeface="+mn-cs"/>
-              </a:defRPr>
-            </a:lvl8pPr>
-            <a:lvl9pPr marL="3657600" algn="l" defTabSz="914400" rtl="0" eaLnBrk="1" latinLnBrk="0" hangingPunct="1">
-              <a:defRPr sz="1800" kern="1200">
-                <a:solidFill>
-                  <a:schemeClr val="lt1"/>
-                </a:solidFill>
-                <a:latin typeface="+mn-lt"/>
-                <a:ea typeface="+mn-ea"/>
-                <a:cs typeface="+mn-cs"/>
-              </a:defRPr>
-            </a:lvl9pPr>
-          </a:lstStyle>
-          <a:p>
-            <a:pPr algn="ctr"/>
-            <a:r>
-              <a:rPr lang="en-US" sz="5400" dirty="0">
-                <a:solidFill>
-                  <a:schemeClr val="accent4"/>
-                </a:solidFill>
-              </a:rPr>
-              <a:t>D</a:t>
-            </a:r>
-            <a:endParaRPr lang="en-PH" sz="5400" dirty="0">
-              <a:solidFill>
-                <a:schemeClr val="accent4"/>
-              </a:solidFill>
-            </a:endParaRPr>
-          </a:p>
-        </p:txBody>
-      </p:sp>
-      <p:sp>
-        <p:nvSpPr>
-          <p:cNvPr id="6" name="Rectangle 5">
-            <a:extLst>
-              <a:ext uri="{FF2B5EF4-FFF2-40B4-BE49-F238E27FC236}">
-                <a16:creationId xmlns:a16="http://schemas.microsoft.com/office/drawing/2014/main" id="{1DBB84AE-D0BF-4BA8-AE3A-115D752FFEAE}"/>
-              </a:ext>
-            </a:extLst>
-          </p:cNvPr>
-          <p:cNvSpPr/>
-          <p:nvPr/>
-        </p:nvSpPr>
-        <p:spPr>
-          <a:xfrm>
-            <a:off x="8137293" y="4538548"/>
-            <a:ext cx="1786597" cy="970671"/>
-          </a:xfrm>
-          <a:prstGeom prst="rect">
-            <a:avLst/>
-          </a:prstGeom>
-          <a:noFill/>
-          <a:ln>
-            <a:noFill/>
-          </a:ln>
-        </p:spPr>
-        <p:style>
-          <a:lnRef idx="2">
-            <a:schemeClr val="accent1">
-              <a:shade val="50000"/>
-            </a:schemeClr>
-          </a:lnRef>
-          <a:fillRef idx="1">
-            <a:schemeClr val="accent1"/>
-          </a:fillRef>
-          <a:effectRef idx="0">
-            <a:schemeClr val="accent1"/>
-          </a:effectRef>
-          <a:fontRef idx="minor">
-            <a:schemeClr val="lt1"/>
-          </a:fontRef>
-        </p:style>
-        <p:txBody>
-          <a:bodyPr rtlCol="0" anchor="ctr"/>
-          <a:lstStyle>
-            <a:defPPr>
-              <a:defRPr lang="en-US"/>
-            </a:defPPr>
-            <a:lvl1pPr marL="0" algn="l" defTabSz="914400" rtl="0" eaLnBrk="1" latinLnBrk="0" hangingPunct="1">
-              <a:defRPr sz="1800" kern="1200">
-                <a:solidFill>
-                  <a:schemeClr val="lt1"/>
-                </a:solidFill>
-                <a:latin typeface="+mn-lt"/>
-                <a:ea typeface="+mn-ea"/>
-                <a:cs typeface="+mn-cs"/>
-              </a:defRPr>
-            </a:lvl1pPr>
-            <a:lvl2pPr marL="457200" algn="l" defTabSz="914400" rtl="0" eaLnBrk="1" latinLnBrk="0" hangingPunct="1">
-              <a:defRPr sz="1800" kern="1200">
-                <a:solidFill>
-                  <a:schemeClr val="lt1"/>
-                </a:solidFill>
-                <a:latin typeface="+mn-lt"/>
-                <a:ea typeface="+mn-ea"/>
-                <a:cs typeface="+mn-cs"/>
-              </a:defRPr>
-            </a:lvl2pPr>
-            <a:lvl3pPr marL="914400" algn="l" defTabSz="914400" rtl="0" eaLnBrk="1" latinLnBrk="0" hangingPunct="1">
-              <a:defRPr sz="1800" kern="1200">
-                <a:solidFill>
-                  <a:schemeClr val="lt1"/>
-                </a:solidFill>
-                <a:latin typeface="+mn-lt"/>
-                <a:ea typeface="+mn-ea"/>
-                <a:cs typeface="+mn-cs"/>
-              </a:defRPr>
-            </a:lvl3pPr>
-            <a:lvl4pPr marL="1371600" algn="l" defTabSz="914400" rtl="0" eaLnBrk="1" latinLnBrk="0" hangingPunct="1">
-              <a:defRPr sz="1800" kern="1200">
-                <a:solidFill>
-                  <a:schemeClr val="lt1"/>
-                </a:solidFill>
-                <a:latin typeface="+mn-lt"/>
-                <a:ea typeface="+mn-ea"/>
-                <a:cs typeface="+mn-cs"/>
-              </a:defRPr>
-            </a:lvl4pPr>
-            <a:lvl5pPr marL="1828800" algn="l" defTabSz="914400" rtl="0" eaLnBrk="1" latinLnBrk="0" hangingPunct="1">
-              <a:defRPr sz="1800" kern="1200">
-                <a:solidFill>
-                  <a:schemeClr val="lt1"/>
-                </a:solidFill>
-                <a:latin typeface="+mn-lt"/>
-                <a:ea typeface="+mn-ea"/>
-                <a:cs typeface="+mn-cs"/>
-              </a:defRPr>
-            </a:lvl5pPr>
-            <a:lvl6pPr marL="2286000" algn="l" defTabSz="914400" rtl="0" eaLnBrk="1" latinLnBrk="0" hangingPunct="1">
-              <a:defRPr sz="1800" kern="1200">
-                <a:solidFill>
-                  <a:schemeClr val="lt1"/>
-                </a:solidFill>
-                <a:latin typeface="+mn-lt"/>
-                <a:ea typeface="+mn-ea"/>
-                <a:cs typeface="+mn-cs"/>
-              </a:defRPr>
-            </a:lvl6pPr>
-            <a:lvl7pPr marL="2743200" algn="l" defTabSz="914400" rtl="0" eaLnBrk="1" latinLnBrk="0" hangingPunct="1">
-              <a:defRPr sz="1800" kern="1200">
-                <a:solidFill>
-                  <a:schemeClr val="lt1"/>
-                </a:solidFill>
-                <a:latin typeface="+mn-lt"/>
-                <a:ea typeface="+mn-ea"/>
-                <a:cs typeface="+mn-cs"/>
-              </a:defRPr>
-            </a:lvl7pPr>
-            <a:lvl8pPr marL="3200400" algn="l" defTabSz="914400" rtl="0" eaLnBrk="1" latinLnBrk="0" hangingPunct="1">
-              <a:defRPr sz="1800" kern="1200">
-                <a:solidFill>
-                  <a:schemeClr val="lt1"/>
-                </a:solidFill>
-                <a:latin typeface="+mn-lt"/>
-                <a:ea typeface="+mn-ea"/>
-                <a:cs typeface="+mn-cs"/>
-              </a:defRPr>
-            </a:lvl8pPr>
-            <a:lvl9pPr marL="3657600" algn="l" defTabSz="914400" rtl="0" eaLnBrk="1" latinLnBrk="0" hangingPunct="1">
-              <a:defRPr sz="1800" kern="1200">
-                <a:solidFill>
-                  <a:schemeClr val="lt1"/>
-                </a:solidFill>
-                <a:latin typeface="+mn-lt"/>
-                <a:ea typeface="+mn-ea"/>
-                <a:cs typeface="+mn-cs"/>
-              </a:defRPr>
-            </a:lvl9pPr>
-          </a:lstStyle>
-          <a:p>
-            <a:pPr algn="ctr"/>
-            <a:r>
-              <a:rPr lang="en-US" sz="5400" dirty="0">
-                <a:solidFill>
-                  <a:schemeClr val="accent4"/>
-                </a:solidFill>
-              </a:rPr>
-              <a:t>G</a:t>
-            </a:r>
-            <a:endParaRPr lang="en-PH" sz="5400" dirty="0">
-              <a:solidFill>
-                <a:schemeClr val="accent4"/>
-              </a:solidFill>
-            </a:endParaRPr>
-          </a:p>
-        </p:txBody>
-      </p:sp>
-    </p:spTree>
-    <p:extLst>
-      <p:ext uri="{BB962C8B-B14F-4D97-AF65-F5344CB8AC3E}">
-        <p14:creationId xmlns:p14="http://schemas.microsoft.com/office/powerpoint/2010/main" val="3032243814"/>
+        <p14:creationId xmlns:p14="http://schemas.microsoft.com/office/powerpoint/2010/main" val="3818282456"/>
       </p:ext>
     </p:extLst>
   </p:cSld>
@@ -5506,489 +4012,71 @@
           <a:p>
             <a:pPr algn="ctr"/>
             <a:r>
-              <a:rPr lang="sv-SE" sz="9500" dirty="0">
-                <a:latin typeface="Times New Roman" panose="02020603050405020304" pitchFamily="18" charset="0"/>
-                <a:cs typeface="Times New Roman" panose="02020603050405020304" pitchFamily="18" charset="0"/>
-              </a:rPr>
-              <a:t>Ug Busa Dad-on Mo Kami</a:t>
-            </a:r>
-          </a:p>
-          <a:p>
-            <a:pPr algn="ctr"/>
-            <a:r>
-              <a:rPr lang="sv-SE" sz="9500" dirty="0">
-                <a:latin typeface="Times New Roman" panose="02020603050405020304" pitchFamily="18" charset="0"/>
-                <a:cs typeface="Times New Roman" panose="02020603050405020304" pitchFamily="18" charset="0"/>
-              </a:rPr>
-              <a:t>Subay Sa Imong Paagi</a:t>
-            </a:r>
-          </a:p>
-        </p:txBody>
-      </p:sp>
-      <p:sp>
-        <p:nvSpPr>
-          <p:cNvPr id="3" name="Rectangle 2">
-            <a:extLst>
-              <a:ext uri="{FF2B5EF4-FFF2-40B4-BE49-F238E27FC236}">
-                <a16:creationId xmlns:a16="http://schemas.microsoft.com/office/drawing/2014/main" id="{B68FE920-EAD9-4C05-8FEB-9263CEE9C859}"/>
-              </a:ext>
-            </a:extLst>
-          </p:cNvPr>
-          <p:cNvSpPr/>
-          <p:nvPr/>
-        </p:nvSpPr>
-        <p:spPr>
-          <a:xfrm>
-            <a:off x="609443" y="710823"/>
-            <a:ext cx="1786597" cy="970671"/>
-          </a:xfrm>
-          <a:prstGeom prst="rect">
-            <a:avLst/>
-          </a:prstGeom>
-          <a:noFill/>
-          <a:ln>
-            <a:noFill/>
-          </a:ln>
-        </p:spPr>
-        <p:style>
-          <a:lnRef idx="2">
-            <a:schemeClr val="accent1">
-              <a:shade val="50000"/>
-            </a:schemeClr>
-          </a:lnRef>
-          <a:fillRef idx="1">
-            <a:schemeClr val="accent1"/>
-          </a:fillRef>
-          <a:effectRef idx="0">
-            <a:schemeClr val="accent1"/>
-          </a:effectRef>
-          <a:fontRef idx="minor">
-            <a:schemeClr val="lt1"/>
-          </a:fontRef>
-        </p:style>
-        <p:txBody>
-          <a:bodyPr rtlCol="0" anchor="ctr"/>
-          <a:lstStyle>
-            <a:defPPr>
-              <a:defRPr lang="en-US"/>
-            </a:defPPr>
-            <a:lvl1pPr marL="0" algn="l" defTabSz="914400" rtl="0" eaLnBrk="1" latinLnBrk="0" hangingPunct="1">
-              <a:defRPr sz="1800" kern="1200">
-                <a:solidFill>
-                  <a:schemeClr val="lt1"/>
-                </a:solidFill>
-                <a:latin typeface="+mn-lt"/>
-                <a:ea typeface="+mn-ea"/>
-                <a:cs typeface="+mn-cs"/>
-              </a:defRPr>
-            </a:lvl1pPr>
-            <a:lvl2pPr marL="457200" algn="l" defTabSz="914400" rtl="0" eaLnBrk="1" latinLnBrk="0" hangingPunct="1">
-              <a:defRPr sz="1800" kern="1200">
-                <a:solidFill>
-                  <a:schemeClr val="lt1"/>
-                </a:solidFill>
-                <a:latin typeface="+mn-lt"/>
-                <a:ea typeface="+mn-ea"/>
-                <a:cs typeface="+mn-cs"/>
-              </a:defRPr>
-            </a:lvl2pPr>
-            <a:lvl3pPr marL="914400" algn="l" defTabSz="914400" rtl="0" eaLnBrk="1" latinLnBrk="0" hangingPunct="1">
-              <a:defRPr sz="1800" kern="1200">
-                <a:solidFill>
-                  <a:schemeClr val="lt1"/>
-                </a:solidFill>
-                <a:latin typeface="+mn-lt"/>
-                <a:ea typeface="+mn-ea"/>
-                <a:cs typeface="+mn-cs"/>
-              </a:defRPr>
-            </a:lvl3pPr>
-            <a:lvl4pPr marL="1371600" algn="l" defTabSz="914400" rtl="0" eaLnBrk="1" latinLnBrk="0" hangingPunct="1">
-              <a:defRPr sz="1800" kern="1200">
-                <a:solidFill>
-                  <a:schemeClr val="lt1"/>
-                </a:solidFill>
-                <a:latin typeface="+mn-lt"/>
-                <a:ea typeface="+mn-ea"/>
-                <a:cs typeface="+mn-cs"/>
-              </a:defRPr>
-            </a:lvl4pPr>
-            <a:lvl5pPr marL="1828800" algn="l" defTabSz="914400" rtl="0" eaLnBrk="1" latinLnBrk="0" hangingPunct="1">
-              <a:defRPr sz="1800" kern="1200">
-                <a:solidFill>
-                  <a:schemeClr val="lt1"/>
-                </a:solidFill>
-                <a:latin typeface="+mn-lt"/>
-                <a:ea typeface="+mn-ea"/>
-                <a:cs typeface="+mn-cs"/>
-              </a:defRPr>
-            </a:lvl5pPr>
-            <a:lvl6pPr marL="2286000" algn="l" defTabSz="914400" rtl="0" eaLnBrk="1" latinLnBrk="0" hangingPunct="1">
-              <a:defRPr sz="1800" kern="1200">
-                <a:solidFill>
-                  <a:schemeClr val="lt1"/>
-                </a:solidFill>
-                <a:latin typeface="+mn-lt"/>
-                <a:ea typeface="+mn-ea"/>
-                <a:cs typeface="+mn-cs"/>
-              </a:defRPr>
-            </a:lvl6pPr>
-            <a:lvl7pPr marL="2743200" algn="l" defTabSz="914400" rtl="0" eaLnBrk="1" latinLnBrk="0" hangingPunct="1">
-              <a:defRPr sz="1800" kern="1200">
-                <a:solidFill>
-                  <a:schemeClr val="lt1"/>
-                </a:solidFill>
-                <a:latin typeface="+mn-lt"/>
-                <a:ea typeface="+mn-ea"/>
-                <a:cs typeface="+mn-cs"/>
-              </a:defRPr>
-            </a:lvl7pPr>
-            <a:lvl8pPr marL="3200400" algn="l" defTabSz="914400" rtl="0" eaLnBrk="1" latinLnBrk="0" hangingPunct="1">
-              <a:defRPr sz="1800" kern="1200">
-                <a:solidFill>
-                  <a:schemeClr val="lt1"/>
-                </a:solidFill>
-                <a:latin typeface="+mn-lt"/>
-                <a:ea typeface="+mn-ea"/>
-                <a:cs typeface="+mn-cs"/>
-              </a:defRPr>
-            </a:lvl8pPr>
-            <a:lvl9pPr marL="3657600" algn="l" defTabSz="914400" rtl="0" eaLnBrk="1" latinLnBrk="0" hangingPunct="1">
-              <a:defRPr sz="1800" kern="1200">
-                <a:solidFill>
-                  <a:schemeClr val="lt1"/>
-                </a:solidFill>
-                <a:latin typeface="+mn-lt"/>
-                <a:ea typeface="+mn-ea"/>
-                <a:cs typeface="+mn-cs"/>
-              </a:defRPr>
-            </a:lvl9pPr>
-          </a:lstStyle>
-          <a:p>
-            <a:pPr algn="ctr"/>
-            <a:r>
-              <a:rPr lang="en-US" sz="5400" dirty="0">
-                <a:solidFill>
-                  <a:schemeClr val="accent4"/>
-                </a:solidFill>
-              </a:rPr>
-              <a:t>G</a:t>
-            </a:r>
-            <a:endParaRPr lang="en-PH" sz="5400" dirty="0">
-              <a:solidFill>
-                <a:schemeClr val="accent4"/>
-              </a:solidFill>
-            </a:endParaRPr>
-          </a:p>
-        </p:txBody>
-      </p:sp>
-      <p:sp>
-        <p:nvSpPr>
-          <p:cNvPr id="4" name="Rectangle 3">
-            <a:extLst>
-              <a:ext uri="{FF2B5EF4-FFF2-40B4-BE49-F238E27FC236}">
-                <a16:creationId xmlns:a16="http://schemas.microsoft.com/office/drawing/2014/main" id="{34D0967F-3237-4FE7-8F23-12D0F1C5E05C}"/>
-              </a:ext>
-            </a:extLst>
-          </p:cNvPr>
-          <p:cNvSpPr/>
-          <p:nvPr/>
-        </p:nvSpPr>
-        <p:spPr>
-          <a:xfrm>
-            <a:off x="6372287" y="2241915"/>
-            <a:ext cx="1786597" cy="970671"/>
-          </a:xfrm>
-          <a:prstGeom prst="rect">
-            <a:avLst/>
-          </a:prstGeom>
-          <a:noFill/>
-          <a:ln>
-            <a:noFill/>
-          </a:ln>
-        </p:spPr>
-        <p:style>
-          <a:lnRef idx="2">
-            <a:schemeClr val="accent1">
-              <a:shade val="50000"/>
-            </a:schemeClr>
-          </a:lnRef>
-          <a:fillRef idx="1">
-            <a:schemeClr val="accent1"/>
-          </a:fillRef>
-          <a:effectRef idx="0">
-            <a:schemeClr val="accent1"/>
-          </a:effectRef>
-          <a:fontRef idx="minor">
-            <a:schemeClr val="lt1"/>
-          </a:fontRef>
-        </p:style>
-        <p:txBody>
-          <a:bodyPr rtlCol="0" anchor="ctr"/>
-          <a:lstStyle>
-            <a:defPPr>
-              <a:defRPr lang="en-US"/>
-            </a:defPPr>
-            <a:lvl1pPr marL="0" algn="l" defTabSz="914400" rtl="0" eaLnBrk="1" latinLnBrk="0" hangingPunct="1">
-              <a:defRPr sz="1800" kern="1200">
-                <a:solidFill>
-                  <a:schemeClr val="lt1"/>
-                </a:solidFill>
-                <a:latin typeface="+mn-lt"/>
-                <a:ea typeface="+mn-ea"/>
-                <a:cs typeface="+mn-cs"/>
-              </a:defRPr>
-            </a:lvl1pPr>
-            <a:lvl2pPr marL="457200" algn="l" defTabSz="914400" rtl="0" eaLnBrk="1" latinLnBrk="0" hangingPunct="1">
-              <a:defRPr sz="1800" kern="1200">
-                <a:solidFill>
-                  <a:schemeClr val="lt1"/>
-                </a:solidFill>
-                <a:latin typeface="+mn-lt"/>
-                <a:ea typeface="+mn-ea"/>
-                <a:cs typeface="+mn-cs"/>
-              </a:defRPr>
-            </a:lvl2pPr>
-            <a:lvl3pPr marL="914400" algn="l" defTabSz="914400" rtl="0" eaLnBrk="1" latinLnBrk="0" hangingPunct="1">
-              <a:defRPr sz="1800" kern="1200">
-                <a:solidFill>
-                  <a:schemeClr val="lt1"/>
-                </a:solidFill>
-                <a:latin typeface="+mn-lt"/>
-                <a:ea typeface="+mn-ea"/>
-                <a:cs typeface="+mn-cs"/>
-              </a:defRPr>
-            </a:lvl3pPr>
-            <a:lvl4pPr marL="1371600" algn="l" defTabSz="914400" rtl="0" eaLnBrk="1" latinLnBrk="0" hangingPunct="1">
-              <a:defRPr sz="1800" kern="1200">
-                <a:solidFill>
-                  <a:schemeClr val="lt1"/>
-                </a:solidFill>
-                <a:latin typeface="+mn-lt"/>
-                <a:ea typeface="+mn-ea"/>
-                <a:cs typeface="+mn-cs"/>
-              </a:defRPr>
-            </a:lvl4pPr>
-            <a:lvl5pPr marL="1828800" algn="l" defTabSz="914400" rtl="0" eaLnBrk="1" latinLnBrk="0" hangingPunct="1">
-              <a:defRPr sz="1800" kern="1200">
-                <a:solidFill>
-                  <a:schemeClr val="lt1"/>
-                </a:solidFill>
-                <a:latin typeface="+mn-lt"/>
-                <a:ea typeface="+mn-ea"/>
-                <a:cs typeface="+mn-cs"/>
-              </a:defRPr>
-            </a:lvl5pPr>
-            <a:lvl6pPr marL="2286000" algn="l" defTabSz="914400" rtl="0" eaLnBrk="1" latinLnBrk="0" hangingPunct="1">
-              <a:defRPr sz="1800" kern="1200">
-                <a:solidFill>
-                  <a:schemeClr val="lt1"/>
-                </a:solidFill>
-                <a:latin typeface="+mn-lt"/>
-                <a:ea typeface="+mn-ea"/>
-                <a:cs typeface="+mn-cs"/>
-              </a:defRPr>
-            </a:lvl6pPr>
-            <a:lvl7pPr marL="2743200" algn="l" defTabSz="914400" rtl="0" eaLnBrk="1" latinLnBrk="0" hangingPunct="1">
-              <a:defRPr sz="1800" kern="1200">
-                <a:solidFill>
-                  <a:schemeClr val="lt1"/>
-                </a:solidFill>
-                <a:latin typeface="+mn-lt"/>
-                <a:ea typeface="+mn-ea"/>
-                <a:cs typeface="+mn-cs"/>
-              </a:defRPr>
-            </a:lvl7pPr>
-            <a:lvl8pPr marL="3200400" algn="l" defTabSz="914400" rtl="0" eaLnBrk="1" latinLnBrk="0" hangingPunct="1">
-              <a:defRPr sz="1800" kern="1200">
-                <a:solidFill>
-                  <a:schemeClr val="lt1"/>
-                </a:solidFill>
-                <a:latin typeface="+mn-lt"/>
-                <a:ea typeface="+mn-ea"/>
-                <a:cs typeface="+mn-cs"/>
-              </a:defRPr>
-            </a:lvl8pPr>
-            <a:lvl9pPr marL="3657600" algn="l" defTabSz="914400" rtl="0" eaLnBrk="1" latinLnBrk="0" hangingPunct="1">
-              <a:defRPr sz="1800" kern="1200">
-                <a:solidFill>
-                  <a:schemeClr val="lt1"/>
-                </a:solidFill>
-                <a:latin typeface="+mn-lt"/>
-                <a:ea typeface="+mn-ea"/>
-                <a:cs typeface="+mn-cs"/>
-              </a:defRPr>
-            </a:lvl9pPr>
-          </a:lstStyle>
-          <a:p>
-            <a:pPr algn="ctr"/>
-            <a:r>
-              <a:rPr lang="en-US" sz="5400" dirty="0">
-                <a:solidFill>
-                  <a:schemeClr val="accent4"/>
-                </a:solidFill>
-              </a:rPr>
-              <a:t>C</a:t>
-            </a:r>
-            <a:endParaRPr lang="en-PH" sz="5400" dirty="0">
-              <a:solidFill>
-                <a:schemeClr val="accent4"/>
-              </a:solidFill>
-            </a:endParaRPr>
-          </a:p>
-        </p:txBody>
-      </p:sp>
-      <p:sp>
-        <p:nvSpPr>
-          <p:cNvPr id="5" name="Rectangle 4">
-            <a:extLst>
-              <a:ext uri="{FF2B5EF4-FFF2-40B4-BE49-F238E27FC236}">
-                <a16:creationId xmlns:a16="http://schemas.microsoft.com/office/drawing/2014/main" id="{A974E18B-8C49-4F0A-BEFB-CC3A2DD7A9C7}"/>
-              </a:ext>
-            </a:extLst>
-          </p:cNvPr>
-          <p:cNvSpPr/>
-          <p:nvPr/>
-        </p:nvSpPr>
-        <p:spPr>
-          <a:xfrm>
-            <a:off x="10200000" y="3687937"/>
-            <a:ext cx="1786597" cy="970671"/>
-          </a:xfrm>
-          <a:prstGeom prst="rect">
-            <a:avLst/>
-          </a:prstGeom>
-          <a:noFill/>
-          <a:ln>
-            <a:noFill/>
-          </a:ln>
-        </p:spPr>
-        <p:style>
-          <a:lnRef idx="2">
-            <a:schemeClr val="accent1">
-              <a:shade val="50000"/>
-            </a:schemeClr>
-          </a:lnRef>
-          <a:fillRef idx="1">
-            <a:schemeClr val="accent1"/>
-          </a:fillRef>
-          <a:effectRef idx="0">
-            <a:schemeClr val="accent1"/>
-          </a:effectRef>
-          <a:fontRef idx="minor">
-            <a:schemeClr val="lt1"/>
-          </a:fontRef>
-        </p:style>
-        <p:txBody>
-          <a:bodyPr rtlCol="0" anchor="ctr"/>
-          <a:lstStyle>
-            <a:defPPr>
-              <a:defRPr lang="en-US"/>
-            </a:defPPr>
-            <a:lvl1pPr marL="0" algn="l" defTabSz="914400" rtl="0" eaLnBrk="1" latinLnBrk="0" hangingPunct="1">
-              <a:defRPr sz="1800" kern="1200">
-                <a:solidFill>
-                  <a:schemeClr val="lt1"/>
-                </a:solidFill>
-                <a:latin typeface="+mn-lt"/>
-                <a:ea typeface="+mn-ea"/>
-                <a:cs typeface="+mn-cs"/>
-              </a:defRPr>
-            </a:lvl1pPr>
-            <a:lvl2pPr marL="457200" algn="l" defTabSz="914400" rtl="0" eaLnBrk="1" latinLnBrk="0" hangingPunct="1">
-              <a:defRPr sz="1800" kern="1200">
-                <a:solidFill>
-                  <a:schemeClr val="lt1"/>
-                </a:solidFill>
-                <a:latin typeface="+mn-lt"/>
-                <a:ea typeface="+mn-ea"/>
-                <a:cs typeface="+mn-cs"/>
-              </a:defRPr>
-            </a:lvl2pPr>
-            <a:lvl3pPr marL="914400" algn="l" defTabSz="914400" rtl="0" eaLnBrk="1" latinLnBrk="0" hangingPunct="1">
-              <a:defRPr sz="1800" kern="1200">
-                <a:solidFill>
-                  <a:schemeClr val="lt1"/>
-                </a:solidFill>
-                <a:latin typeface="+mn-lt"/>
-                <a:ea typeface="+mn-ea"/>
-                <a:cs typeface="+mn-cs"/>
-              </a:defRPr>
-            </a:lvl3pPr>
-            <a:lvl4pPr marL="1371600" algn="l" defTabSz="914400" rtl="0" eaLnBrk="1" latinLnBrk="0" hangingPunct="1">
-              <a:defRPr sz="1800" kern="1200">
-                <a:solidFill>
-                  <a:schemeClr val="lt1"/>
-                </a:solidFill>
-                <a:latin typeface="+mn-lt"/>
-                <a:ea typeface="+mn-ea"/>
-                <a:cs typeface="+mn-cs"/>
-              </a:defRPr>
-            </a:lvl4pPr>
-            <a:lvl5pPr marL="1828800" algn="l" defTabSz="914400" rtl="0" eaLnBrk="1" latinLnBrk="0" hangingPunct="1">
-              <a:defRPr sz="1800" kern="1200">
-                <a:solidFill>
-                  <a:schemeClr val="lt1"/>
-                </a:solidFill>
-                <a:latin typeface="+mn-lt"/>
-                <a:ea typeface="+mn-ea"/>
-                <a:cs typeface="+mn-cs"/>
-              </a:defRPr>
-            </a:lvl5pPr>
-            <a:lvl6pPr marL="2286000" algn="l" defTabSz="914400" rtl="0" eaLnBrk="1" latinLnBrk="0" hangingPunct="1">
-              <a:defRPr sz="1800" kern="1200">
-                <a:solidFill>
-                  <a:schemeClr val="lt1"/>
-                </a:solidFill>
-                <a:latin typeface="+mn-lt"/>
-                <a:ea typeface="+mn-ea"/>
-                <a:cs typeface="+mn-cs"/>
-              </a:defRPr>
-            </a:lvl6pPr>
-            <a:lvl7pPr marL="2743200" algn="l" defTabSz="914400" rtl="0" eaLnBrk="1" latinLnBrk="0" hangingPunct="1">
-              <a:defRPr sz="1800" kern="1200">
-                <a:solidFill>
-                  <a:schemeClr val="lt1"/>
-                </a:solidFill>
-                <a:latin typeface="+mn-lt"/>
-                <a:ea typeface="+mn-ea"/>
-                <a:cs typeface="+mn-cs"/>
-              </a:defRPr>
-            </a:lvl7pPr>
-            <a:lvl8pPr marL="3200400" algn="l" defTabSz="914400" rtl="0" eaLnBrk="1" latinLnBrk="0" hangingPunct="1">
-              <a:defRPr sz="1800" kern="1200">
-                <a:solidFill>
-                  <a:schemeClr val="lt1"/>
-                </a:solidFill>
-                <a:latin typeface="+mn-lt"/>
-                <a:ea typeface="+mn-ea"/>
-                <a:cs typeface="+mn-cs"/>
-              </a:defRPr>
-            </a:lvl8pPr>
-            <a:lvl9pPr marL="3657600" algn="l" defTabSz="914400" rtl="0" eaLnBrk="1" latinLnBrk="0" hangingPunct="1">
-              <a:defRPr sz="1800" kern="1200">
-                <a:solidFill>
-                  <a:schemeClr val="lt1"/>
-                </a:solidFill>
-                <a:latin typeface="+mn-lt"/>
-                <a:ea typeface="+mn-ea"/>
-                <a:cs typeface="+mn-cs"/>
-              </a:defRPr>
-            </a:lvl9pPr>
-          </a:lstStyle>
-          <a:p>
-            <a:pPr algn="ctr"/>
-            <a:r>
-              <a:rPr lang="en-US" sz="5400" dirty="0" err="1">
-                <a:solidFill>
-                  <a:schemeClr val="accent4"/>
-                </a:solidFill>
-              </a:rPr>
-              <a:t>Bm</a:t>
-            </a:r>
-            <a:endParaRPr lang="en-PH" sz="5400" dirty="0">
-              <a:solidFill>
-                <a:schemeClr val="accent4"/>
-              </a:solidFill>
+              <a:rPr lang="sv-SE" sz="11000" dirty="0">
+                <a:latin typeface="Times New Roman" panose="02020603050405020304" pitchFamily="18" charset="0"/>
+                <a:cs typeface="Times New Roman" panose="02020603050405020304" pitchFamily="18" charset="0"/>
+              </a:rPr>
+              <a:t>Sa Makahupay'ng Tambal</a:t>
+            </a:r>
+            <a:r>
+              <a:rPr lang="en-ID" sz="11000" dirty="0">
+                <a:latin typeface="Times New Roman" panose="02020603050405020304" pitchFamily="18" charset="0"/>
+                <a:cs typeface="Times New Roman" panose="02020603050405020304" pitchFamily="18" charset="0"/>
+              </a:rPr>
+              <a:t> </a:t>
+            </a:r>
+            <a:r>
+              <a:rPr lang="en-ID" sz="11000" dirty="0" err="1">
+                <a:latin typeface="Times New Roman" panose="02020603050405020304" pitchFamily="18" charset="0"/>
+                <a:cs typeface="Times New Roman" panose="02020603050405020304" pitchFamily="18" charset="0"/>
+              </a:rPr>
+              <a:t>Kining</a:t>
+            </a:r>
+            <a:r>
+              <a:rPr lang="en-ID" sz="11000" dirty="0">
+                <a:latin typeface="Times New Roman" panose="02020603050405020304" pitchFamily="18" charset="0"/>
+                <a:cs typeface="Times New Roman" panose="02020603050405020304" pitchFamily="18" charset="0"/>
+              </a:rPr>
+              <a:t> </a:t>
+            </a:r>
+            <a:r>
+              <a:rPr lang="en-ID" sz="11000" dirty="0" err="1">
+                <a:latin typeface="Times New Roman" panose="02020603050405020304" pitchFamily="18" charset="0"/>
+                <a:cs typeface="Times New Roman" panose="02020603050405020304" pitchFamily="18" charset="0"/>
+              </a:rPr>
+              <a:t>Kasingkasing</a:t>
+            </a:r>
+            <a:r>
+              <a:rPr lang="en-ID" sz="11000" dirty="0">
+                <a:latin typeface="Times New Roman" panose="02020603050405020304" pitchFamily="18" charset="0"/>
+                <a:cs typeface="Times New Roman" panose="02020603050405020304" pitchFamily="18" charset="0"/>
+              </a:rPr>
+              <a:t>, </a:t>
+            </a:r>
+            <a:r>
+              <a:rPr lang="en-ID" sz="11000" dirty="0" err="1">
+                <a:latin typeface="Times New Roman" panose="02020603050405020304" pitchFamily="18" charset="0"/>
+                <a:cs typeface="Times New Roman" panose="02020603050405020304" pitchFamily="18" charset="0"/>
+              </a:rPr>
+              <a:t>Hatagi</a:t>
+            </a:r>
+            <a:r>
+              <a:rPr lang="en-ID" sz="11000" dirty="0">
+                <a:latin typeface="Times New Roman" panose="02020603050405020304" pitchFamily="18" charset="0"/>
+                <a:cs typeface="Times New Roman" panose="02020603050405020304" pitchFamily="18" charset="0"/>
+              </a:rPr>
+              <a:t>, </a:t>
+            </a:r>
+            <a:r>
+              <a:rPr lang="en-ID" sz="11000" dirty="0" err="1">
+                <a:latin typeface="Times New Roman" panose="02020603050405020304" pitchFamily="18" charset="0"/>
+                <a:cs typeface="Times New Roman" panose="02020603050405020304" pitchFamily="18" charset="0"/>
+              </a:rPr>
+              <a:t>Hatagi</a:t>
+            </a:r>
+            <a:endParaRPr lang="en-ID" sz="11000" dirty="0">
+              <a:latin typeface="Times New Roman" panose="02020603050405020304" pitchFamily="18" charset="0"/>
+              <a:cs typeface="Times New Roman" panose="02020603050405020304" pitchFamily="18" charset="0"/>
             </a:endParaRPr>
           </a:p>
         </p:txBody>
@@ -5996,7 +4084,7 @@
     </p:spTree>
     <p:extLst>
       <p:ext uri="{BB962C8B-B14F-4D97-AF65-F5344CB8AC3E}">
-        <p14:creationId xmlns:p14="http://schemas.microsoft.com/office/powerpoint/2010/main" val="3818282456"/>
+        <p14:creationId xmlns:p14="http://schemas.microsoft.com/office/powerpoint/2010/main" val="1191219540"/>
       </p:ext>
     </p:extLst>
   </p:cSld>
@@ -6074,79 +4162,72 @@
           <a:p>
             <a:pPr algn="ctr"/>
             <a:r>
-              <a:rPr lang="sv-SE" sz="9600" dirty="0">
-                <a:latin typeface="Times New Roman" panose="02020603050405020304" pitchFamily="18" charset="0"/>
-                <a:cs typeface="Times New Roman" panose="02020603050405020304" pitchFamily="18" charset="0"/>
-              </a:rPr>
-              <a:t>Sa Makahupay'ng Tambal</a:t>
-            </a:r>
-            <a:endParaRPr lang="en-ID" sz="9600" dirty="0">
+              <a:rPr lang="en-ID" sz="11000" dirty="0">
+                <a:latin typeface="Times New Roman" panose="02020603050405020304" pitchFamily="18" charset="0"/>
+                <a:cs typeface="Times New Roman" panose="02020603050405020304" pitchFamily="18" charset="0"/>
+              </a:rPr>
+              <a:t>Ug </a:t>
+            </a:r>
+            <a:r>
+              <a:rPr lang="en-ID" sz="11000" dirty="0" err="1">
+                <a:latin typeface="Times New Roman" panose="02020603050405020304" pitchFamily="18" charset="0"/>
+                <a:cs typeface="Times New Roman" panose="02020603050405020304" pitchFamily="18" charset="0"/>
+              </a:rPr>
+              <a:t>Buksa</a:t>
+            </a:r>
+            <a:r>
+              <a:rPr lang="en-ID" sz="11000" dirty="0">
+                <a:latin typeface="Times New Roman" panose="02020603050405020304" pitchFamily="18" charset="0"/>
+                <a:cs typeface="Times New Roman" panose="02020603050405020304" pitchFamily="18" charset="0"/>
+              </a:rPr>
+              <a:t> Ang </a:t>
+            </a:r>
+            <a:r>
+              <a:rPr lang="en-ID" sz="11000" dirty="0" err="1">
+                <a:latin typeface="Times New Roman" panose="02020603050405020304" pitchFamily="18" charset="0"/>
+                <a:cs typeface="Times New Roman" panose="02020603050405020304" pitchFamily="18" charset="0"/>
+              </a:rPr>
+              <a:t>Gangha</a:t>
+            </a:r>
+            <a:r>
+              <a:rPr lang="en-ID" sz="11000" dirty="0">
+                <a:latin typeface="Times New Roman" panose="02020603050405020304" pitchFamily="18" charset="0"/>
+                <a:cs typeface="Times New Roman" panose="02020603050405020304" pitchFamily="18" charset="0"/>
+              </a:rPr>
+              <a:t>-an, </a:t>
+            </a:r>
+            <a:r>
+              <a:rPr lang="en-ID" sz="11000" dirty="0" err="1">
+                <a:latin typeface="Times New Roman" panose="02020603050405020304" pitchFamily="18" charset="0"/>
+                <a:cs typeface="Times New Roman" panose="02020603050405020304" pitchFamily="18" charset="0"/>
+              </a:rPr>
+              <a:t>Mosulod</a:t>
+            </a:r>
+            <a:r>
+              <a:rPr lang="en-ID" sz="11000" dirty="0">
+                <a:latin typeface="Times New Roman" panose="02020603050405020304" pitchFamily="18" charset="0"/>
+                <a:cs typeface="Times New Roman" panose="02020603050405020304" pitchFamily="18" charset="0"/>
+              </a:rPr>
+              <a:t> Lab-as Nga </a:t>
+            </a:r>
+            <a:r>
+              <a:rPr lang="en-ID" sz="11000" dirty="0" err="1">
+                <a:latin typeface="Times New Roman" panose="02020603050405020304" pitchFamily="18" charset="0"/>
+                <a:cs typeface="Times New Roman" panose="02020603050405020304" pitchFamily="18" charset="0"/>
+              </a:rPr>
+              <a:t>Hangin</a:t>
+            </a:r>
+            <a:endParaRPr lang="en-ID" sz="11000" dirty="0">
               <a:latin typeface="Times New Roman" panose="02020603050405020304" pitchFamily="18" charset="0"/>
               <a:cs typeface="Times New Roman" panose="02020603050405020304" pitchFamily="18" charset="0"/>
             </a:endParaRPr>
           </a:p>
-          <a:p>
-            <a:pPr algn="ctr"/>
-            <a:r>
-              <a:rPr lang="en-ID" sz="10000" dirty="0" err="1">
-                <a:latin typeface="Times New Roman" panose="02020603050405020304" pitchFamily="18" charset="0"/>
-                <a:cs typeface="Times New Roman" panose="02020603050405020304" pitchFamily="18" charset="0"/>
-              </a:rPr>
-              <a:t>Kining</a:t>
-            </a:r>
-            <a:r>
-              <a:rPr lang="en-ID" sz="10000" dirty="0">
-                <a:latin typeface="Times New Roman" panose="02020603050405020304" pitchFamily="18" charset="0"/>
-                <a:cs typeface="Times New Roman" panose="02020603050405020304" pitchFamily="18" charset="0"/>
-              </a:rPr>
-              <a:t> </a:t>
-            </a:r>
-            <a:r>
-              <a:rPr lang="en-ID" sz="10000" dirty="0" err="1">
-                <a:latin typeface="Times New Roman" panose="02020603050405020304" pitchFamily="18" charset="0"/>
-                <a:cs typeface="Times New Roman" panose="02020603050405020304" pitchFamily="18" charset="0"/>
-              </a:rPr>
-              <a:t>Kasingkasing</a:t>
-            </a:r>
-            <a:r>
-              <a:rPr lang="en-ID" sz="10000" dirty="0">
-                <a:latin typeface="Times New Roman" panose="02020603050405020304" pitchFamily="18" charset="0"/>
-                <a:cs typeface="Times New Roman" panose="02020603050405020304" pitchFamily="18" charset="0"/>
-              </a:rPr>
-              <a:t>, </a:t>
-            </a:r>
-            <a:r>
-              <a:rPr lang="en-ID" sz="10000" dirty="0" err="1">
-                <a:latin typeface="Times New Roman" panose="02020603050405020304" pitchFamily="18" charset="0"/>
-                <a:cs typeface="Times New Roman" panose="02020603050405020304" pitchFamily="18" charset="0"/>
-              </a:rPr>
-              <a:t>Hatagi</a:t>
-            </a:r>
-            <a:r>
-              <a:rPr lang="en-ID" sz="10000" dirty="0">
-                <a:latin typeface="Times New Roman" panose="02020603050405020304" pitchFamily="18" charset="0"/>
-                <a:cs typeface="Times New Roman" panose="02020603050405020304" pitchFamily="18" charset="0"/>
-              </a:rPr>
-              <a:t>, </a:t>
-            </a:r>
-            <a:r>
-              <a:rPr lang="en-ID" sz="10000" dirty="0" err="1">
-                <a:latin typeface="Times New Roman" panose="02020603050405020304" pitchFamily="18" charset="0"/>
-                <a:cs typeface="Times New Roman" panose="02020603050405020304" pitchFamily="18" charset="0"/>
-              </a:rPr>
-              <a:t>Hatagi</a:t>
-            </a:r>
-            <a:endParaRPr lang="en-ID" sz="10000" dirty="0">
-              <a:latin typeface="Times New Roman" panose="02020603050405020304" pitchFamily="18" charset="0"/>
-              <a:cs typeface="Times New Roman" panose="02020603050405020304" pitchFamily="18" charset="0"/>
-            </a:endParaRPr>
-          </a:p>
         </p:txBody>
       </p:sp>
     </p:spTree>
     <p:extLst>
       <p:ext uri="{BB962C8B-B14F-4D97-AF65-F5344CB8AC3E}">
-        <p14:creationId xmlns:p14="http://schemas.microsoft.com/office/powerpoint/2010/main" val="1191219540"/>
+        <p14:creationId xmlns:p14="http://schemas.microsoft.com/office/powerpoint/2010/main" val="2302256193"/>
       </p:ext>
     </p:extLst>
   </p:cSld>
@@ -6224,72 +4305,61 @@
           <a:p>
             <a:pPr algn="ctr"/>
             <a:r>
-              <a:rPr lang="en-ID" sz="10000" dirty="0">
-                <a:latin typeface="Times New Roman" panose="02020603050405020304" pitchFamily="18" charset="0"/>
-                <a:cs typeface="Times New Roman" panose="02020603050405020304" pitchFamily="18" charset="0"/>
-              </a:rPr>
-              <a:t>Ug </a:t>
-            </a:r>
-            <a:r>
-              <a:rPr lang="en-ID" sz="10000" dirty="0" err="1">
-                <a:latin typeface="Times New Roman" panose="02020603050405020304" pitchFamily="18" charset="0"/>
-                <a:cs typeface="Times New Roman" panose="02020603050405020304" pitchFamily="18" charset="0"/>
-              </a:rPr>
-              <a:t>Buksa</a:t>
-            </a:r>
-            <a:r>
-              <a:rPr lang="en-ID" sz="10000" dirty="0">
-                <a:latin typeface="Times New Roman" panose="02020603050405020304" pitchFamily="18" charset="0"/>
-                <a:cs typeface="Times New Roman" panose="02020603050405020304" pitchFamily="18" charset="0"/>
-              </a:rPr>
-              <a:t> Ang </a:t>
-            </a:r>
-            <a:r>
-              <a:rPr lang="en-ID" sz="10000" dirty="0" err="1">
-                <a:latin typeface="Times New Roman" panose="02020603050405020304" pitchFamily="18" charset="0"/>
-                <a:cs typeface="Times New Roman" panose="02020603050405020304" pitchFamily="18" charset="0"/>
-              </a:rPr>
-              <a:t>Gangha</a:t>
-            </a:r>
-            <a:r>
-              <a:rPr lang="en-ID" sz="10000" dirty="0">
-                <a:latin typeface="Times New Roman" panose="02020603050405020304" pitchFamily="18" charset="0"/>
-                <a:cs typeface="Times New Roman" panose="02020603050405020304" pitchFamily="18" charset="0"/>
-              </a:rPr>
-              <a:t>-an, </a:t>
-            </a:r>
-            <a:r>
-              <a:rPr lang="en-ID" sz="10000" dirty="0" err="1">
-                <a:latin typeface="Times New Roman" panose="02020603050405020304" pitchFamily="18" charset="0"/>
-                <a:cs typeface="Times New Roman" panose="02020603050405020304" pitchFamily="18" charset="0"/>
-              </a:rPr>
-              <a:t>Mosulod</a:t>
-            </a:r>
-            <a:r>
-              <a:rPr lang="en-ID" sz="10000" dirty="0">
-                <a:latin typeface="Times New Roman" panose="02020603050405020304" pitchFamily="18" charset="0"/>
-                <a:cs typeface="Times New Roman" panose="02020603050405020304" pitchFamily="18" charset="0"/>
-              </a:rPr>
-              <a:t> Lab-as Nga </a:t>
-            </a:r>
-            <a:r>
-              <a:rPr lang="en-ID" sz="10000" dirty="0" err="1">
-                <a:latin typeface="Times New Roman" panose="02020603050405020304" pitchFamily="18" charset="0"/>
-                <a:cs typeface="Times New Roman" panose="02020603050405020304" pitchFamily="18" charset="0"/>
-              </a:rPr>
-              <a:t>Hangin</a:t>
-            </a:r>
-            <a:endParaRPr lang="en-ID" sz="10000" dirty="0">
-              <a:latin typeface="Times New Roman" panose="02020603050405020304" pitchFamily="18" charset="0"/>
-              <a:cs typeface="Times New Roman" panose="02020603050405020304" pitchFamily="18" charset="0"/>
-            </a:endParaRPr>
+              <a:rPr lang="en-ID" sz="11000" dirty="0" err="1">
+                <a:latin typeface="Times New Roman" panose="02020603050405020304" pitchFamily="18" charset="0"/>
+                <a:cs typeface="Times New Roman" panose="02020603050405020304" pitchFamily="18" charset="0"/>
+              </a:rPr>
+              <a:t>Diosnon</a:t>
+            </a:r>
+            <a:r>
+              <a:rPr lang="en-ID" sz="11000" dirty="0">
+                <a:latin typeface="Times New Roman" panose="02020603050405020304" pitchFamily="18" charset="0"/>
+                <a:cs typeface="Times New Roman" panose="02020603050405020304" pitchFamily="18" charset="0"/>
+              </a:rPr>
+              <a:t> Nga </a:t>
+            </a:r>
+            <a:r>
+              <a:rPr lang="en-ID" sz="11000" dirty="0" err="1">
+                <a:latin typeface="Times New Roman" panose="02020603050405020304" pitchFamily="18" charset="0"/>
+                <a:cs typeface="Times New Roman" panose="02020603050405020304" pitchFamily="18" charset="0"/>
+              </a:rPr>
+              <a:t>Kahayag</a:t>
+            </a:r>
+            <a:r>
+              <a:rPr lang="en-ID" sz="11000" dirty="0">
+                <a:latin typeface="Times New Roman" panose="02020603050405020304" pitchFamily="18" charset="0"/>
+                <a:cs typeface="Times New Roman" panose="02020603050405020304" pitchFamily="18" charset="0"/>
+              </a:rPr>
+              <a:t> </a:t>
+            </a:r>
+            <a:r>
+              <a:rPr lang="en-ID" sz="11000" dirty="0" err="1">
+                <a:latin typeface="Times New Roman" panose="02020603050405020304" pitchFamily="18" charset="0"/>
+                <a:cs typeface="Times New Roman" panose="02020603050405020304" pitchFamily="18" charset="0"/>
+              </a:rPr>
+              <a:t>Modan</a:t>
+            </a:r>
+            <a:r>
+              <a:rPr lang="en-ID" sz="11000" dirty="0">
+                <a:latin typeface="Times New Roman" panose="02020603050405020304" pitchFamily="18" charset="0"/>
+                <a:cs typeface="Times New Roman" panose="02020603050405020304" pitchFamily="18" charset="0"/>
+              </a:rPr>
+              <a:t>-ag, </a:t>
+            </a:r>
+            <a:r>
+              <a:rPr lang="nn-NO" sz="11000" dirty="0">
+                <a:latin typeface="Times New Roman" panose="02020603050405020304" pitchFamily="18" charset="0"/>
+                <a:cs typeface="Times New Roman" panose="02020603050405020304" pitchFamily="18" charset="0"/>
+              </a:rPr>
+              <a:t>Mapuno Ka Sa Panalangin</a:t>
+            </a:r>
           </a:p>
         </p:txBody>
       </p:sp>
     </p:spTree>
     <p:extLst>
       <p:ext uri="{BB962C8B-B14F-4D97-AF65-F5344CB8AC3E}">
-        <p14:creationId xmlns:p14="http://schemas.microsoft.com/office/powerpoint/2010/main" val="2302256193"/>
+        <p14:creationId xmlns:p14="http://schemas.microsoft.com/office/powerpoint/2010/main" val="2674464679"/>
       </p:ext>
     </p:extLst>
   </p:cSld>
@@ -6367,61 +4437,23 @@
           <a:p>
             <a:pPr algn="ctr"/>
             <a:r>
-              <a:rPr lang="en-ID" sz="10000" dirty="0" err="1">
-                <a:latin typeface="Times New Roman" panose="02020603050405020304" pitchFamily="18" charset="0"/>
-                <a:cs typeface="Times New Roman" panose="02020603050405020304" pitchFamily="18" charset="0"/>
-              </a:rPr>
-              <a:t>Diosnon</a:t>
-            </a:r>
-            <a:r>
-              <a:rPr lang="en-ID" sz="10000" dirty="0">
-                <a:latin typeface="Times New Roman" panose="02020603050405020304" pitchFamily="18" charset="0"/>
-                <a:cs typeface="Times New Roman" panose="02020603050405020304" pitchFamily="18" charset="0"/>
-              </a:rPr>
-              <a:t> Nga </a:t>
-            </a:r>
-            <a:r>
-              <a:rPr lang="en-ID" sz="10000" dirty="0" err="1">
-                <a:latin typeface="Times New Roman" panose="02020603050405020304" pitchFamily="18" charset="0"/>
-                <a:cs typeface="Times New Roman" panose="02020603050405020304" pitchFamily="18" charset="0"/>
-              </a:rPr>
-              <a:t>Kahayag</a:t>
-            </a:r>
-            <a:r>
-              <a:rPr lang="en-ID" sz="10000" dirty="0">
-                <a:latin typeface="Times New Roman" panose="02020603050405020304" pitchFamily="18" charset="0"/>
-                <a:cs typeface="Times New Roman" panose="02020603050405020304" pitchFamily="18" charset="0"/>
-              </a:rPr>
-              <a:t> </a:t>
-            </a:r>
-            <a:r>
-              <a:rPr lang="en-ID" sz="10000" dirty="0" err="1">
-                <a:latin typeface="Times New Roman" panose="02020603050405020304" pitchFamily="18" charset="0"/>
-                <a:cs typeface="Times New Roman" panose="02020603050405020304" pitchFamily="18" charset="0"/>
-              </a:rPr>
-              <a:t>Modan</a:t>
-            </a:r>
-            <a:r>
-              <a:rPr lang="en-ID" sz="10000" dirty="0">
-                <a:latin typeface="Times New Roman" panose="02020603050405020304" pitchFamily="18" charset="0"/>
-                <a:cs typeface="Times New Roman" panose="02020603050405020304" pitchFamily="18" charset="0"/>
-              </a:rPr>
-              <a:t>-ag, </a:t>
-            </a:r>
-            <a:r>
-              <a:rPr lang="nn-NO" sz="10000" dirty="0">
-                <a:latin typeface="Times New Roman" panose="02020603050405020304" pitchFamily="18" charset="0"/>
-                <a:cs typeface="Times New Roman" panose="02020603050405020304" pitchFamily="18" charset="0"/>
-              </a:rPr>
-              <a:t>Mapuno Ka Sa Panalangin</a:t>
-            </a:r>
+              <a:rPr lang="nn-NO" sz="11000" dirty="0">
+                <a:latin typeface="Times New Roman" panose="02020603050405020304" pitchFamily="18" charset="0"/>
+                <a:cs typeface="Times New Roman" panose="02020603050405020304" pitchFamily="18" charset="0"/>
+              </a:rPr>
+              <a:t>Ang Iyang Kasingkasing Hiusaha Sa Imoha</a:t>
+            </a:r>
+            <a:endParaRPr lang="en-ID" sz="11000" dirty="0">
+              <a:latin typeface="Times New Roman" panose="02020603050405020304" pitchFamily="18" charset="0"/>
+              <a:cs typeface="Times New Roman" panose="02020603050405020304" pitchFamily="18" charset="0"/>
+            </a:endParaRPr>
           </a:p>
         </p:txBody>
       </p:sp>
     </p:spTree>
     <p:extLst>
       <p:ext uri="{BB962C8B-B14F-4D97-AF65-F5344CB8AC3E}">
-        <p14:creationId xmlns:p14="http://schemas.microsoft.com/office/powerpoint/2010/main" val="2674464679"/>
+        <p14:creationId xmlns:p14="http://schemas.microsoft.com/office/powerpoint/2010/main" val="514492130"/>
       </p:ext>
     </p:extLst>
   </p:cSld>
@@ -6499,23 +4531,29 @@
           <a:p>
             <a:pPr algn="ctr"/>
             <a:r>
-              <a:rPr lang="nn-NO" sz="9800" dirty="0">
-                <a:latin typeface="Times New Roman" panose="02020603050405020304" pitchFamily="18" charset="0"/>
-                <a:cs typeface="Times New Roman" panose="02020603050405020304" pitchFamily="18" charset="0"/>
-              </a:rPr>
-              <a:t>Ang Iyang Kasingkasing Hiusaha Sa Imoha</a:t>
-            </a:r>
-            <a:endParaRPr lang="en-ID" sz="9800" dirty="0">
-              <a:latin typeface="Times New Roman" panose="02020603050405020304" pitchFamily="18" charset="0"/>
-              <a:cs typeface="Times New Roman" panose="02020603050405020304" pitchFamily="18" charset="0"/>
-            </a:endParaRPr>
+              <a:rPr lang="sv-SE" sz="11000" dirty="0">
+                <a:latin typeface="Times New Roman" panose="02020603050405020304" pitchFamily="18" charset="0"/>
+                <a:cs typeface="Times New Roman" panose="02020603050405020304" pitchFamily="18" charset="0"/>
+              </a:rPr>
+              <a:t>Ug Ang Tumang Katam-is,</a:t>
+            </a:r>
+          </a:p>
+          <a:p>
+            <a:pPr algn="ctr"/>
+            <a:r>
+              <a:rPr lang="sv-SE" sz="11000" dirty="0">
+                <a:latin typeface="Times New Roman" panose="02020603050405020304" pitchFamily="18" charset="0"/>
+                <a:cs typeface="Times New Roman" panose="02020603050405020304" pitchFamily="18" charset="0"/>
+              </a:rPr>
+              <a:t>Tagamtama Tagamta-ma</a:t>
+            </a:r>
           </a:p>
         </p:txBody>
       </p:sp>
     </p:spTree>
     <p:extLst>
       <p:ext uri="{BB962C8B-B14F-4D97-AF65-F5344CB8AC3E}">
-        <p14:creationId xmlns:p14="http://schemas.microsoft.com/office/powerpoint/2010/main" val="514492130"/>
+        <p14:creationId xmlns:p14="http://schemas.microsoft.com/office/powerpoint/2010/main" val="3066927214"/>
       </p:ext>
     </p:extLst>
   </p:cSld>
